--- a/2025/NewArticle/els-cas-templates/Figs/New.pptx
+++ b/2025/NewArticle/els-cas-templates/Figs/New.pptx
@@ -7,6 +7,7 @@
   <p:sldIdLst>
     <p:sldId id="257" r:id="rId2"/>
     <p:sldId id="258" r:id="rId3"/>
+    <p:sldId id="259" r:id="rId4"/>
   </p:sldIdLst>
   <p:sldSz cx="12192000" cy="6858000"/>
   <p:notesSz cx="6858000" cy="9144000"/>
@@ -262,7 +263,7 @@
           <a:p>
             <a:fld id="{3D1CAED6-1CB0-4158-A97B-4DA3BE2D9695}" type="datetimeFigureOut">
               <a:rPr lang="ru-UA" smtClean="0"/>
-              <a:t>02.03.2025</a:t>
+              <a:t>03.03.2025</a:t>
             </a:fld>
             <a:endParaRPr lang="ru-UA"/>
           </a:p>
@@ -462,7 +463,7 @@
           <a:p>
             <a:fld id="{3D1CAED6-1CB0-4158-A97B-4DA3BE2D9695}" type="datetimeFigureOut">
               <a:rPr lang="ru-UA" smtClean="0"/>
-              <a:t>02.03.2025</a:t>
+              <a:t>03.03.2025</a:t>
             </a:fld>
             <a:endParaRPr lang="ru-UA"/>
           </a:p>
@@ -672,7 +673,7 @@
           <a:p>
             <a:fld id="{3D1CAED6-1CB0-4158-A97B-4DA3BE2D9695}" type="datetimeFigureOut">
               <a:rPr lang="ru-UA" smtClean="0"/>
-              <a:t>02.03.2025</a:t>
+              <a:t>03.03.2025</a:t>
             </a:fld>
             <a:endParaRPr lang="ru-UA"/>
           </a:p>
@@ -872,7 +873,7 @@
           <a:p>
             <a:fld id="{3D1CAED6-1CB0-4158-A97B-4DA3BE2D9695}" type="datetimeFigureOut">
               <a:rPr lang="ru-UA" smtClean="0"/>
-              <a:t>02.03.2025</a:t>
+              <a:t>03.03.2025</a:t>
             </a:fld>
             <a:endParaRPr lang="ru-UA"/>
           </a:p>
@@ -1148,7 +1149,7 @@
           <a:p>
             <a:fld id="{3D1CAED6-1CB0-4158-A97B-4DA3BE2D9695}" type="datetimeFigureOut">
               <a:rPr lang="ru-UA" smtClean="0"/>
-              <a:t>02.03.2025</a:t>
+              <a:t>03.03.2025</a:t>
             </a:fld>
             <a:endParaRPr lang="ru-UA"/>
           </a:p>
@@ -1416,7 +1417,7 @@
           <a:p>
             <a:fld id="{3D1CAED6-1CB0-4158-A97B-4DA3BE2D9695}" type="datetimeFigureOut">
               <a:rPr lang="ru-UA" smtClean="0"/>
-              <a:t>02.03.2025</a:t>
+              <a:t>03.03.2025</a:t>
             </a:fld>
             <a:endParaRPr lang="ru-UA"/>
           </a:p>
@@ -1831,7 +1832,7 @@
           <a:p>
             <a:fld id="{3D1CAED6-1CB0-4158-A97B-4DA3BE2D9695}" type="datetimeFigureOut">
               <a:rPr lang="ru-UA" smtClean="0"/>
-              <a:t>02.03.2025</a:t>
+              <a:t>03.03.2025</a:t>
             </a:fld>
             <a:endParaRPr lang="ru-UA"/>
           </a:p>
@@ -1973,7 +1974,7 @@
           <a:p>
             <a:fld id="{3D1CAED6-1CB0-4158-A97B-4DA3BE2D9695}" type="datetimeFigureOut">
               <a:rPr lang="ru-UA" smtClean="0"/>
-              <a:t>02.03.2025</a:t>
+              <a:t>03.03.2025</a:t>
             </a:fld>
             <a:endParaRPr lang="ru-UA"/>
           </a:p>
@@ -2086,7 +2087,7 @@
           <a:p>
             <a:fld id="{3D1CAED6-1CB0-4158-A97B-4DA3BE2D9695}" type="datetimeFigureOut">
               <a:rPr lang="ru-UA" smtClean="0"/>
-              <a:t>02.03.2025</a:t>
+              <a:t>03.03.2025</a:t>
             </a:fld>
             <a:endParaRPr lang="ru-UA"/>
           </a:p>
@@ -2399,7 +2400,7 @@
           <a:p>
             <a:fld id="{3D1CAED6-1CB0-4158-A97B-4DA3BE2D9695}" type="datetimeFigureOut">
               <a:rPr lang="ru-UA" smtClean="0"/>
-              <a:t>02.03.2025</a:t>
+              <a:t>03.03.2025</a:t>
             </a:fld>
             <a:endParaRPr lang="ru-UA"/>
           </a:p>
@@ -2688,7 +2689,7 @@
           <a:p>
             <a:fld id="{3D1CAED6-1CB0-4158-A97B-4DA3BE2D9695}" type="datetimeFigureOut">
               <a:rPr lang="ru-UA" smtClean="0"/>
-              <a:t>02.03.2025</a:t>
+              <a:t>03.03.2025</a:t>
             </a:fld>
             <a:endParaRPr lang="ru-UA"/>
           </a:p>
@@ -2931,7 +2932,7 @@
           <a:p>
             <a:fld id="{3D1CAED6-1CB0-4158-A97B-4DA3BE2D9695}" type="datetimeFigureOut">
               <a:rPr lang="ru-UA" smtClean="0"/>
-              <a:t>02.03.2025</a:t>
+              <a:t>03.03.2025</a:t>
             </a:fld>
             <a:endParaRPr lang="ru-UA"/>
           </a:p>
@@ -6998,10 +6999,10 @@
       </p:grpSpPr>
       <p:sp>
         <p:nvSpPr>
-          <p:cNvPr id="1039" name="Стрілка: вправо 1038">
-            <a:extLst>
-              <a:ext uri="{FF2B5EF4-FFF2-40B4-BE49-F238E27FC236}">
-                <a16:creationId xmlns:a16="http://schemas.microsoft.com/office/drawing/2014/main" id="{DC7F30B4-C828-FFA3-FC14-095DB0891EF7}"/>
+          <p:cNvPr id="1065" name="Стрілка: вигнута 1064">
+            <a:extLst>
+              <a:ext uri="{FF2B5EF4-FFF2-40B4-BE49-F238E27FC236}">
+                <a16:creationId xmlns:a16="http://schemas.microsoft.com/office/drawing/2014/main" id="{2ECB93C8-518F-875C-521D-9DCBB888C116}"/>
               </a:ext>
             </a:extLst>
           </p:cNvPr>
@@ -7010,20 +7011,19 @@
         </p:nvSpPr>
         <p:spPr>
           <a:xfrm>
-            <a:off x="4444800" y="1585449"/>
-            <a:ext cx="2258650" cy="1877645"/>
-          </a:xfrm>
-          <a:prstGeom prst="rightArrow">
+            <a:off x="377778" y="1009743"/>
+            <a:ext cx="436087" cy="4140981"/>
+          </a:xfrm>
+          <a:prstGeom prst="bentArrow">
             <a:avLst>
-              <a:gd name="adj1" fmla="val 71215"/>
-              <a:gd name="adj2" fmla="val 49518"/>
+              <a:gd name="adj1" fmla="val 12544"/>
+              <a:gd name="adj2" fmla="val 10468"/>
+              <a:gd name="adj3" fmla="val 27076"/>
+              <a:gd name="adj4" fmla="val 48011"/>
             </a:avLst>
           </a:prstGeom>
           <a:solidFill>
-            <a:schemeClr val="accent4">
-              <a:lumMod val="20000"/>
-              <a:lumOff val="80000"/>
-            </a:schemeClr>
+            <a:srgbClr val="00B0F0"/>
           </a:solidFill>
         </p:spPr>
         <p:style>
@@ -7047,16 +7047,20 @@
           <a:lstStyle/>
           <a:p>
             <a:pPr algn="ctr"/>
-            <a:endParaRPr lang="uk-UA"/>
-          </a:p>
-        </p:txBody>
-      </p:sp>
-      <p:sp>
-        <p:nvSpPr>
-          <p:cNvPr id="1038" name="Стрілка: вправо 1037">
-            <a:extLst>
-              <a:ext uri="{FF2B5EF4-FFF2-40B4-BE49-F238E27FC236}">
-                <a16:creationId xmlns:a16="http://schemas.microsoft.com/office/drawing/2014/main" id="{0E6D947D-7C78-9E5A-D9FD-B71DA3365CC7}"/>
+            <a:endParaRPr lang="uk-UA">
+              <a:solidFill>
+                <a:schemeClr val="tx1"/>
+              </a:solidFill>
+            </a:endParaRPr>
+          </a:p>
+        </p:txBody>
+      </p:sp>
+      <p:sp>
+        <p:nvSpPr>
+          <p:cNvPr id="1081" name="Овал 1080">
+            <a:extLst>
+              <a:ext uri="{FF2B5EF4-FFF2-40B4-BE49-F238E27FC236}">
+                <a16:creationId xmlns:a16="http://schemas.microsoft.com/office/drawing/2014/main" id="{3AB542BB-D064-8FA8-7801-C4543FBD8BF1}"/>
               </a:ext>
             </a:extLst>
           </p:cNvPr>
@@ -7065,21 +7069,16 @@
         </p:nvSpPr>
         <p:spPr>
           <a:xfrm>
-            <a:off x="4273432" y="1837064"/>
-            <a:ext cx="2403628" cy="1877645"/>
-          </a:xfrm>
-          <a:prstGeom prst="rightArrow">
-            <a:avLst>
-              <a:gd name="adj1" fmla="val 71215"/>
-              <a:gd name="adj2" fmla="val 46143"/>
-            </a:avLst>
+            <a:off x="0" y="5027832"/>
+            <a:ext cx="1451672" cy="831505"/>
+          </a:xfrm>
+          <a:prstGeom prst="ellipse">
+            <a:avLst/>
           </a:prstGeom>
           <a:solidFill>
-            <a:schemeClr val="accent2">
-              <a:lumMod val="20000"/>
-              <a:lumOff val="80000"/>
-            </a:schemeClr>
+            <a:srgbClr val="F6DDFF"/>
           </a:solidFill>
+          <a:ln w="19050"/>
         </p:spPr>
         <p:style>
           <a:lnRef idx="2">
@@ -7108,10 +7107,10 @@
       </p:sp>
       <p:sp>
         <p:nvSpPr>
-          <p:cNvPr id="1031" name="Овал 1030">
-            <a:extLst>
-              <a:ext uri="{FF2B5EF4-FFF2-40B4-BE49-F238E27FC236}">
-                <a16:creationId xmlns:a16="http://schemas.microsoft.com/office/drawing/2014/main" id="{8C0D77A1-9C18-0DB9-2C91-1B6B1DF99386}"/>
+          <p:cNvPr id="1080" name="Овал 1079">
+            <a:extLst>
+              <a:ext uri="{FF2B5EF4-FFF2-40B4-BE49-F238E27FC236}">
+                <a16:creationId xmlns:a16="http://schemas.microsoft.com/office/drawing/2014/main" id="{5580CDD6-714B-A4C0-14CF-0A1B13164192}"/>
               </a:ext>
             </a:extLst>
           </p:cNvPr>
@@ -7120,18 +7119,19 @@
         </p:nvSpPr>
         <p:spPr>
           <a:xfrm>
-            <a:off x="2985860" y="697116"/>
-            <a:ext cx="1531819" cy="623123"/>
+            <a:off x="10322833" y="5016610"/>
+            <a:ext cx="1494527" cy="831505"/>
           </a:xfrm>
           <a:prstGeom prst="ellipse">
             <a:avLst/>
           </a:prstGeom>
           <a:solidFill>
-            <a:schemeClr val="accent1">
-              <a:lumMod val="40000"/>
-              <a:lumOff val="60000"/>
+            <a:schemeClr val="accent4">
+              <a:lumMod val="20000"/>
+              <a:lumOff val="80000"/>
             </a:schemeClr>
           </a:solidFill>
+          <a:ln w="19050"/>
         </p:spPr>
         <p:style>
           <a:lnRef idx="2">
@@ -7158,6 +7158,654 @@
           </a:p>
         </p:txBody>
       </p:sp>
+      <p:sp>
+        <p:nvSpPr>
+          <p:cNvPr id="1064" name="Стрілка: вліво 1063">
+            <a:extLst>
+              <a:ext uri="{FF2B5EF4-FFF2-40B4-BE49-F238E27FC236}">
+                <a16:creationId xmlns:a16="http://schemas.microsoft.com/office/drawing/2014/main" id="{C6149404-B90A-FBB8-61DD-71DD01C45CCE}"/>
+              </a:ext>
+            </a:extLst>
+          </p:cNvPr>
+          <p:cNvSpPr/>
+          <p:nvPr/>
+        </p:nvSpPr>
+        <p:spPr>
+          <a:xfrm>
+            <a:off x="2020691" y="1012437"/>
+            <a:ext cx="978724" cy="95516"/>
+          </a:xfrm>
+          <a:prstGeom prst="leftArrow">
+            <a:avLst>
+              <a:gd name="adj1" fmla="val 50000"/>
+              <a:gd name="adj2" fmla="val 88727"/>
+            </a:avLst>
+          </a:prstGeom>
+          <a:solidFill>
+            <a:srgbClr val="00B0F0"/>
+          </a:solidFill>
+        </p:spPr>
+        <p:style>
+          <a:lnRef idx="2">
+            <a:schemeClr val="accent1">
+              <a:shade val="15000"/>
+            </a:schemeClr>
+          </a:lnRef>
+          <a:fillRef idx="1">
+            <a:schemeClr val="accent1"/>
+          </a:fillRef>
+          <a:effectRef idx="0">
+            <a:schemeClr val="accent1"/>
+          </a:effectRef>
+          <a:fontRef idx="minor">
+            <a:schemeClr val="lt1"/>
+          </a:fontRef>
+        </p:style>
+        <p:txBody>
+          <a:bodyPr rtlCol="0" anchor="ctr"/>
+          <a:lstStyle/>
+          <a:p>
+            <a:pPr algn="ctr"/>
+            <a:endParaRPr lang="uk-UA"/>
+          </a:p>
+        </p:txBody>
+      </p:sp>
+      <p:sp>
+        <p:nvSpPr>
+          <p:cNvPr id="1051" name="Стрілка: вигнута 1050">
+            <a:extLst>
+              <a:ext uri="{FF2B5EF4-FFF2-40B4-BE49-F238E27FC236}">
+                <a16:creationId xmlns:a16="http://schemas.microsoft.com/office/drawing/2014/main" id="{1F22B2AF-4B38-D6FA-A840-ECD43DDA62C5}"/>
+              </a:ext>
+            </a:extLst>
+          </p:cNvPr>
+          <p:cNvSpPr/>
+          <p:nvPr/>
+        </p:nvSpPr>
+        <p:spPr>
+          <a:xfrm>
+            <a:off x="8190319" y="3252866"/>
+            <a:ext cx="1948381" cy="389299"/>
+          </a:xfrm>
+          <a:prstGeom prst="bentArrow">
+            <a:avLst/>
+          </a:prstGeom>
+          <a:ln>
+            <a:noFill/>
+          </a:ln>
+        </p:spPr>
+        <p:style>
+          <a:lnRef idx="2">
+            <a:schemeClr val="accent1">
+              <a:shade val="15000"/>
+            </a:schemeClr>
+          </a:lnRef>
+          <a:fillRef idx="1">
+            <a:schemeClr val="accent1"/>
+          </a:fillRef>
+          <a:effectRef idx="0">
+            <a:schemeClr val="accent1"/>
+          </a:effectRef>
+          <a:fontRef idx="minor">
+            <a:schemeClr val="lt1"/>
+          </a:fontRef>
+        </p:style>
+        <p:txBody>
+          <a:bodyPr rtlCol="0" anchor="ctr"/>
+          <a:lstStyle/>
+          <a:p>
+            <a:pPr algn="ctr"/>
+            <a:endParaRPr lang="uk-UA">
+              <a:solidFill>
+                <a:schemeClr val="tx1"/>
+              </a:solidFill>
+            </a:endParaRPr>
+          </a:p>
+        </p:txBody>
+      </p:sp>
+      <p:sp>
+        <p:nvSpPr>
+          <p:cNvPr id="1059" name="Стрілка: вигнута 1058">
+            <a:extLst>
+              <a:ext uri="{FF2B5EF4-FFF2-40B4-BE49-F238E27FC236}">
+                <a16:creationId xmlns:a16="http://schemas.microsoft.com/office/drawing/2014/main" id="{CA2E5646-F6D0-4893-9BC5-0B040C4B75DD}"/>
+              </a:ext>
+            </a:extLst>
+          </p:cNvPr>
+          <p:cNvSpPr/>
+          <p:nvPr/>
+        </p:nvSpPr>
+        <p:spPr>
+          <a:xfrm>
+            <a:off x="7923827" y="2000670"/>
+            <a:ext cx="913598" cy="389299"/>
+          </a:xfrm>
+          <a:prstGeom prst="bentArrow">
+            <a:avLst/>
+          </a:prstGeom>
+          <a:ln>
+            <a:noFill/>
+          </a:ln>
+        </p:spPr>
+        <p:style>
+          <a:lnRef idx="2">
+            <a:schemeClr val="accent1">
+              <a:shade val="15000"/>
+            </a:schemeClr>
+          </a:lnRef>
+          <a:fillRef idx="1">
+            <a:schemeClr val="accent1"/>
+          </a:fillRef>
+          <a:effectRef idx="0">
+            <a:schemeClr val="accent1"/>
+          </a:effectRef>
+          <a:fontRef idx="minor">
+            <a:schemeClr val="lt1"/>
+          </a:fontRef>
+        </p:style>
+        <p:txBody>
+          <a:bodyPr rtlCol="0" anchor="ctr"/>
+          <a:lstStyle/>
+          <a:p>
+            <a:pPr algn="ctr"/>
+            <a:endParaRPr lang="uk-UA">
+              <a:solidFill>
+                <a:schemeClr val="tx1"/>
+              </a:solidFill>
+            </a:endParaRPr>
+          </a:p>
+        </p:txBody>
+      </p:sp>
+      <p:sp>
+        <p:nvSpPr>
+          <p:cNvPr id="57" name="Стрілка: вигнута 56">
+            <a:extLst>
+              <a:ext uri="{FF2B5EF4-FFF2-40B4-BE49-F238E27FC236}">
+                <a16:creationId xmlns:a16="http://schemas.microsoft.com/office/drawing/2014/main" id="{7ED3422F-9506-2D8E-C4D9-225D1EBD3BE9}"/>
+              </a:ext>
+            </a:extLst>
+          </p:cNvPr>
+          <p:cNvSpPr/>
+          <p:nvPr/>
+        </p:nvSpPr>
+        <p:spPr>
+          <a:xfrm>
+            <a:off x="9699691" y="1594408"/>
+            <a:ext cx="876801" cy="389299"/>
+          </a:xfrm>
+          <a:prstGeom prst="bentArrow">
+            <a:avLst>
+              <a:gd name="adj1" fmla="val 25000"/>
+              <a:gd name="adj2" fmla="val 25000"/>
+              <a:gd name="adj3" fmla="val 25000"/>
+              <a:gd name="adj4" fmla="val 73982"/>
+            </a:avLst>
+          </a:prstGeom>
+          <a:ln>
+            <a:noFill/>
+          </a:ln>
+        </p:spPr>
+        <p:style>
+          <a:lnRef idx="2">
+            <a:schemeClr val="accent1">
+              <a:shade val="15000"/>
+            </a:schemeClr>
+          </a:lnRef>
+          <a:fillRef idx="1">
+            <a:schemeClr val="accent1"/>
+          </a:fillRef>
+          <a:effectRef idx="0">
+            <a:schemeClr val="accent1"/>
+          </a:effectRef>
+          <a:fontRef idx="minor">
+            <a:schemeClr val="lt1"/>
+          </a:fontRef>
+        </p:style>
+        <p:txBody>
+          <a:bodyPr rtlCol="0" anchor="ctr"/>
+          <a:lstStyle/>
+          <a:p>
+            <a:pPr algn="ctr"/>
+            <a:endParaRPr lang="uk-UA">
+              <a:solidFill>
+                <a:schemeClr val="tx1"/>
+              </a:solidFill>
+            </a:endParaRPr>
+          </a:p>
+        </p:txBody>
+      </p:sp>
+      <p:sp>
+        <p:nvSpPr>
+          <p:cNvPr id="58" name="Стрілка: вигнута 57">
+            <a:extLst>
+              <a:ext uri="{FF2B5EF4-FFF2-40B4-BE49-F238E27FC236}">
+                <a16:creationId xmlns:a16="http://schemas.microsoft.com/office/drawing/2014/main" id="{58C37818-1390-6EDE-FFB7-6786F1CAB3BD}"/>
+              </a:ext>
+            </a:extLst>
+          </p:cNvPr>
+          <p:cNvSpPr/>
+          <p:nvPr/>
+        </p:nvSpPr>
+        <p:spPr>
+          <a:xfrm>
+            <a:off x="9684919" y="1791260"/>
+            <a:ext cx="782381" cy="389299"/>
+          </a:xfrm>
+          <a:prstGeom prst="bentArrow">
+            <a:avLst/>
+          </a:prstGeom>
+          <a:ln>
+            <a:noFill/>
+          </a:ln>
+        </p:spPr>
+        <p:style>
+          <a:lnRef idx="2">
+            <a:schemeClr val="accent1">
+              <a:shade val="15000"/>
+            </a:schemeClr>
+          </a:lnRef>
+          <a:fillRef idx="1">
+            <a:schemeClr val="accent1"/>
+          </a:fillRef>
+          <a:effectRef idx="0">
+            <a:schemeClr val="accent1"/>
+          </a:effectRef>
+          <a:fontRef idx="minor">
+            <a:schemeClr val="lt1"/>
+          </a:fontRef>
+        </p:style>
+        <p:txBody>
+          <a:bodyPr rtlCol="0" anchor="ctr"/>
+          <a:lstStyle/>
+          <a:p>
+            <a:pPr algn="ctr"/>
+            <a:endParaRPr lang="uk-UA">
+              <a:solidFill>
+                <a:schemeClr val="tx1"/>
+              </a:solidFill>
+            </a:endParaRPr>
+          </a:p>
+        </p:txBody>
+      </p:sp>
+      <p:sp>
+        <p:nvSpPr>
+          <p:cNvPr id="1043" name="Стрілка: вигнута 1042">
+            <a:extLst>
+              <a:ext uri="{FF2B5EF4-FFF2-40B4-BE49-F238E27FC236}">
+                <a16:creationId xmlns:a16="http://schemas.microsoft.com/office/drawing/2014/main" id="{6556A96E-9779-9D2A-AFFA-455A8E534CF4}"/>
+              </a:ext>
+            </a:extLst>
+          </p:cNvPr>
+          <p:cNvSpPr/>
+          <p:nvPr/>
+        </p:nvSpPr>
+        <p:spPr>
+          <a:xfrm>
+            <a:off x="9334415" y="2022100"/>
+            <a:ext cx="1028231" cy="389299"/>
+          </a:xfrm>
+          <a:prstGeom prst="bentArrow">
+            <a:avLst/>
+          </a:prstGeom>
+          <a:ln>
+            <a:noFill/>
+          </a:ln>
+        </p:spPr>
+        <p:style>
+          <a:lnRef idx="2">
+            <a:schemeClr val="accent1">
+              <a:shade val="15000"/>
+            </a:schemeClr>
+          </a:lnRef>
+          <a:fillRef idx="1">
+            <a:schemeClr val="accent1"/>
+          </a:fillRef>
+          <a:effectRef idx="0">
+            <a:schemeClr val="accent1"/>
+          </a:effectRef>
+          <a:fontRef idx="minor">
+            <a:schemeClr val="lt1"/>
+          </a:fontRef>
+        </p:style>
+        <p:txBody>
+          <a:bodyPr rtlCol="0" anchor="ctr"/>
+          <a:lstStyle/>
+          <a:p>
+            <a:pPr algn="ctr"/>
+            <a:endParaRPr lang="uk-UA">
+              <a:solidFill>
+                <a:schemeClr val="tx1"/>
+              </a:solidFill>
+            </a:endParaRPr>
+          </a:p>
+        </p:txBody>
+      </p:sp>
+      <p:sp>
+        <p:nvSpPr>
+          <p:cNvPr id="1044" name="Стрілка: вигнута 1043">
+            <a:extLst>
+              <a:ext uri="{FF2B5EF4-FFF2-40B4-BE49-F238E27FC236}">
+                <a16:creationId xmlns:a16="http://schemas.microsoft.com/office/drawing/2014/main" id="{ED189D83-F187-8EC9-1C4E-C5D9FE2C7384}"/>
+              </a:ext>
+            </a:extLst>
+          </p:cNvPr>
+          <p:cNvSpPr/>
+          <p:nvPr/>
+        </p:nvSpPr>
+        <p:spPr>
+          <a:xfrm flipV="1">
+            <a:off x="9686965" y="2240577"/>
+            <a:ext cx="407912" cy="389299"/>
+          </a:xfrm>
+          <a:prstGeom prst="bentArrow">
+            <a:avLst>
+              <a:gd name="adj1" fmla="val 25000"/>
+              <a:gd name="adj2" fmla="val 25000"/>
+              <a:gd name="adj3" fmla="val 25000"/>
+              <a:gd name="adj4" fmla="val 67006"/>
+            </a:avLst>
+          </a:prstGeom>
+          <a:ln>
+            <a:noFill/>
+          </a:ln>
+        </p:spPr>
+        <p:style>
+          <a:lnRef idx="2">
+            <a:schemeClr val="accent1">
+              <a:shade val="15000"/>
+            </a:schemeClr>
+          </a:lnRef>
+          <a:fillRef idx="1">
+            <a:schemeClr val="accent1"/>
+          </a:fillRef>
+          <a:effectRef idx="0">
+            <a:schemeClr val="accent1"/>
+          </a:effectRef>
+          <a:fontRef idx="minor">
+            <a:schemeClr val="lt1"/>
+          </a:fontRef>
+        </p:style>
+        <p:txBody>
+          <a:bodyPr rtlCol="0" anchor="ctr"/>
+          <a:lstStyle/>
+          <a:p>
+            <a:pPr algn="ctr"/>
+            <a:endParaRPr lang="uk-UA">
+              <a:solidFill>
+                <a:schemeClr val="tx1"/>
+              </a:solidFill>
+            </a:endParaRPr>
+          </a:p>
+        </p:txBody>
+      </p:sp>
+      <p:sp>
+        <p:nvSpPr>
+          <p:cNvPr id="1045" name="Стрілка: вигнута 1044">
+            <a:extLst>
+              <a:ext uri="{FF2B5EF4-FFF2-40B4-BE49-F238E27FC236}">
+                <a16:creationId xmlns:a16="http://schemas.microsoft.com/office/drawing/2014/main" id="{2413FE4A-327D-21FA-14C8-82FDCB5B7A71}"/>
+              </a:ext>
+            </a:extLst>
+          </p:cNvPr>
+          <p:cNvSpPr/>
+          <p:nvPr/>
+        </p:nvSpPr>
+        <p:spPr>
+          <a:xfrm flipV="1">
+            <a:off x="9685314" y="2033051"/>
+            <a:ext cx="562312" cy="389299"/>
+          </a:xfrm>
+          <a:prstGeom prst="bentArrow">
+            <a:avLst/>
+          </a:prstGeom>
+          <a:ln>
+            <a:noFill/>
+          </a:ln>
+        </p:spPr>
+        <p:style>
+          <a:lnRef idx="2">
+            <a:schemeClr val="accent1">
+              <a:shade val="15000"/>
+            </a:schemeClr>
+          </a:lnRef>
+          <a:fillRef idx="1">
+            <a:schemeClr val="accent1"/>
+          </a:fillRef>
+          <a:effectRef idx="0">
+            <a:schemeClr val="accent1"/>
+          </a:effectRef>
+          <a:fontRef idx="minor">
+            <a:schemeClr val="lt1"/>
+          </a:fontRef>
+        </p:style>
+        <p:txBody>
+          <a:bodyPr rtlCol="0" anchor="ctr"/>
+          <a:lstStyle/>
+          <a:p>
+            <a:pPr algn="ctr"/>
+            <a:endParaRPr lang="uk-UA">
+              <a:solidFill>
+                <a:schemeClr val="tx1"/>
+              </a:solidFill>
+            </a:endParaRPr>
+          </a:p>
+        </p:txBody>
+      </p:sp>
+      <p:sp>
+        <p:nvSpPr>
+          <p:cNvPr id="21" name="Прямокутник: округлені кути 20">
+            <a:extLst>
+              <a:ext uri="{FF2B5EF4-FFF2-40B4-BE49-F238E27FC236}">
+                <a16:creationId xmlns:a16="http://schemas.microsoft.com/office/drawing/2014/main" id="{6EBF19C1-09EF-AF3D-D6DA-2BCB38D49C36}"/>
+              </a:ext>
+            </a:extLst>
+          </p:cNvPr>
+          <p:cNvSpPr/>
+          <p:nvPr/>
+        </p:nvSpPr>
+        <p:spPr>
+          <a:xfrm>
+            <a:off x="6706760" y="781247"/>
+            <a:ext cx="1629844" cy="3810266"/>
+          </a:xfrm>
+          <a:prstGeom prst="roundRect">
+            <a:avLst/>
+          </a:prstGeom>
+          <a:solidFill>
+            <a:schemeClr val="accent3">
+              <a:lumMod val="20000"/>
+              <a:lumOff val="80000"/>
+            </a:schemeClr>
+          </a:solidFill>
+          <a:ln w="28575"/>
+        </p:spPr>
+        <p:style>
+          <a:lnRef idx="2">
+            <a:schemeClr val="accent1">
+              <a:shade val="15000"/>
+            </a:schemeClr>
+          </a:lnRef>
+          <a:fillRef idx="1">
+            <a:schemeClr val="accent1"/>
+          </a:fillRef>
+          <a:effectRef idx="0">
+            <a:schemeClr val="accent1"/>
+          </a:effectRef>
+          <a:fontRef idx="minor">
+            <a:schemeClr val="lt1"/>
+          </a:fontRef>
+        </p:style>
+        <p:txBody>
+          <a:bodyPr rtlCol="0" anchor="ctr"/>
+          <a:lstStyle/>
+          <a:p>
+            <a:pPr algn="ctr"/>
+            <a:endParaRPr lang="uk-UA"/>
+          </a:p>
+        </p:txBody>
+      </p:sp>
+      <p:sp>
+        <p:nvSpPr>
+          <p:cNvPr id="1039" name="Стрілка: вправо 1038">
+            <a:extLst>
+              <a:ext uri="{FF2B5EF4-FFF2-40B4-BE49-F238E27FC236}">
+                <a16:creationId xmlns:a16="http://schemas.microsoft.com/office/drawing/2014/main" id="{DC7F30B4-C828-FFA3-FC14-095DB0891EF7}"/>
+              </a:ext>
+            </a:extLst>
+          </p:cNvPr>
+          <p:cNvSpPr/>
+          <p:nvPr/>
+        </p:nvSpPr>
+        <p:spPr>
+          <a:xfrm>
+            <a:off x="4427873" y="1624377"/>
+            <a:ext cx="2258650" cy="1877645"/>
+          </a:xfrm>
+          <a:prstGeom prst="rightArrow">
+            <a:avLst>
+              <a:gd name="adj1" fmla="val 71215"/>
+              <a:gd name="adj2" fmla="val 49518"/>
+            </a:avLst>
+          </a:prstGeom>
+          <a:solidFill>
+            <a:schemeClr val="accent4">
+              <a:lumMod val="20000"/>
+              <a:lumOff val="80000"/>
+            </a:schemeClr>
+          </a:solidFill>
+        </p:spPr>
+        <p:style>
+          <a:lnRef idx="2">
+            <a:schemeClr val="accent1">
+              <a:shade val="15000"/>
+            </a:schemeClr>
+          </a:lnRef>
+          <a:fillRef idx="1">
+            <a:schemeClr val="accent1"/>
+          </a:fillRef>
+          <a:effectRef idx="0">
+            <a:schemeClr val="accent1"/>
+          </a:effectRef>
+          <a:fontRef idx="minor">
+            <a:schemeClr val="lt1"/>
+          </a:fontRef>
+        </p:style>
+        <p:txBody>
+          <a:bodyPr rtlCol="0" anchor="ctr"/>
+          <a:lstStyle/>
+          <a:p>
+            <a:pPr algn="ctr"/>
+            <a:endParaRPr lang="uk-UA"/>
+          </a:p>
+        </p:txBody>
+      </p:sp>
+      <p:sp>
+        <p:nvSpPr>
+          <p:cNvPr id="1038" name="Стрілка: вправо 1037">
+            <a:extLst>
+              <a:ext uri="{FF2B5EF4-FFF2-40B4-BE49-F238E27FC236}">
+                <a16:creationId xmlns:a16="http://schemas.microsoft.com/office/drawing/2014/main" id="{0E6D947D-7C78-9E5A-D9FD-B71DA3365CC7}"/>
+              </a:ext>
+            </a:extLst>
+          </p:cNvPr>
+          <p:cNvSpPr/>
+          <p:nvPr/>
+        </p:nvSpPr>
+        <p:spPr>
+          <a:xfrm>
+            <a:off x="4274611" y="1875992"/>
+            <a:ext cx="2403628" cy="1877645"/>
+          </a:xfrm>
+          <a:prstGeom prst="rightArrow">
+            <a:avLst>
+              <a:gd name="adj1" fmla="val 71215"/>
+              <a:gd name="adj2" fmla="val 46143"/>
+            </a:avLst>
+          </a:prstGeom>
+          <a:solidFill>
+            <a:schemeClr val="accent2">
+              <a:lumMod val="20000"/>
+              <a:lumOff val="80000"/>
+            </a:schemeClr>
+          </a:solidFill>
+        </p:spPr>
+        <p:style>
+          <a:lnRef idx="2">
+            <a:schemeClr val="accent1">
+              <a:shade val="15000"/>
+            </a:schemeClr>
+          </a:lnRef>
+          <a:fillRef idx="1">
+            <a:schemeClr val="accent1"/>
+          </a:fillRef>
+          <a:effectRef idx="0">
+            <a:schemeClr val="accent1"/>
+          </a:effectRef>
+          <a:fontRef idx="minor">
+            <a:schemeClr val="lt1"/>
+          </a:fontRef>
+        </p:style>
+        <p:txBody>
+          <a:bodyPr rtlCol="0" anchor="ctr"/>
+          <a:lstStyle/>
+          <a:p>
+            <a:pPr algn="ctr"/>
+            <a:endParaRPr lang="uk-UA"/>
+          </a:p>
+        </p:txBody>
+      </p:sp>
+      <p:sp>
+        <p:nvSpPr>
+          <p:cNvPr id="1031" name="Овал 1030">
+            <a:extLst>
+              <a:ext uri="{FF2B5EF4-FFF2-40B4-BE49-F238E27FC236}">
+                <a16:creationId xmlns:a16="http://schemas.microsoft.com/office/drawing/2014/main" id="{8C0D77A1-9C18-0DB9-2C91-1B6B1DF99386}"/>
+              </a:ext>
+            </a:extLst>
+          </p:cNvPr>
+          <p:cNvSpPr/>
+          <p:nvPr/>
+        </p:nvSpPr>
+        <p:spPr>
+          <a:xfrm>
+            <a:off x="2987039" y="736044"/>
+            <a:ext cx="1531819" cy="623123"/>
+          </a:xfrm>
+          <a:prstGeom prst="ellipse">
+            <a:avLst/>
+          </a:prstGeom>
+          <a:solidFill>
+            <a:schemeClr val="accent1">
+              <a:lumMod val="40000"/>
+              <a:lumOff val="60000"/>
+            </a:schemeClr>
+          </a:solidFill>
+        </p:spPr>
+        <p:style>
+          <a:lnRef idx="2">
+            <a:schemeClr val="accent1">
+              <a:shade val="15000"/>
+            </a:schemeClr>
+          </a:lnRef>
+          <a:fillRef idx="1">
+            <a:schemeClr val="accent1"/>
+          </a:fillRef>
+          <a:effectRef idx="0">
+            <a:schemeClr val="accent1"/>
+          </a:effectRef>
+          <a:fontRef idx="minor">
+            <a:schemeClr val="lt1"/>
+          </a:fontRef>
+        </p:style>
+        <p:txBody>
+          <a:bodyPr rtlCol="0" anchor="ctr"/>
+          <a:lstStyle/>
+          <a:p>
+            <a:pPr algn="ctr"/>
+            <a:endParaRPr lang="uk-UA"/>
+          </a:p>
+        </p:txBody>
+      </p:sp>
       <p:pic>
         <p:nvPicPr>
           <p:cNvPr id="1026" name="Рисунок 3">
@@ -7187,8 +7835,8 @@
         </p:blipFill>
         <p:spPr bwMode="auto">
           <a:xfrm>
-            <a:off x="929830" y="552772"/>
-            <a:ext cx="1195403" cy="913434"/>
+            <a:off x="852043" y="746851"/>
+            <a:ext cx="1148411" cy="877526"/>
           </a:xfrm>
           <a:prstGeom prst="rect">
             <a:avLst/>
@@ -7246,8 +7894,8 @@
         </p:blipFill>
         <p:spPr>
           <a:xfrm>
-            <a:off x="1421046" y="5149337"/>
-            <a:ext cx="1034451" cy="752501"/>
+            <a:off x="852043" y="3991608"/>
+            <a:ext cx="1276009" cy="928220"/>
           </a:xfrm>
           <a:prstGeom prst="rect">
             <a:avLst/>
@@ -7276,7 +7924,7 @@
         </p:blipFill>
         <p:spPr>
           <a:xfrm>
-            <a:off x="757814" y="5309790"/>
+            <a:off x="2248110" y="3923276"/>
             <a:ext cx="507414" cy="431593"/>
           </a:xfrm>
           <a:prstGeom prst="rect">
@@ -7306,7 +7954,7 @@
         </p:blipFill>
         <p:spPr>
           <a:xfrm>
-            <a:off x="600780" y="280305"/>
+            <a:off x="600780" y="488530"/>
             <a:ext cx="1148411" cy="219398"/>
           </a:xfrm>
           <a:prstGeom prst="rect">
@@ -7328,7 +7976,7 @@
         </p:nvGrpSpPr>
         <p:grpSpPr>
           <a:xfrm>
-            <a:off x="2366855" y="1665838"/>
+            <a:off x="2368034" y="1704766"/>
             <a:ext cx="2066711" cy="1963790"/>
             <a:chOff x="3829296" y="1459768"/>
             <a:chExt cx="2066711" cy="1963790"/>
@@ -7582,7 +8230,7 @@
         </p:nvGrpSpPr>
         <p:grpSpPr>
           <a:xfrm>
-            <a:off x="9816262" y="1807024"/>
+            <a:off x="10325458" y="1571455"/>
             <a:ext cx="1794874" cy="2450448"/>
             <a:chOff x="8935065" y="1942282"/>
             <a:chExt cx="1794874" cy="2450448"/>
@@ -8100,276 +8748,6 @@
           </p:spPr>
         </p:pic>
       </p:grpSp>
-      <p:graphicFrame>
-        <p:nvGraphicFramePr>
-          <p:cNvPr id="41" name="Об'єкт 40">
-            <a:extLst>
-              <a:ext uri="{FF2B5EF4-FFF2-40B4-BE49-F238E27FC236}">
-                <a16:creationId xmlns:a16="http://schemas.microsoft.com/office/drawing/2014/main" id="{6162CD41-AF7F-861A-27BF-D87BC95218A0}"/>
-              </a:ext>
-            </a:extLst>
-          </p:cNvPr>
-          <p:cNvGraphicFramePr>
-            <a:graphicFrameLocks noChangeAspect="1"/>
-          </p:cNvGraphicFramePr>
-          <p:nvPr>
-            <p:extLst>
-              <p:ext uri="{D42A27DB-BD31-4B8C-83A1-F6EECF244321}">
-                <p14:modId xmlns:p14="http://schemas.microsoft.com/office/powerpoint/2010/main" val="637406176"/>
-              </p:ext>
-            </p:extLst>
-          </p:nvPr>
-        </p:nvGraphicFramePr>
-        <p:xfrm>
-          <a:off x="2711260" y="4182834"/>
-          <a:ext cx="3508375" cy="396875"/>
-        </p:xfrm>
-        <a:graphic>
-          <a:graphicData uri="http://schemas.openxmlformats.org/presentationml/2006/ole">
-            <mc:AlternateContent xmlns:mc="http://schemas.openxmlformats.org/markup-compatibility/2006">
-              <mc:Choice xmlns:v="urn:schemas-microsoft-com:vml" Requires="v">
-                <p:oleObj name="Equation" r:id="rId8" imgW="2019240" imgH="228600" progId="Equation.DSMT4">
-                  <p:embed/>
-                </p:oleObj>
-              </mc:Choice>
-              <mc:Fallback>
-                <p:oleObj name="Equation" r:id="rId8" imgW="2019240" imgH="228600" progId="Equation.DSMT4">
-                  <p:embed/>
-                  <p:pic>
-                    <p:nvPicPr>
-                      <p:cNvPr id="0" name=""/>
-                      <p:cNvPicPr/>
-                      <p:nvPr/>
-                    </p:nvPicPr>
-                    <p:blipFill>
-                      <a:blip r:embed="rId9"/>
-                      <a:stretch>
-                        <a:fillRect/>
-                      </a:stretch>
-                    </p:blipFill>
-                    <p:spPr>
-                      <a:xfrm>
-                        <a:off x="2711260" y="4182834"/>
-                        <a:ext cx="3508375" cy="396875"/>
-                      </a:xfrm>
-                      <a:prstGeom prst="rect">
-                        <a:avLst/>
-                      </a:prstGeom>
-                    </p:spPr>
-                  </p:pic>
-                </p:oleObj>
-              </mc:Fallback>
-            </mc:AlternateContent>
-          </a:graphicData>
-        </a:graphic>
-      </p:graphicFrame>
-      <p:graphicFrame>
-        <p:nvGraphicFramePr>
-          <p:cNvPr id="43" name="Об'єкт 42">
-            <a:extLst>
-              <a:ext uri="{FF2B5EF4-FFF2-40B4-BE49-F238E27FC236}">
-                <a16:creationId xmlns:a16="http://schemas.microsoft.com/office/drawing/2014/main" id="{5257D052-A9E2-92CE-002E-18806084F271}"/>
-              </a:ext>
-            </a:extLst>
-          </p:cNvPr>
-          <p:cNvGraphicFramePr>
-            <a:graphicFrameLocks noChangeAspect="1"/>
-          </p:cNvGraphicFramePr>
-          <p:nvPr>
-            <p:extLst>
-              <p:ext uri="{D42A27DB-BD31-4B8C-83A1-F6EECF244321}">
-                <p14:modId xmlns:p14="http://schemas.microsoft.com/office/powerpoint/2010/main" val="2036117170"/>
-              </p:ext>
-            </p:extLst>
-          </p:nvPr>
-        </p:nvGraphicFramePr>
-        <p:xfrm>
-          <a:off x="3231166" y="4555593"/>
-          <a:ext cx="2979737" cy="396875"/>
-        </p:xfrm>
-        <a:graphic>
-          <a:graphicData uri="http://schemas.openxmlformats.org/presentationml/2006/ole">
-            <mc:AlternateContent xmlns:mc="http://schemas.openxmlformats.org/markup-compatibility/2006">
-              <mc:Choice xmlns:v="urn:schemas-microsoft-com:vml" Requires="v">
-                <p:oleObj name="Equation" r:id="rId10" imgW="1714320" imgH="228600" progId="Equation.DSMT4">
-                  <p:embed/>
-                </p:oleObj>
-              </mc:Choice>
-              <mc:Fallback>
-                <p:oleObj name="Equation" r:id="rId10" imgW="1714320" imgH="228600" progId="Equation.DSMT4">
-                  <p:embed/>
-                  <p:pic>
-                    <p:nvPicPr>
-                      <p:cNvPr id="41" name="Об'єкт 40">
-                        <a:extLst>
-                          <a:ext uri="{FF2B5EF4-FFF2-40B4-BE49-F238E27FC236}">
-                            <a16:creationId xmlns:a16="http://schemas.microsoft.com/office/drawing/2014/main" id="{6162CD41-AF7F-861A-27BF-D87BC95218A0}"/>
-                          </a:ext>
-                        </a:extLst>
-                      </p:cNvPr>
-                      <p:cNvPicPr/>
-                      <p:nvPr/>
-                    </p:nvPicPr>
-                    <p:blipFill>
-                      <a:blip r:embed="rId11"/>
-                      <a:stretch>
-                        <a:fillRect/>
-                      </a:stretch>
-                    </p:blipFill>
-                    <p:spPr>
-                      <a:xfrm>
-                        <a:off x="3231166" y="4555593"/>
-                        <a:ext cx="2979737" cy="396875"/>
-                      </a:xfrm>
-                      <a:prstGeom prst="rect">
-                        <a:avLst/>
-                      </a:prstGeom>
-                    </p:spPr>
-                  </p:pic>
-                </p:oleObj>
-              </mc:Fallback>
-            </mc:AlternateContent>
-          </a:graphicData>
-        </a:graphic>
-      </p:graphicFrame>
-      <p:graphicFrame>
-        <p:nvGraphicFramePr>
-          <p:cNvPr id="44" name="Об'єкт 43">
-            <a:extLst>
-              <a:ext uri="{FF2B5EF4-FFF2-40B4-BE49-F238E27FC236}">
-                <a16:creationId xmlns:a16="http://schemas.microsoft.com/office/drawing/2014/main" id="{FDF0625A-C6BA-7944-36EA-8DADB02141BC}"/>
-              </a:ext>
-            </a:extLst>
-          </p:cNvPr>
-          <p:cNvGraphicFramePr>
-            <a:graphicFrameLocks noChangeAspect="1"/>
-          </p:cNvGraphicFramePr>
-          <p:nvPr>
-            <p:extLst>
-              <p:ext uri="{D42A27DB-BD31-4B8C-83A1-F6EECF244321}">
-                <p14:modId xmlns:p14="http://schemas.microsoft.com/office/powerpoint/2010/main" val="1603212794"/>
-              </p:ext>
-            </p:extLst>
-          </p:nvPr>
-        </p:nvGraphicFramePr>
-        <p:xfrm>
-          <a:off x="467886" y="4555593"/>
-          <a:ext cx="2362200" cy="396875"/>
-        </p:xfrm>
-        <a:graphic>
-          <a:graphicData uri="http://schemas.openxmlformats.org/presentationml/2006/ole">
-            <mc:AlternateContent xmlns:mc="http://schemas.openxmlformats.org/markup-compatibility/2006">
-              <mc:Choice xmlns:v="urn:schemas-microsoft-com:vml" Requires="v">
-                <p:oleObj name="Equation" r:id="rId12" imgW="1358640" imgH="228600" progId="Equation.DSMT4">
-                  <p:embed/>
-                </p:oleObj>
-              </mc:Choice>
-              <mc:Fallback>
-                <p:oleObj name="Equation" r:id="rId12" imgW="1358640" imgH="228600" progId="Equation.DSMT4">
-                  <p:embed/>
-                  <p:pic>
-                    <p:nvPicPr>
-                      <p:cNvPr id="43" name="Об'єкт 42">
-                        <a:extLst>
-                          <a:ext uri="{FF2B5EF4-FFF2-40B4-BE49-F238E27FC236}">
-                            <a16:creationId xmlns:a16="http://schemas.microsoft.com/office/drawing/2014/main" id="{5257D052-A9E2-92CE-002E-18806084F271}"/>
-                          </a:ext>
-                        </a:extLst>
-                      </p:cNvPr>
-                      <p:cNvPicPr/>
-                      <p:nvPr/>
-                    </p:nvPicPr>
-                    <p:blipFill>
-                      <a:blip r:embed="rId13"/>
-                      <a:stretch>
-                        <a:fillRect/>
-                      </a:stretch>
-                    </p:blipFill>
-                    <p:spPr>
-                      <a:xfrm>
-                        <a:off x="467886" y="4555593"/>
-                        <a:ext cx="2362200" cy="396875"/>
-                      </a:xfrm>
-                      <a:prstGeom prst="rect">
-                        <a:avLst/>
-                      </a:prstGeom>
-                    </p:spPr>
-                  </p:pic>
-                </p:oleObj>
-              </mc:Fallback>
-            </mc:AlternateContent>
-          </a:graphicData>
-        </a:graphic>
-      </p:graphicFrame>
-      <p:graphicFrame>
-        <p:nvGraphicFramePr>
-          <p:cNvPr id="45" name="Об'єкт 44">
-            <a:extLst>
-              <a:ext uri="{FF2B5EF4-FFF2-40B4-BE49-F238E27FC236}">
-                <a16:creationId xmlns:a16="http://schemas.microsoft.com/office/drawing/2014/main" id="{F5B57658-DE75-C210-18D2-BAE60A5D3EA9}"/>
-              </a:ext>
-            </a:extLst>
-          </p:cNvPr>
-          <p:cNvGraphicFramePr>
-            <a:graphicFrameLocks noChangeAspect="1"/>
-          </p:cNvGraphicFramePr>
-          <p:nvPr>
-            <p:extLst>
-              <p:ext uri="{D42A27DB-BD31-4B8C-83A1-F6EECF244321}">
-                <p14:modId xmlns:p14="http://schemas.microsoft.com/office/powerpoint/2010/main" val="3136700804"/>
-              </p:ext>
-            </p:extLst>
-          </p:nvPr>
-        </p:nvGraphicFramePr>
-        <p:xfrm>
-          <a:off x="467886" y="4182834"/>
-          <a:ext cx="2009775" cy="396875"/>
-        </p:xfrm>
-        <a:graphic>
-          <a:graphicData uri="http://schemas.openxmlformats.org/presentationml/2006/ole">
-            <mc:AlternateContent xmlns:mc="http://schemas.openxmlformats.org/markup-compatibility/2006">
-              <mc:Choice xmlns:v="urn:schemas-microsoft-com:vml" Requires="v">
-                <p:oleObj name="Equation" r:id="rId14" imgW="1155600" imgH="228600" progId="Equation.DSMT4">
-                  <p:embed/>
-                </p:oleObj>
-              </mc:Choice>
-              <mc:Fallback>
-                <p:oleObj name="Equation" r:id="rId14" imgW="1155600" imgH="228600" progId="Equation.DSMT4">
-                  <p:embed/>
-                  <p:pic>
-                    <p:nvPicPr>
-                      <p:cNvPr id="44" name="Об'єкт 43">
-                        <a:extLst>
-                          <a:ext uri="{FF2B5EF4-FFF2-40B4-BE49-F238E27FC236}">
-                            <a16:creationId xmlns:a16="http://schemas.microsoft.com/office/drawing/2014/main" id="{FDF0625A-C6BA-7944-36EA-8DADB02141BC}"/>
-                          </a:ext>
-                        </a:extLst>
-                      </p:cNvPr>
-                      <p:cNvPicPr/>
-                      <p:nvPr/>
-                    </p:nvPicPr>
-                    <p:blipFill>
-                      <a:blip r:embed="rId15"/>
-                      <a:stretch>
-                        <a:fillRect/>
-                      </a:stretch>
-                    </p:blipFill>
-                    <p:spPr>
-                      <a:xfrm>
-                        <a:off x="467886" y="4182834"/>
-                        <a:ext cx="2009775" cy="396875"/>
-                      </a:xfrm>
-                      <a:prstGeom prst="rect">
-                        <a:avLst/>
-                      </a:prstGeom>
-                    </p:spPr>
-                  </p:pic>
-                </p:oleObj>
-              </mc:Fallback>
-            </mc:AlternateContent>
-          </a:graphicData>
-        </a:graphic>
-      </p:graphicFrame>
       <p:grpSp>
         <p:nvGrpSpPr>
           <p:cNvPr id="1037" name="Групувати 1036">
@@ -8384,7 +8762,7 @@
         </p:nvGrpSpPr>
         <p:grpSpPr>
           <a:xfrm>
-            <a:off x="4539624" y="2098539"/>
+            <a:off x="4540803" y="2137467"/>
             <a:ext cx="1735137" cy="1280727"/>
             <a:chOff x="4965125" y="1970171"/>
             <a:chExt cx="1735137" cy="1280727"/>
@@ -8418,12 +8796,12 @@
             <a:graphicData uri="http://schemas.openxmlformats.org/presentationml/2006/ole">
               <mc:AlternateContent xmlns:mc="http://schemas.openxmlformats.org/markup-compatibility/2006">
                 <mc:Choice xmlns:v="urn:schemas-microsoft-com:vml" Requires="v">
-                  <p:oleObj name="Equation" r:id="rId16" imgW="1143000" imgH="203040" progId="Equation.DSMT4">
+                  <p:oleObj name="Equation" r:id="rId8" imgW="1143000" imgH="203040" progId="Equation.DSMT4">
                     <p:embed/>
                   </p:oleObj>
                 </mc:Choice>
                 <mc:Fallback>
-                  <p:oleObj name="Equation" r:id="rId16" imgW="1143000" imgH="203040" progId="Equation.DSMT4">
+                  <p:oleObj name="Equation" r:id="rId8" imgW="1143000" imgH="203040" progId="Equation.DSMT4">
                     <p:embed/>
                     <p:pic>
                       <p:nvPicPr>
@@ -8438,7 +8816,7 @@
                         <p:nvPr/>
                       </p:nvPicPr>
                       <p:blipFill>
-                        <a:blip r:embed="rId17"/>
+                        <a:blip r:embed="rId9"/>
                         <a:stretch>
                           <a:fillRect/>
                         </a:stretch>
@@ -8487,12 +8865,12 @@
             <a:graphicData uri="http://schemas.openxmlformats.org/presentationml/2006/ole">
               <mc:AlternateContent xmlns:mc="http://schemas.openxmlformats.org/markup-compatibility/2006">
                 <mc:Choice xmlns:v="urn:schemas-microsoft-com:vml" Requires="v">
-                  <p:oleObj name="Equation" r:id="rId18" imgW="812520" imgH="203040" progId="Equation.DSMT4">
+                  <p:oleObj name="Equation" r:id="rId10" imgW="812520" imgH="203040" progId="Equation.DSMT4">
                     <p:embed/>
                   </p:oleObj>
                 </mc:Choice>
                 <mc:Fallback>
-                  <p:oleObj name="Equation" r:id="rId18" imgW="812520" imgH="203040" progId="Equation.DSMT4">
+                  <p:oleObj name="Equation" r:id="rId10" imgW="812520" imgH="203040" progId="Equation.DSMT4">
                     <p:embed/>
                     <p:pic>
                       <p:nvPicPr>
@@ -8507,7 +8885,7 @@
                         <p:nvPr/>
                       </p:nvPicPr>
                       <p:blipFill>
-                        <a:blip r:embed="rId19"/>
+                        <a:blip r:embed="rId11"/>
                         <a:stretch>
                           <a:fillRect/>
                         </a:stretch>
@@ -8556,12 +8934,12 @@
             <a:graphicData uri="http://schemas.openxmlformats.org/presentationml/2006/ole">
               <mc:AlternateContent xmlns:mc="http://schemas.openxmlformats.org/markup-compatibility/2006">
                 <mc:Choice xmlns:v="urn:schemas-microsoft-com:vml" Requires="v">
-                  <p:oleObj name="Equation" r:id="rId20" imgW="482400" imgH="203040" progId="Equation.DSMT4">
+                  <p:oleObj name="Equation" r:id="rId12" imgW="482400" imgH="203040" progId="Equation.DSMT4">
                     <p:embed/>
                   </p:oleObj>
                 </mc:Choice>
                 <mc:Fallback>
-                  <p:oleObj name="Equation" r:id="rId20" imgW="482400" imgH="203040" progId="Equation.DSMT4">
+                  <p:oleObj name="Equation" r:id="rId12" imgW="482400" imgH="203040" progId="Equation.DSMT4">
                     <p:embed/>
                     <p:pic>
                       <p:nvPicPr>
@@ -8576,7 +8954,7 @@
                         <p:nvPr/>
                       </p:nvPicPr>
                       <p:blipFill>
-                        <a:blip r:embed="rId21"/>
+                        <a:blip r:embed="rId13"/>
                         <a:stretch>
                           <a:fillRect/>
                         </a:stretch>
@@ -8625,6 +9003,4097 @@
             <a:graphicData uri="http://schemas.openxmlformats.org/presentationml/2006/ole">
               <mc:AlternateContent xmlns:mc="http://schemas.openxmlformats.org/markup-compatibility/2006">
                 <mc:Choice xmlns:v="urn:schemas-microsoft-com:vml" Requires="v">
+                  <p:oleObj name="Equation" r:id="rId14" imgW="304560" imgH="203040" progId="Equation.DSMT4">
+                    <p:embed/>
+                  </p:oleObj>
+                </mc:Choice>
+                <mc:Fallback>
+                  <p:oleObj name="Equation" r:id="rId14" imgW="304560" imgH="203040" progId="Equation.DSMT4">
+                    <p:embed/>
+                    <p:pic>
+                      <p:nvPicPr>
+                        <p:cNvPr id="45" name="Об'єкт 44">
+                          <a:extLst>
+                            <a:ext uri="{FF2B5EF4-FFF2-40B4-BE49-F238E27FC236}">
+                              <a16:creationId xmlns:a16="http://schemas.microsoft.com/office/drawing/2014/main" id="{F5B57658-DE75-C210-18D2-BAE60A5D3EA9}"/>
+                            </a:ext>
+                          </a:extLst>
+                        </p:cNvPr>
+                        <p:cNvPicPr/>
+                        <p:nvPr/>
+                      </p:nvPicPr>
+                      <p:blipFill>
+                        <a:blip r:embed="rId15"/>
+                        <a:stretch>
+                          <a:fillRect/>
+                        </a:stretch>
+                      </p:blipFill>
+                      <p:spPr>
+                        <a:xfrm>
+                          <a:off x="4965125" y="1970171"/>
+                          <a:ext cx="458787" cy="306387"/>
+                        </a:xfrm>
+                        <a:prstGeom prst="rect">
+                          <a:avLst/>
+                        </a:prstGeom>
+                      </p:spPr>
+                    </p:pic>
+                  </p:oleObj>
+                </mc:Fallback>
+              </mc:AlternateContent>
+            </a:graphicData>
+          </a:graphic>
+        </p:graphicFrame>
+      </p:grpSp>
+      <p:grpSp>
+        <p:nvGrpSpPr>
+          <p:cNvPr id="1055" name="Групувати 1054">
+            <a:extLst>
+              <a:ext uri="{FF2B5EF4-FFF2-40B4-BE49-F238E27FC236}">
+                <a16:creationId xmlns:a16="http://schemas.microsoft.com/office/drawing/2014/main" id="{4366E7BF-7035-AF35-50D2-6085B8E72782}"/>
+              </a:ext>
+            </a:extLst>
+          </p:cNvPr>
+          <p:cNvGrpSpPr/>
+          <p:nvPr/>
+        </p:nvGrpSpPr>
+        <p:grpSpPr>
+          <a:xfrm>
+            <a:off x="8779146" y="1112204"/>
+            <a:ext cx="902401" cy="1574176"/>
+            <a:chOff x="8832589" y="4326746"/>
+            <a:chExt cx="902401" cy="1574176"/>
+          </a:xfrm>
+        </p:grpSpPr>
+        <p:sp>
+          <p:nvSpPr>
+            <p:cNvPr id="61" name="Прямокутник: округлені кути 60">
+              <a:extLst>
+                <a:ext uri="{FF2B5EF4-FFF2-40B4-BE49-F238E27FC236}">
+                  <a16:creationId xmlns:a16="http://schemas.microsoft.com/office/drawing/2014/main" id="{56F90319-F868-BD5B-FC90-B5356C863D26}"/>
+                </a:ext>
+              </a:extLst>
+            </p:cNvPr>
+            <p:cNvSpPr/>
+            <p:nvPr/>
+          </p:nvSpPr>
+          <p:spPr>
+            <a:xfrm>
+              <a:off x="8891693" y="4368797"/>
+              <a:ext cx="697628" cy="1532125"/>
+            </a:xfrm>
+            <a:prstGeom prst="roundRect">
+              <a:avLst/>
+            </a:prstGeom>
+            <a:solidFill>
+              <a:schemeClr val="bg1"/>
+            </a:solidFill>
+            <a:ln w="28575"/>
+          </p:spPr>
+          <p:style>
+            <a:lnRef idx="2">
+              <a:schemeClr val="accent1">
+                <a:shade val="15000"/>
+              </a:schemeClr>
+            </a:lnRef>
+            <a:fillRef idx="1">
+              <a:schemeClr val="accent1"/>
+            </a:fillRef>
+            <a:effectRef idx="0">
+              <a:schemeClr val="accent1"/>
+            </a:effectRef>
+            <a:fontRef idx="minor">
+              <a:schemeClr val="lt1"/>
+            </a:fontRef>
+          </p:style>
+          <p:txBody>
+            <a:bodyPr rtlCol="0" anchor="ctr"/>
+            <a:lstStyle/>
+            <a:p>
+              <a:pPr algn="ctr"/>
+              <a:endParaRPr lang="uk-UA"/>
+            </a:p>
+          </p:txBody>
+        </p:sp>
+        <p:pic>
+          <p:nvPicPr>
+            <p:cNvPr id="59" name="Рисунок 58">
+              <a:extLst>
+                <a:ext uri="{FF2B5EF4-FFF2-40B4-BE49-F238E27FC236}">
+                  <a16:creationId xmlns:a16="http://schemas.microsoft.com/office/drawing/2014/main" id="{3DEADA32-B1B6-232D-1C7F-A50064C5F932}"/>
+                </a:ext>
+              </a:extLst>
+            </p:cNvPr>
+            <p:cNvPicPr>
+              <a:picLocks noChangeAspect="1"/>
+            </p:cNvPicPr>
+            <p:nvPr/>
+          </p:nvPicPr>
+          <p:blipFill>
+            <a:blip r:embed="rId16"/>
+            <a:stretch>
+              <a:fillRect/>
+            </a:stretch>
+          </p:blipFill>
+          <p:spPr>
+            <a:xfrm rot="19596327">
+              <a:off x="8832589" y="4841703"/>
+              <a:ext cx="902401" cy="844369"/>
+            </a:xfrm>
+            <a:prstGeom prst="rect">
+              <a:avLst/>
+            </a:prstGeom>
+          </p:spPr>
+        </p:pic>
+        <p:sp>
+          <p:nvSpPr>
+            <p:cNvPr id="60" name="TextBox 59">
+              <a:extLst>
+                <a:ext uri="{FF2B5EF4-FFF2-40B4-BE49-F238E27FC236}">
+                  <a16:creationId xmlns:a16="http://schemas.microsoft.com/office/drawing/2014/main" id="{B2A1731B-D8AD-2FF8-144A-88BB43252CBA}"/>
+                </a:ext>
+              </a:extLst>
+            </p:cNvPr>
+            <p:cNvSpPr txBox="1"/>
+            <p:nvPr/>
+          </p:nvSpPr>
+          <p:spPr>
+            <a:xfrm>
+              <a:off x="8891694" y="4326746"/>
+              <a:ext cx="697627" cy="461665"/>
+            </a:xfrm>
+            <a:prstGeom prst="rect">
+              <a:avLst/>
+            </a:prstGeom>
+            <a:noFill/>
+          </p:spPr>
+          <p:txBody>
+            <a:bodyPr wrap="none" rtlCol="0">
+              <a:spAutoFit/>
+            </a:bodyPr>
+            <a:lstStyle/>
+            <a:p>
+              <a:r>
+                <a:rPr lang="en-US" sz="2400" b="1" dirty="0"/>
+                <a:t>PCA</a:t>
+              </a:r>
+              <a:endParaRPr lang="uk-UA" sz="2400" b="1" dirty="0"/>
+            </a:p>
+          </p:txBody>
+        </p:sp>
+      </p:grpSp>
+      <p:sp>
+        <p:nvSpPr>
+          <p:cNvPr id="63" name="Циліндр 62">
+            <a:extLst>
+              <a:ext uri="{FF2B5EF4-FFF2-40B4-BE49-F238E27FC236}">
+                <a16:creationId xmlns:a16="http://schemas.microsoft.com/office/drawing/2014/main" id="{765F9C6F-2A90-A364-45AC-EAA9A742C432}"/>
+              </a:ext>
+            </a:extLst>
+          </p:cNvPr>
+          <p:cNvSpPr/>
+          <p:nvPr/>
+        </p:nvSpPr>
+        <p:spPr>
+          <a:xfrm>
+            <a:off x="7070752" y="1316653"/>
+            <a:ext cx="1034451" cy="1232204"/>
+          </a:xfrm>
+          <a:prstGeom prst="can">
+            <a:avLst>
+              <a:gd name="adj" fmla="val 22037"/>
+            </a:avLst>
+          </a:prstGeom>
+          <a:solidFill>
+            <a:srgbClr val="6FB9D7"/>
+          </a:solidFill>
+        </p:spPr>
+        <p:style>
+          <a:lnRef idx="2">
+            <a:schemeClr val="accent1">
+              <a:shade val="15000"/>
+            </a:schemeClr>
+          </a:lnRef>
+          <a:fillRef idx="1">
+            <a:schemeClr val="accent1"/>
+          </a:fillRef>
+          <a:effectRef idx="0">
+            <a:schemeClr val="accent1"/>
+          </a:effectRef>
+          <a:fontRef idx="minor">
+            <a:schemeClr val="lt1"/>
+          </a:fontRef>
+        </p:style>
+        <p:txBody>
+          <a:bodyPr anchor="ctr"/>
+          <a:lstStyle/>
+          <a:p>
+            <a:pPr algn="ctr">
+              <a:defRPr/>
+            </a:pPr>
+            <a:endParaRPr lang="uk-UA"/>
+          </a:p>
+        </p:txBody>
+      </p:sp>
+      <p:sp>
+        <p:nvSpPr>
+          <p:cNvPr id="1024" name="Циліндр 1023">
+            <a:extLst>
+              <a:ext uri="{FF2B5EF4-FFF2-40B4-BE49-F238E27FC236}">
+                <a16:creationId xmlns:a16="http://schemas.microsoft.com/office/drawing/2014/main" id="{41494033-DDC1-16FC-80A9-B8DEDCB3E649}"/>
+              </a:ext>
+            </a:extLst>
+          </p:cNvPr>
+          <p:cNvSpPr/>
+          <p:nvPr/>
+        </p:nvSpPr>
+        <p:spPr>
+          <a:xfrm>
+            <a:off x="7160897" y="4024773"/>
+            <a:ext cx="1034452" cy="333375"/>
+          </a:xfrm>
+          <a:prstGeom prst="can">
+            <a:avLst>
+              <a:gd name="adj" fmla="val 50000"/>
+            </a:avLst>
+          </a:prstGeom>
+          <a:solidFill>
+            <a:srgbClr val="FFD5D5"/>
+          </a:solidFill>
+        </p:spPr>
+        <p:style>
+          <a:lnRef idx="2">
+            <a:schemeClr val="accent1">
+              <a:shade val="15000"/>
+            </a:schemeClr>
+          </a:lnRef>
+          <a:fillRef idx="1">
+            <a:schemeClr val="accent1"/>
+          </a:fillRef>
+          <a:effectRef idx="0">
+            <a:schemeClr val="accent1"/>
+          </a:effectRef>
+          <a:fontRef idx="minor">
+            <a:schemeClr val="lt1"/>
+          </a:fontRef>
+        </p:style>
+        <p:txBody>
+          <a:bodyPr anchor="ctr"/>
+          <a:lstStyle/>
+          <a:p>
+            <a:pPr algn="ctr">
+              <a:defRPr/>
+            </a:pPr>
+            <a:endParaRPr lang="uk-UA"/>
+          </a:p>
+        </p:txBody>
+      </p:sp>
+      <p:sp>
+        <p:nvSpPr>
+          <p:cNvPr id="1025" name="Циліндр 1024">
+            <a:extLst>
+              <a:ext uri="{FF2B5EF4-FFF2-40B4-BE49-F238E27FC236}">
+                <a16:creationId xmlns:a16="http://schemas.microsoft.com/office/drawing/2014/main" id="{A2A24844-5F33-F666-8DEB-B16BEF904F47}"/>
+              </a:ext>
+            </a:extLst>
+          </p:cNvPr>
+          <p:cNvSpPr/>
+          <p:nvPr/>
+        </p:nvSpPr>
+        <p:spPr>
+          <a:xfrm>
+            <a:off x="7160897" y="3805698"/>
+            <a:ext cx="1034452" cy="333375"/>
+          </a:xfrm>
+          <a:prstGeom prst="can">
+            <a:avLst>
+              <a:gd name="adj" fmla="val 50000"/>
+            </a:avLst>
+          </a:prstGeom>
+          <a:solidFill>
+            <a:schemeClr val="accent6">
+              <a:lumMod val="40000"/>
+              <a:lumOff val="60000"/>
+            </a:schemeClr>
+          </a:solidFill>
+        </p:spPr>
+        <p:style>
+          <a:lnRef idx="2">
+            <a:schemeClr val="accent1">
+              <a:shade val="15000"/>
+            </a:schemeClr>
+          </a:lnRef>
+          <a:fillRef idx="1">
+            <a:schemeClr val="accent1"/>
+          </a:fillRef>
+          <a:effectRef idx="0">
+            <a:schemeClr val="accent1"/>
+          </a:effectRef>
+          <a:fontRef idx="minor">
+            <a:schemeClr val="lt1"/>
+          </a:fontRef>
+        </p:style>
+        <p:txBody>
+          <a:bodyPr anchor="ctr"/>
+          <a:lstStyle/>
+          <a:p>
+            <a:pPr algn="ctr">
+              <a:defRPr/>
+            </a:pPr>
+            <a:endParaRPr lang="uk-UA"/>
+          </a:p>
+        </p:txBody>
+      </p:sp>
+      <p:sp>
+        <p:nvSpPr>
+          <p:cNvPr id="1027" name="Циліндр 1026">
+            <a:extLst>
+              <a:ext uri="{FF2B5EF4-FFF2-40B4-BE49-F238E27FC236}">
+                <a16:creationId xmlns:a16="http://schemas.microsoft.com/office/drawing/2014/main" id="{3F6C9797-DE99-A692-A96A-A76EF4740C70}"/>
+              </a:ext>
+            </a:extLst>
+          </p:cNvPr>
+          <p:cNvSpPr/>
+          <p:nvPr/>
+        </p:nvSpPr>
+        <p:spPr>
+          <a:xfrm>
+            <a:off x="7160897" y="3586623"/>
+            <a:ext cx="1034452" cy="333375"/>
+          </a:xfrm>
+          <a:prstGeom prst="can">
+            <a:avLst>
+              <a:gd name="adj" fmla="val 50000"/>
+            </a:avLst>
+          </a:prstGeom>
+          <a:solidFill>
+            <a:schemeClr val="accent6">
+              <a:lumMod val="40000"/>
+              <a:lumOff val="60000"/>
+            </a:schemeClr>
+          </a:solidFill>
+        </p:spPr>
+        <p:style>
+          <a:lnRef idx="2">
+            <a:schemeClr val="accent1">
+              <a:shade val="15000"/>
+            </a:schemeClr>
+          </a:lnRef>
+          <a:fillRef idx="1">
+            <a:schemeClr val="accent1"/>
+          </a:fillRef>
+          <a:effectRef idx="0">
+            <a:schemeClr val="accent1"/>
+          </a:effectRef>
+          <a:fontRef idx="minor">
+            <a:schemeClr val="lt1"/>
+          </a:fontRef>
+        </p:style>
+        <p:txBody>
+          <a:bodyPr anchor="ctr"/>
+          <a:lstStyle/>
+          <a:p>
+            <a:pPr algn="ctr">
+              <a:defRPr/>
+            </a:pPr>
+            <a:endParaRPr lang="uk-UA"/>
+          </a:p>
+        </p:txBody>
+      </p:sp>
+      <p:sp>
+        <p:nvSpPr>
+          <p:cNvPr id="1028" name="Циліндр 1027">
+            <a:extLst>
+              <a:ext uri="{FF2B5EF4-FFF2-40B4-BE49-F238E27FC236}">
+                <a16:creationId xmlns:a16="http://schemas.microsoft.com/office/drawing/2014/main" id="{E24907BB-D545-6C5F-A757-94D72D2629C4}"/>
+              </a:ext>
+            </a:extLst>
+          </p:cNvPr>
+          <p:cNvSpPr/>
+          <p:nvPr/>
+        </p:nvSpPr>
+        <p:spPr>
+          <a:xfrm>
+            <a:off x="7160897" y="3361198"/>
+            <a:ext cx="1034452" cy="333375"/>
+          </a:xfrm>
+          <a:prstGeom prst="can">
+            <a:avLst>
+              <a:gd name="adj" fmla="val 50000"/>
+            </a:avLst>
+          </a:prstGeom>
+          <a:solidFill>
+            <a:schemeClr val="accent6">
+              <a:lumMod val="40000"/>
+              <a:lumOff val="60000"/>
+            </a:schemeClr>
+          </a:solidFill>
+        </p:spPr>
+        <p:style>
+          <a:lnRef idx="2">
+            <a:schemeClr val="accent1">
+              <a:shade val="15000"/>
+            </a:schemeClr>
+          </a:lnRef>
+          <a:fillRef idx="1">
+            <a:schemeClr val="accent1"/>
+          </a:fillRef>
+          <a:effectRef idx="0">
+            <a:schemeClr val="accent1"/>
+          </a:effectRef>
+          <a:fontRef idx="minor">
+            <a:schemeClr val="lt1"/>
+          </a:fontRef>
+        </p:style>
+        <p:txBody>
+          <a:bodyPr anchor="ctr"/>
+          <a:lstStyle/>
+          <a:p>
+            <a:pPr algn="ctr">
+              <a:defRPr/>
+            </a:pPr>
+            <a:endParaRPr lang="uk-UA"/>
+          </a:p>
+        </p:txBody>
+      </p:sp>
+      <p:sp>
+        <p:nvSpPr>
+          <p:cNvPr id="1029" name="Циліндр 1028">
+            <a:extLst>
+              <a:ext uri="{FF2B5EF4-FFF2-40B4-BE49-F238E27FC236}">
+                <a16:creationId xmlns:a16="http://schemas.microsoft.com/office/drawing/2014/main" id="{226E9191-949B-5876-0C27-95DBD841DD8E}"/>
+              </a:ext>
+            </a:extLst>
+          </p:cNvPr>
+          <p:cNvSpPr/>
+          <p:nvPr/>
+        </p:nvSpPr>
+        <p:spPr>
+          <a:xfrm>
+            <a:off x="7160897" y="3138139"/>
+            <a:ext cx="1034452" cy="333375"/>
+          </a:xfrm>
+          <a:prstGeom prst="can">
+            <a:avLst>
+              <a:gd name="adj" fmla="val 50000"/>
+            </a:avLst>
+          </a:prstGeom>
+          <a:solidFill>
+            <a:schemeClr val="accent6">
+              <a:lumMod val="40000"/>
+              <a:lumOff val="60000"/>
+            </a:schemeClr>
+          </a:solidFill>
+        </p:spPr>
+        <p:style>
+          <a:lnRef idx="2">
+            <a:schemeClr val="accent1">
+              <a:shade val="15000"/>
+            </a:schemeClr>
+          </a:lnRef>
+          <a:fillRef idx="1">
+            <a:schemeClr val="accent1"/>
+          </a:fillRef>
+          <a:effectRef idx="0">
+            <a:schemeClr val="accent1"/>
+          </a:effectRef>
+          <a:fontRef idx="minor">
+            <a:schemeClr val="lt1"/>
+          </a:fontRef>
+        </p:style>
+        <p:txBody>
+          <a:bodyPr anchor="ctr"/>
+          <a:lstStyle/>
+          <a:p>
+            <a:pPr algn="ctr">
+              <a:defRPr/>
+            </a:pPr>
+            <a:endParaRPr lang="uk-UA"/>
+          </a:p>
+        </p:txBody>
+      </p:sp>
+      <p:graphicFrame>
+        <p:nvGraphicFramePr>
+          <p:cNvPr id="1030" name="Об'єкт 1029">
+            <a:extLst>
+              <a:ext uri="{FF2B5EF4-FFF2-40B4-BE49-F238E27FC236}">
+                <a16:creationId xmlns:a16="http://schemas.microsoft.com/office/drawing/2014/main" id="{A2AE35A9-D9B1-3578-C2AB-E1DCE5668C8A}"/>
+              </a:ext>
+            </a:extLst>
+          </p:cNvPr>
+          <p:cNvGraphicFramePr>
+            <a:graphicFrameLocks noChangeAspect="1"/>
+          </p:cNvGraphicFramePr>
+          <p:nvPr>
+            <p:extLst>
+              <p:ext uri="{D42A27DB-BD31-4B8C-83A1-F6EECF244321}">
+                <p14:modId xmlns:p14="http://schemas.microsoft.com/office/powerpoint/2010/main" val="68905739"/>
+              </p:ext>
+            </p:extLst>
+          </p:nvPr>
+        </p:nvGraphicFramePr>
+        <p:xfrm>
+          <a:off x="3109182" y="880241"/>
+          <a:ext cx="1325563" cy="396875"/>
+        </p:xfrm>
+        <a:graphic>
+          <a:graphicData uri="http://schemas.openxmlformats.org/presentationml/2006/ole">
+            <mc:AlternateContent xmlns:mc="http://schemas.openxmlformats.org/markup-compatibility/2006">
+              <mc:Choice xmlns:v="urn:schemas-microsoft-com:vml" Requires="v">
+                <p:oleObj name="Equation" r:id="rId17" imgW="761760" imgH="228600" progId="Equation.DSMT4">
+                  <p:embed/>
+                </p:oleObj>
+              </mc:Choice>
+              <mc:Fallback>
+                <p:oleObj name="Equation" r:id="rId17" imgW="761760" imgH="228600" progId="Equation.DSMT4">
+                  <p:embed/>
+                  <p:pic>
+                    <p:nvPicPr>
+                      <p:cNvPr id="45" name="Об'єкт 44">
+                        <a:extLst>
+                          <a:ext uri="{FF2B5EF4-FFF2-40B4-BE49-F238E27FC236}">
+                            <a16:creationId xmlns:a16="http://schemas.microsoft.com/office/drawing/2014/main" id="{F5B57658-DE75-C210-18D2-BAE60A5D3EA9}"/>
+                          </a:ext>
+                        </a:extLst>
+                      </p:cNvPr>
+                      <p:cNvPicPr/>
+                      <p:nvPr/>
+                    </p:nvPicPr>
+                    <p:blipFill>
+                      <a:blip r:embed="rId18"/>
+                      <a:stretch>
+                        <a:fillRect/>
+                      </a:stretch>
+                    </p:blipFill>
+                    <p:spPr>
+                      <a:xfrm>
+                        <a:off x="3109182" y="880241"/>
+                        <a:ext cx="1325563" cy="396875"/>
+                      </a:xfrm>
+                      <a:prstGeom prst="rect">
+                        <a:avLst/>
+                      </a:prstGeom>
+                    </p:spPr>
+                  </p:pic>
+                </p:oleObj>
+              </mc:Fallback>
+            </mc:AlternateContent>
+          </a:graphicData>
+        </a:graphic>
+      </p:graphicFrame>
+      <p:sp>
+        <p:nvSpPr>
+          <p:cNvPr id="1042" name="Стрілка: вигнута 1041">
+            <a:extLst>
+              <a:ext uri="{FF2B5EF4-FFF2-40B4-BE49-F238E27FC236}">
+                <a16:creationId xmlns:a16="http://schemas.microsoft.com/office/drawing/2014/main" id="{26A88228-3F66-A3C3-5D63-C15FDC24A86F}"/>
+              </a:ext>
+            </a:extLst>
+          </p:cNvPr>
+          <p:cNvSpPr/>
+          <p:nvPr/>
+        </p:nvSpPr>
+        <p:spPr>
+          <a:xfrm rot="5400000">
+            <a:off x="4420245" y="1238504"/>
+            <a:ext cx="880695" cy="423460"/>
+          </a:xfrm>
+          <a:prstGeom prst="bentArrow">
+            <a:avLst/>
+          </a:prstGeom>
+          <a:solidFill>
+            <a:srgbClr val="B4C7E7"/>
+          </a:solidFill>
+        </p:spPr>
+        <p:style>
+          <a:lnRef idx="2">
+            <a:schemeClr val="accent1">
+              <a:shade val="15000"/>
+            </a:schemeClr>
+          </a:lnRef>
+          <a:fillRef idx="1">
+            <a:schemeClr val="accent1"/>
+          </a:fillRef>
+          <a:effectRef idx="0">
+            <a:schemeClr val="accent1"/>
+          </a:effectRef>
+          <a:fontRef idx="minor">
+            <a:schemeClr val="lt1"/>
+          </a:fontRef>
+        </p:style>
+        <p:txBody>
+          <a:bodyPr rtlCol="0" anchor="ctr"/>
+          <a:lstStyle/>
+          <a:p>
+            <a:pPr algn="ctr"/>
+            <a:endParaRPr lang="uk-UA">
+              <a:solidFill>
+                <a:schemeClr val="tx1"/>
+              </a:solidFill>
+            </a:endParaRPr>
+          </a:p>
+        </p:txBody>
+      </p:sp>
+      <p:sp>
+        <p:nvSpPr>
+          <p:cNvPr id="1040" name="Стрілка: вигнута 1039">
+            <a:extLst>
+              <a:ext uri="{FF2B5EF4-FFF2-40B4-BE49-F238E27FC236}">
+                <a16:creationId xmlns:a16="http://schemas.microsoft.com/office/drawing/2014/main" id="{8338F802-3AA1-5CD2-0A84-868220CA5272}"/>
+              </a:ext>
+            </a:extLst>
+          </p:cNvPr>
+          <p:cNvSpPr/>
+          <p:nvPr/>
+        </p:nvSpPr>
+        <p:spPr>
+          <a:xfrm rot="5400000">
+            <a:off x="4172011" y="1351491"/>
+            <a:ext cx="1123424" cy="439928"/>
+          </a:xfrm>
+          <a:prstGeom prst="bentArrow">
+            <a:avLst/>
+          </a:prstGeom>
+          <a:solidFill>
+            <a:srgbClr val="B4C7E7"/>
+          </a:solidFill>
+        </p:spPr>
+        <p:style>
+          <a:lnRef idx="2">
+            <a:schemeClr val="accent1">
+              <a:shade val="15000"/>
+            </a:schemeClr>
+          </a:lnRef>
+          <a:fillRef idx="1">
+            <a:schemeClr val="accent1"/>
+          </a:fillRef>
+          <a:effectRef idx="0">
+            <a:schemeClr val="accent1"/>
+          </a:effectRef>
+          <a:fontRef idx="minor">
+            <a:schemeClr val="lt1"/>
+          </a:fontRef>
+        </p:style>
+        <p:txBody>
+          <a:bodyPr rtlCol="0" anchor="ctr"/>
+          <a:lstStyle/>
+          <a:p>
+            <a:pPr algn="ctr"/>
+            <a:endParaRPr lang="uk-UA">
+              <a:solidFill>
+                <a:schemeClr val="tx1"/>
+              </a:solidFill>
+            </a:endParaRPr>
+          </a:p>
+        </p:txBody>
+      </p:sp>
+      <p:sp>
+        <p:nvSpPr>
+          <p:cNvPr id="5" name="TextBox 4">
+            <a:extLst>
+              <a:ext uri="{FF2B5EF4-FFF2-40B4-BE49-F238E27FC236}">
+                <a16:creationId xmlns:a16="http://schemas.microsoft.com/office/drawing/2014/main" id="{F49CF294-1864-6DFF-9B38-52D1AD821C6E}"/>
+              </a:ext>
+            </a:extLst>
+          </p:cNvPr>
+          <p:cNvSpPr txBox="1"/>
+          <p:nvPr/>
+        </p:nvSpPr>
+        <p:spPr>
+          <a:xfrm>
+            <a:off x="7240570" y="3238101"/>
+            <a:ext cx="925593" cy="276999"/>
+          </a:xfrm>
+          <a:prstGeom prst="rect">
+            <a:avLst/>
+          </a:prstGeom>
+          <a:noFill/>
+        </p:spPr>
+        <p:txBody>
+          <a:bodyPr wrap="square">
+            <a:spAutoFit/>
+          </a:bodyPr>
+          <a:lstStyle/>
+          <a:p>
+            <a:r>
+              <a:rPr lang="en-US" sz="1200" b="1" i="1" kern="100" dirty="0" err="1">
+                <a:effectLst/>
+                <a:latin typeface="Aptos Narrow" panose="020B0004020202020204" pitchFamily="34" charset="0"/>
+                <a:ea typeface="Calibri" panose="020F0502020204030204" pitchFamily="34" charset="0"/>
+              </a:rPr>
+              <a:t>N</a:t>
+            </a:r>
+            <a:r>
+              <a:rPr lang="en-US" sz="1200" b="1" kern="100" baseline="-25000" dirty="0" err="1">
+                <a:effectLst/>
+                <a:latin typeface="Aptos Narrow" panose="020B0004020202020204" pitchFamily="34" charset="0"/>
+                <a:ea typeface="Calibri" panose="020F0502020204030204" pitchFamily="34" charset="0"/>
+              </a:rPr>
+              <a:t>Fe</a:t>
+            </a:r>
+            <a:r>
+              <a:rPr lang="en-US" sz="1200" b="1" kern="100" dirty="0">
+                <a:effectLst/>
+                <a:latin typeface="Aptos Narrow" panose="020B0004020202020204" pitchFamily="34" charset="0"/>
+                <a:ea typeface="Calibri" panose="020F0502020204030204" pitchFamily="34" charset="0"/>
+              </a:rPr>
+              <a:t>-</a:t>
+            </a:r>
+            <a:r>
+              <a:rPr lang="uk-UA" sz="1200" b="1" kern="100" dirty="0" err="1">
+                <a:effectLst/>
+                <a:latin typeface="Aptos Narrow" panose="020B0004020202020204" pitchFamily="34" charset="0"/>
+                <a:ea typeface="Calibri" panose="020F0502020204030204" pitchFamily="34" charset="0"/>
+              </a:rPr>
+              <a:t>altered</a:t>
+            </a:r>
+            <a:endParaRPr lang="uk-UA" sz="1200" b="1" dirty="0">
+              <a:latin typeface="Aptos Narrow" panose="020B0004020202020204" pitchFamily="34" charset="0"/>
+            </a:endParaRPr>
+          </a:p>
+        </p:txBody>
+      </p:sp>
+      <p:sp>
+        <p:nvSpPr>
+          <p:cNvPr id="6" name="TextBox 5">
+            <a:extLst>
+              <a:ext uri="{FF2B5EF4-FFF2-40B4-BE49-F238E27FC236}">
+                <a16:creationId xmlns:a16="http://schemas.microsoft.com/office/drawing/2014/main" id="{E7E02168-B53F-ED43-5E61-311B3EAD62F1}"/>
+              </a:ext>
+            </a:extLst>
+          </p:cNvPr>
+          <p:cNvSpPr txBox="1"/>
+          <p:nvPr/>
+        </p:nvSpPr>
+        <p:spPr>
+          <a:xfrm>
+            <a:off x="7250903" y="3456111"/>
+            <a:ext cx="924127" cy="276999"/>
+          </a:xfrm>
+          <a:prstGeom prst="rect">
+            <a:avLst/>
+          </a:prstGeom>
+          <a:noFill/>
+        </p:spPr>
+        <p:txBody>
+          <a:bodyPr wrap="square">
+            <a:spAutoFit/>
+          </a:bodyPr>
+          <a:lstStyle/>
+          <a:p>
+            <a:r>
+              <a:rPr lang="en-US" sz="1200" b="1" i="1" kern="100" dirty="0">
+                <a:effectLst/>
+                <a:latin typeface="Aptos Narrow" panose="020B0004020202020204" pitchFamily="34" charset="0"/>
+                <a:ea typeface="Calibri" panose="020F0502020204030204" pitchFamily="34" charset="0"/>
+              </a:rPr>
+              <a:t>N</a:t>
+            </a:r>
+            <a:r>
+              <a:rPr lang="en-US" sz="1200" b="1" kern="100" baseline="-25000" dirty="0">
+                <a:effectLst/>
+                <a:latin typeface="Aptos Narrow" panose="020B0004020202020204" pitchFamily="34" charset="0"/>
+                <a:ea typeface="Calibri" panose="020F0502020204030204" pitchFamily="34" charset="0"/>
+              </a:rPr>
+              <a:t>B</a:t>
+            </a:r>
+            <a:r>
+              <a:rPr lang="en-US" sz="1200" b="1" kern="100" dirty="0">
+                <a:effectLst/>
+                <a:latin typeface="Aptos Narrow" panose="020B0004020202020204" pitchFamily="34" charset="0"/>
+                <a:ea typeface="Calibri" panose="020F0502020204030204" pitchFamily="34" charset="0"/>
+              </a:rPr>
+              <a:t>-</a:t>
+            </a:r>
+            <a:r>
+              <a:rPr lang="uk-UA" sz="1200" b="1" kern="100" dirty="0" err="1">
+                <a:effectLst/>
+                <a:latin typeface="Aptos Narrow" panose="020B0004020202020204" pitchFamily="34" charset="0"/>
+                <a:ea typeface="Calibri" panose="020F0502020204030204" pitchFamily="34" charset="0"/>
+              </a:rPr>
+              <a:t>altered</a:t>
+            </a:r>
+            <a:endParaRPr lang="uk-UA" sz="1200" b="1" dirty="0">
+              <a:latin typeface="Aptos Narrow" panose="020B0004020202020204" pitchFamily="34" charset="0"/>
+            </a:endParaRPr>
+          </a:p>
+        </p:txBody>
+      </p:sp>
+      <p:sp>
+        <p:nvSpPr>
+          <p:cNvPr id="14" name="TextBox 13">
+            <a:extLst>
+              <a:ext uri="{FF2B5EF4-FFF2-40B4-BE49-F238E27FC236}">
+                <a16:creationId xmlns:a16="http://schemas.microsoft.com/office/drawing/2014/main" id="{2927C401-E2E0-E53E-20F4-4EB4B0BE6C95}"/>
+              </a:ext>
+            </a:extLst>
+          </p:cNvPr>
+          <p:cNvSpPr txBox="1"/>
+          <p:nvPr/>
+        </p:nvSpPr>
+        <p:spPr>
+          <a:xfrm>
+            <a:off x="7286321" y="3683717"/>
+            <a:ext cx="785413" cy="276999"/>
+          </a:xfrm>
+          <a:prstGeom prst="rect">
+            <a:avLst/>
+          </a:prstGeom>
+          <a:noFill/>
+        </p:spPr>
+        <p:txBody>
+          <a:bodyPr wrap="square">
+            <a:spAutoFit/>
+          </a:bodyPr>
+          <a:lstStyle/>
+          <a:p>
+            <a:r>
+              <a:rPr lang="en-US" sz="1200" b="1" i="1" kern="100" dirty="0">
+                <a:effectLst/>
+                <a:latin typeface="Aptos Narrow" panose="020B0004020202020204" pitchFamily="34" charset="0"/>
+                <a:ea typeface="Calibri" panose="020F0502020204030204" pitchFamily="34" charset="0"/>
+              </a:rPr>
+              <a:t>T</a:t>
+            </a:r>
+            <a:r>
+              <a:rPr lang="en-US" sz="1200" b="1" kern="100" dirty="0">
+                <a:effectLst/>
+                <a:latin typeface="Aptos Narrow" panose="020B0004020202020204" pitchFamily="34" charset="0"/>
+                <a:ea typeface="Calibri" panose="020F0502020204030204" pitchFamily="34" charset="0"/>
+              </a:rPr>
+              <a:t>-</a:t>
+            </a:r>
+            <a:r>
+              <a:rPr lang="uk-UA" sz="1200" b="1" kern="100" dirty="0" err="1">
+                <a:effectLst/>
+                <a:latin typeface="Aptos Narrow" panose="020B0004020202020204" pitchFamily="34" charset="0"/>
+                <a:ea typeface="Calibri" panose="020F0502020204030204" pitchFamily="34" charset="0"/>
+              </a:rPr>
+              <a:t>altered</a:t>
+            </a:r>
+            <a:endParaRPr lang="uk-UA" sz="1200" b="1" dirty="0">
+              <a:latin typeface="Aptos Narrow" panose="020B0004020202020204" pitchFamily="34" charset="0"/>
+            </a:endParaRPr>
+          </a:p>
+        </p:txBody>
+      </p:sp>
+      <p:sp>
+        <p:nvSpPr>
+          <p:cNvPr id="15" name="TextBox 14">
+            <a:extLst>
+              <a:ext uri="{FF2B5EF4-FFF2-40B4-BE49-F238E27FC236}">
+                <a16:creationId xmlns:a16="http://schemas.microsoft.com/office/drawing/2014/main" id="{F1688815-2407-FB22-DC27-5E9416352FD4}"/>
+              </a:ext>
+            </a:extLst>
+          </p:cNvPr>
+          <p:cNvSpPr txBox="1"/>
+          <p:nvPr/>
+        </p:nvSpPr>
+        <p:spPr>
+          <a:xfrm>
+            <a:off x="7227835" y="3921256"/>
+            <a:ext cx="930769" cy="276999"/>
+          </a:xfrm>
+          <a:prstGeom prst="rect">
+            <a:avLst/>
+          </a:prstGeom>
+          <a:noFill/>
+        </p:spPr>
+        <p:txBody>
+          <a:bodyPr wrap="square">
+            <a:spAutoFit/>
+          </a:bodyPr>
+          <a:lstStyle/>
+          <a:p>
+            <a:r>
+              <a:rPr lang="en-US" sz="1200" b="1" kern="100" dirty="0">
+                <a:effectLst/>
+                <a:latin typeface="Aptos Narrow" panose="020B0004020202020204" pitchFamily="34" charset="0"/>
+                <a:ea typeface="Calibri" panose="020F0502020204030204" pitchFamily="34" charset="0"/>
+              </a:rPr>
+              <a:t>All-</a:t>
+            </a:r>
+            <a:r>
+              <a:rPr lang="uk-UA" sz="1200" b="1" kern="100" dirty="0" err="1">
+                <a:effectLst/>
+                <a:latin typeface="Aptos Narrow" panose="020B0004020202020204" pitchFamily="34" charset="0"/>
+                <a:ea typeface="Calibri" panose="020F0502020204030204" pitchFamily="34" charset="0"/>
+              </a:rPr>
+              <a:t>altered</a:t>
+            </a:r>
+            <a:endParaRPr lang="uk-UA" sz="1200" b="1" dirty="0">
+              <a:latin typeface="Aptos Narrow" panose="020B0004020202020204" pitchFamily="34" charset="0"/>
+            </a:endParaRPr>
+          </a:p>
+        </p:txBody>
+      </p:sp>
+      <p:sp>
+        <p:nvSpPr>
+          <p:cNvPr id="20" name="TextBox 19">
+            <a:extLst>
+              <a:ext uri="{FF2B5EF4-FFF2-40B4-BE49-F238E27FC236}">
+                <a16:creationId xmlns:a16="http://schemas.microsoft.com/office/drawing/2014/main" id="{A32A8828-AF58-7545-1CC0-766544B3670D}"/>
+              </a:ext>
+            </a:extLst>
+          </p:cNvPr>
+          <p:cNvSpPr txBox="1"/>
+          <p:nvPr/>
+        </p:nvSpPr>
+        <p:spPr>
+          <a:xfrm>
+            <a:off x="7114815" y="4120235"/>
+            <a:ext cx="1122120" cy="276999"/>
+          </a:xfrm>
+          <a:prstGeom prst="rect">
+            <a:avLst/>
+          </a:prstGeom>
+          <a:noFill/>
+        </p:spPr>
+        <p:txBody>
+          <a:bodyPr wrap="square">
+            <a:spAutoFit/>
+          </a:bodyPr>
+          <a:lstStyle/>
+          <a:p>
+            <a:pPr algn="ctr"/>
+            <a:r>
+              <a:rPr lang="en-US" sz="1200" b="1" kern="100" dirty="0">
+                <a:effectLst/>
+                <a:latin typeface="Aptos Narrow" panose="020B0004020202020204" pitchFamily="34" charset="0"/>
+                <a:ea typeface="Calibri" panose="020F0502020204030204" pitchFamily="34" charset="0"/>
+              </a:rPr>
+              <a:t>experimental</a:t>
+            </a:r>
+            <a:endParaRPr lang="uk-UA" sz="1200" b="1" dirty="0">
+              <a:latin typeface="Aptos Narrow" panose="020B0004020202020204" pitchFamily="34" charset="0"/>
+            </a:endParaRPr>
+          </a:p>
+        </p:txBody>
+      </p:sp>
+      <p:sp>
+        <p:nvSpPr>
+          <p:cNvPr id="24" name="TextBox 23">
+            <a:extLst>
+              <a:ext uri="{FF2B5EF4-FFF2-40B4-BE49-F238E27FC236}">
+                <a16:creationId xmlns:a16="http://schemas.microsoft.com/office/drawing/2014/main" id="{1045EE8D-45EF-AC9B-78E8-662F38C932DF}"/>
+              </a:ext>
+            </a:extLst>
+          </p:cNvPr>
+          <p:cNvSpPr txBox="1"/>
+          <p:nvPr/>
+        </p:nvSpPr>
+        <p:spPr>
+          <a:xfrm>
+            <a:off x="6862933" y="790592"/>
+            <a:ext cx="1332416" cy="430887"/>
+          </a:xfrm>
+          <a:prstGeom prst="rect">
+            <a:avLst/>
+          </a:prstGeom>
+          <a:noFill/>
+        </p:spPr>
+        <p:txBody>
+          <a:bodyPr wrap="none" rtlCol="0">
+            <a:spAutoFit/>
+          </a:bodyPr>
+          <a:lstStyle/>
+          <a:p>
+            <a:r>
+              <a:rPr lang="en-US" sz="2200" b="1" dirty="0">
+                <a:latin typeface="Arial" panose="020B0604020202020204" pitchFamily="34" charset="0"/>
+                <a:cs typeface="Arial" panose="020B0604020202020204" pitchFamily="34" charset="0"/>
+              </a:rPr>
+              <a:t>datasets</a:t>
+            </a:r>
+            <a:endParaRPr lang="uk-UA" sz="2200" b="1" dirty="0">
+              <a:latin typeface="Arial" panose="020B0604020202020204" pitchFamily="34" charset="0"/>
+              <a:cs typeface="Arial" panose="020B0604020202020204" pitchFamily="34" charset="0"/>
+            </a:endParaRPr>
+          </a:p>
+        </p:txBody>
+      </p:sp>
+      <p:sp>
+        <p:nvSpPr>
+          <p:cNvPr id="25" name="TextBox 24">
+            <a:extLst>
+              <a:ext uri="{FF2B5EF4-FFF2-40B4-BE49-F238E27FC236}">
+                <a16:creationId xmlns:a16="http://schemas.microsoft.com/office/drawing/2014/main" id="{94B92209-36E9-B7B2-685D-63DA51FC3F98}"/>
+              </a:ext>
+            </a:extLst>
+          </p:cNvPr>
+          <p:cNvSpPr txBox="1"/>
+          <p:nvPr/>
+        </p:nvSpPr>
+        <p:spPr>
+          <a:xfrm>
+            <a:off x="7232003" y="1807646"/>
+            <a:ext cx="739305" cy="400110"/>
+          </a:xfrm>
+          <a:prstGeom prst="rect">
+            <a:avLst/>
+          </a:prstGeom>
+          <a:noFill/>
+        </p:spPr>
+        <p:txBody>
+          <a:bodyPr vert="horz" wrap="none" rtlCol="0">
+            <a:spAutoFit/>
+          </a:bodyPr>
+          <a:lstStyle/>
+          <a:p>
+            <a:r>
+              <a:rPr lang="en-US" sz="2000" b="1" dirty="0">
+                <a:latin typeface="Arial" panose="020B0604020202020204" pitchFamily="34" charset="0"/>
+                <a:cs typeface="Arial" panose="020B0604020202020204" pitchFamily="34" charset="0"/>
+              </a:rPr>
+              <a:t>train</a:t>
+            </a:r>
+            <a:endParaRPr lang="uk-UA" sz="2000" b="1" dirty="0">
+              <a:latin typeface="Arial" panose="020B0604020202020204" pitchFamily="34" charset="0"/>
+              <a:cs typeface="Arial" panose="020B0604020202020204" pitchFamily="34" charset="0"/>
+            </a:endParaRPr>
+          </a:p>
+        </p:txBody>
+      </p:sp>
+      <p:sp>
+        <p:nvSpPr>
+          <p:cNvPr id="26" name="TextBox 25">
+            <a:extLst>
+              <a:ext uri="{FF2B5EF4-FFF2-40B4-BE49-F238E27FC236}">
+                <a16:creationId xmlns:a16="http://schemas.microsoft.com/office/drawing/2014/main" id="{7010D327-3EC7-F114-021F-9C04F1974966}"/>
+              </a:ext>
+            </a:extLst>
+          </p:cNvPr>
+          <p:cNvSpPr txBox="1"/>
+          <p:nvPr/>
+        </p:nvSpPr>
+        <p:spPr>
+          <a:xfrm>
+            <a:off x="6680370" y="3517866"/>
+            <a:ext cx="492443" cy="547586"/>
+          </a:xfrm>
+          <a:prstGeom prst="rect">
+            <a:avLst/>
+          </a:prstGeom>
+          <a:noFill/>
+        </p:spPr>
+        <p:txBody>
+          <a:bodyPr vert="vert270" wrap="none" rtlCol="0">
+            <a:spAutoFit/>
+          </a:bodyPr>
+          <a:lstStyle/>
+          <a:p>
+            <a:r>
+              <a:rPr lang="en-US" sz="2000" b="1" dirty="0">
+                <a:latin typeface="Arial" panose="020B0604020202020204" pitchFamily="34" charset="0"/>
+                <a:cs typeface="Arial" panose="020B0604020202020204" pitchFamily="34" charset="0"/>
+              </a:rPr>
+              <a:t>test</a:t>
+            </a:r>
+            <a:endParaRPr lang="uk-UA" sz="2000" b="1" dirty="0">
+              <a:latin typeface="Arial" panose="020B0604020202020204" pitchFamily="34" charset="0"/>
+              <a:cs typeface="Arial" panose="020B0604020202020204" pitchFamily="34" charset="0"/>
+            </a:endParaRPr>
+          </a:p>
+        </p:txBody>
+      </p:sp>
+      <p:sp>
+        <p:nvSpPr>
+          <p:cNvPr id="28" name="Стрілка: вигнута 27">
+            <a:extLst>
+              <a:ext uri="{FF2B5EF4-FFF2-40B4-BE49-F238E27FC236}">
+                <a16:creationId xmlns:a16="http://schemas.microsoft.com/office/drawing/2014/main" id="{3E9B2B76-49CA-A5B3-17F9-97D1E773C81D}"/>
+              </a:ext>
+            </a:extLst>
+          </p:cNvPr>
+          <p:cNvSpPr/>
+          <p:nvPr/>
+        </p:nvSpPr>
+        <p:spPr>
+          <a:xfrm>
+            <a:off x="1411516" y="3119272"/>
+            <a:ext cx="935953" cy="828171"/>
+          </a:xfrm>
+          <a:prstGeom prst="bentArrow">
+            <a:avLst>
+              <a:gd name="adj1" fmla="val 16254"/>
+              <a:gd name="adj2" fmla="val 15708"/>
+              <a:gd name="adj3" fmla="val 22814"/>
+              <a:gd name="adj4" fmla="val 43750"/>
+            </a:avLst>
+          </a:prstGeom>
+          <a:solidFill>
+            <a:srgbClr val="FFD5D5"/>
+          </a:solidFill>
+        </p:spPr>
+        <p:style>
+          <a:lnRef idx="2">
+            <a:schemeClr val="accent1">
+              <a:shade val="15000"/>
+            </a:schemeClr>
+          </a:lnRef>
+          <a:fillRef idx="1">
+            <a:schemeClr val="accent1"/>
+          </a:fillRef>
+          <a:effectRef idx="0">
+            <a:schemeClr val="accent1"/>
+          </a:effectRef>
+          <a:fontRef idx="minor">
+            <a:schemeClr val="lt1"/>
+          </a:fontRef>
+        </p:style>
+        <p:txBody>
+          <a:bodyPr rtlCol="0" anchor="ctr"/>
+          <a:lstStyle/>
+          <a:p>
+            <a:pPr algn="ctr"/>
+            <a:endParaRPr lang="uk-UA">
+              <a:solidFill>
+                <a:schemeClr val="tx1"/>
+              </a:solidFill>
+            </a:endParaRPr>
+          </a:p>
+        </p:txBody>
+      </p:sp>
+      <p:sp>
+        <p:nvSpPr>
+          <p:cNvPr id="46" name="Стрілка: вигнута 45">
+            <a:extLst>
+              <a:ext uri="{FF2B5EF4-FFF2-40B4-BE49-F238E27FC236}">
+                <a16:creationId xmlns:a16="http://schemas.microsoft.com/office/drawing/2014/main" id="{44204298-782D-4AE5-0B04-B7A42A100C3F}"/>
+              </a:ext>
+            </a:extLst>
+          </p:cNvPr>
+          <p:cNvSpPr/>
+          <p:nvPr/>
+        </p:nvSpPr>
+        <p:spPr>
+          <a:xfrm flipV="1">
+            <a:off x="1426248" y="1628800"/>
+            <a:ext cx="1080110" cy="380728"/>
+          </a:xfrm>
+          <a:prstGeom prst="bentArrow">
+            <a:avLst>
+              <a:gd name="adj1" fmla="val 31416"/>
+              <a:gd name="adj2" fmla="val 29976"/>
+              <a:gd name="adj3" fmla="val 50000"/>
+              <a:gd name="adj4" fmla="val 43750"/>
+            </a:avLst>
+          </a:prstGeom>
+          <a:solidFill>
+            <a:srgbClr val="00B0F0"/>
+          </a:solidFill>
+        </p:spPr>
+        <p:style>
+          <a:lnRef idx="2">
+            <a:schemeClr val="accent1">
+              <a:shade val="15000"/>
+            </a:schemeClr>
+          </a:lnRef>
+          <a:fillRef idx="1">
+            <a:schemeClr val="accent1"/>
+          </a:fillRef>
+          <a:effectRef idx="0">
+            <a:schemeClr val="accent1"/>
+          </a:effectRef>
+          <a:fontRef idx="minor">
+            <a:schemeClr val="lt1"/>
+          </a:fontRef>
+        </p:style>
+        <p:txBody>
+          <a:bodyPr rtlCol="0" anchor="ctr"/>
+          <a:lstStyle/>
+          <a:p>
+            <a:pPr algn="ctr"/>
+            <a:endParaRPr lang="uk-UA">
+              <a:solidFill>
+                <a:schemeClr val="accent5">
+                  <a:lumMod val="75000"/>
+                </a:schemeClr>
+              </a:solidFill>
+            </a:endParaRPr>
+          </a:p>
+        </p:txBody>
+      </p:sp>
+      <p:sp>
+        <p:nvSpPr>
+          <p:cNvPr id="32" name="Стрілка: вигнута 31">
+            <a:extLst>
+              <a:ext uri="{FF2B5EF4-FFF2-40B4-BE49-F238E27FC236}">
+                <a16:creationId xmlns:a16="http://schemas.microsoft.com/office/drawing/2014/main" id="{825101A8-D111-A198-0B65-12EF474C5F7D}"/>
+              </a:ext>
+            </a:extLst>
+          </p:cNvPr>
+          <p:cNvSpPr/>
+          <p:nvPr/>
+        </p:nvSpPr>
+        <p:spPr>
+          <a:xfrm flipV="1">
+            <a:off x="1419745" y="1637493"/>
+            <a:ext cx="935953" cy="828171"/>
+          </a:xfrm>
+          <a:prstGeom prst="bentArrow">
+            <a:avLst>
+              <a:gd name="adj1" fmla="val 16254"/>
+              <a:gd name="adj2" fmla="val 15708"/>
+              <a:gd name="adj3" fmla="val 22814"/>
+              <a:gd name="adj4" fmla="val 43750"/>
+            </a:avLst>
+          </a:prstGeom>
+          <a:solidFill>
+            <a:srgbClr val="00B0F0"/>
+          </a:solidFill>
+        </p:spPr>
+        <p:style>
+          <a:lnRef idx="2">
+            <a:schemeClr val="accent1">
+              <a:shade val="15000"/>
+            </a:schemeClr>
+          </a:lnRef>
+          <a:fillRef idx="1">
+            <a:schemeClr val="accent1"/>
+          </a:fillRef>
+          <a:effectRef idx="0">
+            <a:schemeClr val="accent1"/>
+          </a:effectRef>
+          <a:fontRef idx="minor">
+            <a:schemeClr val="lt1"/>
+          </a:fontRef>
+        </p:style>
+        <p:txBody>
+          <a:bodyPr rtlCol="0" anchor="ctr"/>
+          <a:lstStyle/>
+          <a:p>
+            <a:pPr algn="ctr"/>
+            <a:endParaRPr lang="uk-UA">
+              <a:solidFill>
+                <a:schemeClr val="accent5">
+                  <a:lumMod val="75000"/>
+                </a:schemeClr>
+              </a:solidFill>
+            </a:endParaRPr>
+          </a:p>
+        </p:txBody>
+      </p:sp>
+      <p:sp>
+        <p:nvSpPr>
+          <p:cNvPr id="48" name="TextBox 47">
+            <a:extLst>
+              <a:ext uri="{FF2B5EF4-FFF2-40B4-BE49-F238E27FC236}">
+                <a16:creationId xmlns:a16="http://schemas.microsoft.com/office/drawing/2014/main" id="{9A3FC2E4-DFC5-66BB-9B35-E2C30787F6A9}"/>
+              </a:ext>
+            </a:extLst>
+          </p:cNvPr>
+          <p:cNvSpPr txBox="1"/>
+          <p:nvPr/>
+        </p:nvSpPr>
+        <p:spPr>
+          <a:xfrm>
+            <a:off x="860748" y="969080"/>
+            <a:ext cx="1154483" cy="430887"/>
+          </a:xfrm>
+          <a:prstGeom prst="rect">
+            <a:avLst/>
+          </a:prstGeom>
+          <a:noFill/>
+        </p:spPr>
+        <p:txBody>
+          <a:bodyPr wrap="none" rtlCol="0">
+            <a:spAutoFit/>
+          </a:bodyPr>
+          <a:lstStyle/>
+          <a:p>
+            <a:r>
+              <a:rPr lang="en-US" sz="2200" b="1" dirty="0">
+                <a:latin typeface="Arial" panose="020B0604020202020204" pitchFamily="34" charset="0"/>
+                <a:cs typeface="Arial" panose="020B0604020202020204" pitchFamily="34" charset="0"/>
+              </a:rPr>
+              <a:t>SCAPS</a:t>
+            </a:r>
+            <a:endParaRPr lang="uk-UA" sz="2200" b="1" dirty="0">
+              <a:latin typeface="Arial" panose="020B0604020202020204" pitchFamily="34" charset="0"/>
+              <a:cs typeface="Arial" panose="020B0604020202020204" pitchFamily="34" charset="0"/>
+            </a:endParaRPr>
+          </a:p>
+        </p:txBody>
+      </p:sp>
+      <p:sp>
+        <p:nvSpPr>
+          <p:cNvPr id="53" name="TextBox 52">
+            <a:extLst>
+              <a:ext uri="{FF2B5EF4-FFF2-40B4-BE49-F238E27FC236}">
+                <a16:creationId xmlns:a16="http://schemas.microsoft.com/office/drawing/2014/main" id="{36DE6469-C91D-3204-0DDD-AE3594F7AAD1}"/>
+              </a:ext>
+            </a:extLst>
+          </p:cNvPr>
+          <p:cNvSpPr txBox="1"/>
+          <p:nvPr/>
+        </p:nvSpPr>
+        <p:spPr>
+          <a:xfrm rot="1638538">
+            <a:off x="579793" y="2164106"/>
+            <a:ext cx="1465466" cy="400110"/>
+          </a:xfrm>
+          <a:prstGeom prst="rect">
+            <a:avLst/>
+          </a:prstGeom>
+          <a:noFill/>
+        </p:spPr>
+        <p:txBody>
+          <a:bodyPr wrap="none" rtlCol="0">
+            <a:spAutoFit/>
+          </a:bodyPr>
+          <a:lstStyle/>
+          <a:p>
+            <a:r>
+              <a:rPr lang="en-US" sz="2000" b="1" dirty="0">
+                <a:solidFill>
+                  <a:srgbClr val="00B0F0"/>
+                </a:solidFill>
+                <a:latin typeface="Arial" panose="020B0604020202020204" pitchFamily="34" charset="0"/>
+                <a:cs typeface="Arial" panose="020B0604020202020204" pitchFamily="34" charset="0"/>
+              </a:rPr>
+              <a:t>simulation</a:t>
+            </a:r>
+            <a:endParaRPr lang="uk-UA" sz="2000" b="1" dirty="0">
+              <a:solidFill>
+                <a:srgbClr val="00B0F0"/>
+              </a:solidFill>
+              <a:latin typeface="Arial" panose="020B0604020202020204" pitchFamily="34" charset="0"/>
+              <a:cs typeface="Arial" panose="020B0604020202020204" pitchFamily="34" charset="0"/>
+            </a:endParaRPr>
+          </a:p>
+        </p:txBody>
+      </p:sp>
+      <p:sp>
+        <p:nvSpPr>
+          <p:cNvPr id="54" name="TextBox 53">
+            <a:extLst>
+              <a:ext uri="{FF2B5EF4-FFF2-40B4-BE49-F238E27FC236}">
+                <a16:creationId xmlns:a16="http://schemas.microsoft.com/office/drawing/2014/main" id="{12AB66BB-41C5-86F3-3A53-0B406AC3C894}"/>
+              </a:ext>
+            </a:extLst>
+          </p:cNvPr>
+          <p:cNvSpPr txBox="1"/>
+          <p:nvPr/>
+        </p:nvSpPr>
+        <p:spPr>
+          <a:xfrm rot="20143709">
+            <a:off x="461217" y="2992198"/>
+            <a:ext cx="1851789" cy="400110"/>
+          </a:xfrm>
+          <a:prstGeom prst="rect">
+            <a:avLst/>
+          </a:prstGeom>
+          <a:noFill/>
+        </p:spPr>
+        <p:txBody>
+          <a:bodyPr wrap="none" rtlCol="0">
+            <a:spAutoFit/>
+          </a:bodyPr>
+          <a:lstStyle/>
+          <a:p>
+            <a:r>
+              <a:rPr lang="en-US" sz="2000" b="1" dirty="0">
+                <a:solidFill>
+                  <a:srgbClr val="FFAFAF"/>
+                </a:solidFill>
+                <a:latin typeface="Arial" panose="020B0604020202020204" pitchFamily="34" charset="0"/>
+                <a:cs typeface="Arial" panose="020B0604020202020204" pitchFamily="34" charset="0"/>
+              </a:rPr>
+              <a:t>measurement</a:t>
+            </a:r>
+            <a:endParaRPr lang="uk-UA" sz="2000" b="1" dirty="0">
+              <a:solidFill>
+                <a:srgbClr val="FFAFAF"/>
+              </a:solidFill>
+              <a:latin typeface="Arial" panose="020B0604020202020204" pitchFamily="34" charset="0"/>
+              <a:cs typeface="Arial" panose="020B0604020202020204" pitchFamily="34" charset="0"/>
+            </a:endParaRPr>
+          </a:p>
+        </p:txBody>
+      </p:sp>
+      <p:graphicFrame>
+        <p:nvGraphicFramePr>
+          <p:cNvPr id="55" name="Об'єкт 54">
+            <a:extLst>
+              <a:ext uri="{FF2B5EF4-FFF2-40B4-BE49-F238E27FC236}">
+                <a16:creationId xmlns:a16="http://schemas.microsoft.com/office/drawing/2014/main" id="{99142320-5725-4C40-1A25-B2872225FD2E}"/>
+              </a:ext>
+            </a:extLst>
+          </p:cNvPr>
+          <p:cNvGraphicFramePr>
+            <a:graphicFrameLocks noChangeAspect="1"/>
+          </p:cNvGraphicFramePr>
+          <p:nvPr>
+            <p:extLst>
+              <p:ext uri="{D42A27DB-BD31-4B8C-83A1-F6EECF244321}">
+                <p14:modId xmlns:p14="http://schemas.microsoft.com/office/powerpoint/2010/main" val="3217514002"/>
+              </p:ext>
+            </p:extLst>
+          </p:nvPr>
+        </p:nvGraphicFramePr>
+        <p:xfrm>
+          <a:off x="37533" y="5015918"/>
+          <a:ext cx="1370495" cy="748697"/>
+        </p:xfrm>
+        <a:graphic>
+          <a:graphicData uri="http://schemas.openxmlformats.org/presentationml/2006/ole">
+            <mc:AlternateContent xmlns:mc="http://schemas.openxmlformats.org/markup-compatibility/2006">
+              <mc:Choice xmlns:v="urn:schemas-microsoft-com:vml" Requires="v">
+                <p:oleObj name="Equation" r:id="rId19" imgW="393480" imgH="215640" progId="Equation.DSMT4">
+                  <p:embed/>
+                </p:oleObj>
+              </mc:Choice>
+              <mc:Fallback>
+                <p:oleObj name="Equation" r:id="rId19" imgW="393480" imgH="215640" progId="Equation.DSMT4">
+                  <p:embed/>
+                  <p:pic>
+                    <p:nvPicPr>
+                      <p:cNvPr id="1030" name="Об'єкт 1029">
+                        <a:extLst>
+                          <a:ext uri="{FF2B5EF4-FFF2-40B4-BE49-F238E27FC236}">
+                            <a16:creationId xmlns:a16="http://schemas.microsoft.com/office/drawing/2014/main" id="{A2AE35A9-D9B1-3578-C2AB-E1DCE5668C8A}"/>
+                          </a:ext>
+                        </a:extLst>
+                      </p:cNvPr>
+                      <p:cNvPicPr/>
+                      <p:nvPr/>
+                    </p:nvPicPr>
+                    <p:blipFill>
+                      <a:blip r:embed="rId20"/>
+                      <a:stretch>
+                        <a:fillRect/>
+                      </a:stretch>
+                    </p:blipFill>
+                    <p:spPr>
+                      <a:xfrm>
+                        <a:off x="37533" y="5015918"/>
+                        <a:ext cx="1370495" cy="748697"/>
+                      </a:xfrm>
+                      <a:prstGeom prst="rect">
+                        <a:avLst/>
+                      </a:prstGeom>
+                    </p:spPr>
+                  </p:pic>
+                </p:oleObj>
+              </mc:Fallback>
+            </mc:AlternateContent>
+          </a:graphicData>
+        </a:graphic>
+      </p:graphicFrame>
+      <p:graphicFrame>
+        <p:nvGraphicFramePr>
+          <p:cNvPr id="56" name="Об'єкт 55">
+            <a:extLst>
+              <a:ext uri="{FF2B5EF4-FFF2-40B4-BE49-F238E27FC236}">
+                <a16:creationId xmlns:a16="http://schemas.microsoft.com/office/drawing/2014/main" id="{B22527A6-9EB1-5CE9-F949-BF1655CD30DB}"/>
+              </a:ext>
+            </a:extLst>
+          </p:cNvPr>
+          <p:cNvGraphicFramePr>
+            <a:graphicFrameLocks noChangeAspect="1"/>
+          </p:cNvGraphicFramePr>
+          <p:nvPr>
+            <p:extLst>
+              <p:ext uri="{D42A27DB-BD31-4B8C-83A1-F6EECF244321}">
+                <p14:modId xmlns:p14="http://schemas.microsoft.com/office/powerpoint/2010/main" val="3610315135"/>
+              </p:ext>
+            </p:extLst>
+          </p:nvPr>
+        </p:nvGraphicFramePr>
+        <p:xfrm>
+          <a:off x="10396087" y="5015918"/>
+          <a:ext cx="1414845" cy="768611"/>
+        </p:xfrm>
+        <a:graphic>
+          <a:graphicData uri="http://schemas.openxmlformats.org/presentationml/2006/ole">
+            <mc:AlternateContent xmlns:mc="http://schemas.openxmlformats.org/markup-compatibility/2006">
+              <mc:Choice xmlns:v="urn:schemas-microsoft-com:vml" Requires="v">
+                <p:oleObj name="Equation" r:id="rId21" imgW="419040" imgH="228600" progId="Equation.DSMT4">
+                  <p:embed/>
+                </p:oleObj>
+              </mc:Choice>
+              <mc:Fallback>
+                <p:oleObj name="Equation" r:id="rId21" imgW="419040" imgH="228600" progId="Equation.DSMT4">
+                  <p:embed/>
+                  <p:pic>
+                    <p:nvPicPr>
+                      <p:cNvPr id="55" name="Об'єкт 54">
+                        <a:extLst>
+                          <a:ext uri="{FF2B5EF4-FFF2-40B4-BE49-F238E27FC236}">
+                            <a16:creationId xmlns:a16="http://schemas.microsoft.com/office/drawing/2014/main" id="{99142320-5725-4C40-1A25-B2872225FD2E}"/>
+                          </a:ext>
+                        </a:extLst>
+                      </p:cNvPr>
+                      <p:cNvPicPr/>
+                      <p:nvPr/>
+                    </p:nvPicPr>
+                    <p:blipFill>
+                      <a:blip r:embed="rId22"/>
+                      <a:stretch>
+                        <a:fillRect/>
+                      </a:stretch>
+                    </p:blipFill>
+                    <p:spPr>
+                      <a:xfrm>
+                        <a:off x="10396087" y="5015918"/>
+                        <a:ext cx="1414845" cy="768611"/>
+                      </a:xfrm>
+                      <a:prstGeom prst="rect">
+                        <a:avLst/>
+                      </a:prstGeom>
+                    </p:spPr>
+                  </p:pic>
+                </p:oleObj>
+              </mc:Fallback>
+            </mc:AlternateContent>
+          </a:graphicData>
+        </a:graphic>
+      </p:graphicFrame>
+      <p:sp>
+        <p:nvSpPr>
+          <p:cNvPr id="1049" name="Стрілка: вигнута 1048">
+            <a:extLst>
+              <a:ext uri="{FF2B5EF4-FFF2-40B4-BE49-F238E27FC236}">
+                <a16:creationId xmlns:a16="http://schemas.microsoft.com/office/drawing/2014/main" id="{6FEAF4B0-67C7-D8BA-9E73-CC8C68152396}"/>
+              </a:ext>
+            </a:extLst>
+          </p:cNvPr>
+          <p:cNvSpPr/>
+          <p:nvPr/>
+        </p:nvSpPr>
+        <p:spPr>
+          <a:xfrm>
+            <a:off x="9545488" y="2800197"/>
+            <a:ext cx="599247" cy="389299"/>
+          </a:xfrm>
+          <a:prstGeom prst="bentArrow">
+            <a:avLst>
+              <a:gd name="adj1" fmla="val 25000"/>
+              <a:gd name="adj2" fmla="val 25000"/>
+              <a:gd name="adj3" fmla="val 25000"/>
+              <a:gd name="adj4" fmla="val 76308"/>
+            </a:avLst>
+          </a:prstGeom>
+          <a:ln>
+            <a:noFill/>
+          </a:ln>
+        </p:spPr>
+        <p:style>
+          <a:lnRef idx="2">
+            <a:schemeClr val="accent1">
+              <a:shade val="15000"/>
+            </a:schemeClr>
+          </a:lnRef>
+          <a:fillRef idx="1">
+            <a:schemeClr val="accent1"/>
+          </a:fillRef>
+          <a:effectRef idx="0">
+            <a:schemeClr val="accent1"/>
+          </a:effectRef>
+          <a:fontRef idx="minor">
+            <a:schemeClr val="lt1"/>
+          </a:fontRef>
+        </p:style>
+        <p:txBody>
+          <a:bodyPr rtlCol="0" anchor="ctr"/>
+          <a:lstStyle/>
+          <a:p>
+            <a:pPr algn="ctr"/>
+            <a:endParaRPr lang="uk-UA">
+              <a:solidFill>
+                <a:schemeClr val="tx1"/>
+              </a:solidFill>
+            </a:endParaRPr>
+          </a:p>
+        </p:txBody>
+      </p:sp>
+      <p:sp>
+        <p:nvSpPr>
+          <p:cNvPr id="1050" name="Стрілка: вигнута 1049">
+            <a:extLst>
+              <a:ext uri="{FF2B5EF4-FFF2-40B4-BE49-F238E27FC236}">
+                <a16:creationId xmlns:a16="http://schemas.microsoft.com/office/drawing/2014/main" id="{5D4F4843-A430-81A3-9088-E390CA3254BC}"/>
+              </a:ext>
+            </a:extLst>
+          </p:cNvPr>
+          <p:cNvSpPr/>
+          <p:nvPr/>
+        </p:nvSpPr>
+        <p:spPr>
+          <a:xfrm>
+            <a:off x="9545488" y="3031058"/>
+            <a:ext cx="599247" cy="389299"/>
+          </a:xfrm>
+          <a:prstGeom prst="bentArrow">
+            <a:avLst/>
+          </a:prstGeom>
+          <a:ln>
+            <a:noFill/>
+          </a:ln>
+        </p:spPr>
+        <p:style>
+          <a:lnRef idx="2">
+            <a:schemeClr val="accent1">
+              <a:shade val="15000"/>
+            </a:schemeClr>
+          </a:lnRef>
+          <a:fillRef idx="1">
+            <a:schemeClr val="accent1"/>
+          </a:fillRef>
+          <a:effectRef idx="0">
+            <a:schemeClr val="accent1"/>
+          </a:effectRef>
+          <a:fontRef idx="minor">
+            <a:schemeClr val="lt1"/>
+          </a:fontRef>
+        </p:style>
+        <p:txBody>
+          <a:bodyPr rtlCol="0" anchor="ctr"/>
+          <a:lstStyle/>
+          <a:p>
+            <a:pPr algn="ctr"/>
+            <a:endParaRPr lang="uk-UA">
+              <a:solidFill>
+                <a:schemeClr val="tx1"/>
+              </a:solidFill>
+            </a:endParaRPr>
+          </a:p>
+        </p:txBody>
+      </p:sp>
+      <p:grpSp>
+        <p:nvGrpSpPr>
+          <p:cNvPr id="1052" name="Групувати 1051">
+            <a:extLst>
+              <a:ext uri="{FF2B5EF4-FFF2-40B4-BE49-F238E27FC236}">
+                <a16:creationId xmlns:a16="http://schemas.microsoft.com/office/drawing/2014/main" id="{D85C0BD3-1294-B915-5B00-C142C8F0C5D4}"/>
+              </a:ext>
+            </a:extLst>
+          </p:cNvPr>
+          <p:cNvGrpSpPr/>
+          <p:nvPr/>
+        </p:nvGrpSpPr>
+        <p:grpSpPr>
+          <a:xfrm flipV="1">
+            <a:off x="9534039" y="3280025"/>
+            <a:ext cx="599247" cy="620160"/>
+            <a:chOff x="8277407" y="5646854"/>
+            <a:chExt cx="599247" cy="620160"/>
+          </a:xfrm>
+        </p:grpSpPr>
+        <p:sp>
+          <p:nvSpPr>
+            <p:cNvPr id="1053" name="Стрілка: вигнута 1052">
+              <a:extLst>
+                <a:ext uri="{FF2B5EF4-FFF2-40B4-BE49-F238E27FC236}">
+                  <a16:creationId xmlns:a16="http://schemas.microsoft.com/office/drawing/2014/main" id="{7BB271B2-C320-D5B2-ACD2-40EDCF367B8D}"/>
+                </a:ext>
+              </a:extLst>
+            </p:cNvPr>
+            <p:cNvSpPr/>
+            <p:nvPr/>
+          </p:nvSpPr>
+          <p:spPr>
+            <a:xfrm>
+              <a:off x="8277407" y="5646854"/>
+              <a:ext cx="599247" cy="389299"/>
+            </a:xfrm>
+            <a:prstGeom prst="bentArrow">
+              <a:avLst>
+                <a:gd name="adj1" fmla="val 25000"/>
+                <a:gd name="adj2" fmla="val 25000"/>
+                <a:gd name="adj3" fmla="val 25000"/>
+                <a:gd name="adj4" fmla="val 73982"/>
+              </a:avLst>
+            </a:prstGeom>
+            <a:ln>
+              <a:noFill/>
+            </a:ln>
+          </p:spPr>
+          <p:style>
+            <a:lnRef idx="2">
+              <a:schemeClr val="accent1">
+                <a:shade val="15000"/>
+              </a:schemeClr>
+            </a:lnRef>
+            <a:fillRef idx="1">
+              <a:schemeClr val="accent1"/>
+            </a:fillRef>
+            <a:effectRef idx="0">
+              <a:schemeClr val="accent1"/>
+            </a:effectRef>
+            <a:fontRef idx="minor">
+              <a:schemeClr val="lt1"/>
+            </a:fontRef>
+          </p:style>
+          <p:txBody>
+            <a:bodyPr rtlCol="0" anchor="ctr"/>
+            <a:lstStyle/>
+            <a:p>
+              <a:pPr algn="ctr"/>
+              <a:endParaRPr lang="uk-UA">
+                <a:solidFill>
+                  <a:schemeClr val="tx1"/>
+                </a:solidFill>
+              </a:endParaRPr>
+            </a:p>
+          </p:txBody>
+        </p:sp>
+        <p:sp>
+          <p:nvSpPr>
+            <p:cNvPr id="1054" name="Стрілка: вигнута 1053">
+              <a:extLst>
+                <a:ext uri="{FF2B5EF4-FFF2-40B4-BE49-F238E27FC236}">
+                  <a16:creationId xmlns:a16="http://schemas.microsoft.com/office/drawing/2014/main" id="{341FB0E3-9CAF-2DF3-46AC-AC66A6AD1A55}"/>
+                </a:ext>
+              </a:extLst>
+            </p:cNvPr>
+            <p:cNvSpPr/>
+            <p:nvPr/>
+          </p:nvSpPr>
+          <p:spPr>
+            <a:xfrm>
+              <a:off x="8277407" y="5877715"/>
+              <a:ext cx="599247" cy="389299"/>
+            </a:xfrm>
+            <a:prstGeom prst="bentArrow">
+              <a:avLst/>
+            </a:prstGeom>
+            <a:ln>
+              <a:noFill/>
+            </a:ln>
+          </p:spPr>
+          <p:style>
+            <a:lnRef idx="2">
+              <a:schemeClr val="accent1">
+                <a:shade val="15000"/>
+              </a:schemeClr>
+            </a:lnRef>
+            <a:fillRef idx="1">
+              <a:schemeClr val="accent1"/>
+            </a:fillRef>
+            <a:effectRef idx="0">
+              <a:schemeClr val="accent1"/>
+            </a:effectRef>
+            <a:fontRef idx="minor">
+              <a:schemeClr val="lt1"/>
+            </a:fontRef>
+          </p:style>
+          <p:txBody>
+            <a:bodyPr rtlCol="0" anchor="ctr"/>
+            <a:lstStyle/>
+            <a:p>
+              <a:pPr algn="ctr"/>
+              <a:endParaRPr lang="uk-UA">
+                <a:solidFill>
+                  <a:schemeClr val="tx1"/>
+                </a:solidFill>
+              </a:endParaRPr>
+            </a:p>
+          </p:txBody>
+        </p:sp>
+      </p:grpSp>
+      <p:sp>
+        <p:nvSpPr>
+          <p:cNvPr id="1068" name="TextBox 1067">
+            <a:extLst>
+              <a:ext uri="{FF2B5EF4-FFF2-40B4-BE49-F238E27FC236}">
+                <a16:creationId xmlns:a16="http://schemas.microsoft.com/office/drawing/2014/main" id="{304A8B41-2678-144A-0D8A-90FDA8082C0F}"/>
+              </a:ext>
+            </a:extLst>
+          </p:cNvPr>
+          <p:cNvSpPr txBox="1"/>
+          <p:nvPr/>
+        </p:nvSpPr>
+        <p:spPr>
+          <a:xfrm>
+            <a:off x="2232272" y="43684"/>
+            <a:ext cx="2063852" cy="400110"/>
+          </a:xfrm>
+          <a:prstGeom prst="rect">
+            <a:avLst/>
+          </a:prstGeom>
+          <a:solidFill>
+            <a:schemeClr val="accent3">
+              <a:lumMod val="20000"/>
+              <a:lumOff val="80000"/>
+            </a:schemeClr>
+          </a:solidFill>
+          <a:effectLst>
+            <a:glow rad="63500">
+              <a:schemeClr val="accent5">
+                <a:satMod val="175000"/>
+                <a:alpha val="40000"/>
+              </a:schemeClr>
+            </a:glow>
+          </a:effectLst>
+        </p:spPr>
+        <p:txBody>
+          <a:bodyPr wrap="square">
+            <a:spAutoFit/>
+          </a:bodyPr>
+          <a:lstStyle/>
+          <a:p>
+            <a:pPr algn="ctr"/>
+            <a:r>
+              <a:rPr lang="uk-UA" sz="2000" b="1" kern="100" dirty="0" err="1">
+                <a:solidFill>
+                  <a:srgbClr val="7030A0"/>
+                </a:solidFill>
+                <a:effectLst/>
+                <a:latin typeface="Segoe UI" panose="020B0502040204020203" pitchFamily="34" charset="0"/>
+                <a:ea typeface="Calibri" panose="020F0502020204030204" pitchFamily="34" charset="0"/>
+                <a:cs typeface="Segoe UI" panose="020B0502040204020203" pitchFamily="34" charset="0"/>
+              </a:rPr>
+              <a:t>Data</a:t>
+            </a:r>
+            <a:r>
+              <a:rPr lang="uk-UA" sz="2000" b="1" kern="100" dirty="0">
+                <a:solidFill>
+                  <a:srgbClr val="7030A0"/>
+                </a:solidFill>
+                <a:effectLst/>
+                <a:latin typeface="Segoe UI" panose="020B0502040204020203" pitchFamily="34" charset="0"/>
+                <a:ea typeface="Calibri" panose="020F0502020204030204" pitchFamily="34" charset="0"/>
+                <a:cs typeface="Segoe UI" panose="020B0502040204020203" pitchFamily="34" charset="0"/>
+              </a:rPr>
+              <a:t> </a:t>
+            </a:r>
+            <a:r>
+              <a:rPr lang="uk-UA" sz="2000" b="1" kern="100" dirty="0" err="1">
+                <a:solidFill>
+                  <a:srgbClr val="7030A0"/>
+                </a:solidFill>
+                <a:effectLst/>
+                <a:latin typeface="Segoe UI" panose="020B0502040204020203" pitchFamily="34" charset="0"/>
+                <a:ea typeface="Calibri" panose="020F0502020204030204" pitchFamily="34" charset="0"/>
+                <a:cs typeface="Segoe UI" panose="020B0502040204020203" pitchFamily="34" charset="0"/>
+              </a:rPr>
+              <a:t>Collection</a:t>
+            </a:r>
+            <a:endParaRPr lang="uk-UA" sz="2000" dirty="0">
+              <a:solidFill>
+                <a:srgbClr val="7030A0"/>
+              </a:solidFill>
+              <a:latin typeface="Segoe UI" panose="020B0502040204020203" pitchFamily="34" charset="0"/>
+              <a:cs typeface="Segoe UI" panose="020B0502040204020203" pitchFamily="34" charset="0"/>
+            </a:endParaRPr>
+          </a:p>
+        </p:txBody>
+      </p:sp>
+      <p:sp>
+        <p:nvSpPr>
+          <p:cNvPr id="1069" name="TextBox 1068">
+            <a:extLst>
+              <a:ext uri="{FF2B5EF4-FFF2-40B4-BE49-F238E27FC236}">
+                <a16:creationId xmlns:a16="http://schemas.microsoft.com/office/drawing/2014/main" id="{CF84A7FF-EDE7-CAD0-8D43-D1284D11A8E0}"/>
+              </a:ext>
+            </a:extLst>
+          </p:cNvPr>
+          <p:cNvSpPr txBox="1"/>
+          <p:nvPr/>
+        </p:nvSpPr>
+        <p:spPr>
+          <a:xfrm>
+            <a:off x="6038826" y="43047"/>
+            <a:ext cx="2697768" cy="400110"/>
+          </a:xfrm>
+          <a:prstGeom prst="rect">
+            <a:avLst/>
+          </a:prstGeom>
+          <a:solidFill>
+            <a:schemeClr val="accent3">
+              <a:lumMod val="20000"/>
+              <a:lumOff val="80000"/>
+            </a:schemeClr>
+          </a:solidFill>
+          <a:effectLst>
+            <a:glow rad="63500">
+              <a:schemeClr val="accent5">
+                <a:satMod val="175000"/>
+                <a:alpha val="40000"/>
+              </a:schemeClr>
+            </a:glow>
+          </a:effectLst>
+        </p:spPr>
+        <p:txBody>
+          <a:bodyPr wrap="square">
+            <a:spAutoFit/>
+          </a:bodyPr>
+          <a:lstStyle/>
+          <a:p>
+            <a:pPr algn="ctr"/>
+            <a:r>
+              <a:rPr lang="uk-UA" sz="2000" b="1" kern="100" dirty="0" err="1">
+                <a:solidFill>
+                  <a:srgbClr val="7030A0"/>
+                </a:solidFill>
+                <a:effectLst/>
+                <a:latin typeface="Segoe UI" panose="020B0502040204020203" pitchFamily="34" charset="0"/>
+                <a:ea typeface="Calibri" panose="020F0502020204030204" pitchFamily="34" charset="0"/>
+                <a:cs typeface="Segoe UI" panose="020B0502040204020203" pitchFamily="34" charset="0"/>
+              </a:rPr>
+              <a:t>Data</a:t>
+            </a:r>
+            <a:r>
+              <a:rPr lang="uk-UA" sz="2000" b="1" kern="100" dirty="0">
+                <a:solidFill>
+                  <a:srgbClr val="7030A0"/>
+                </a:solidFill>
+                <a:effectLst/>
+                <a:latin typeface="Segoe UI" panose="020B0502040204020203" pitchFamily="34" charset="0"/>
+                <a:ea typeface="Calibri" panose="020F0502020204030204" pitchFamily="34" charset="0"/>
+                <a:cs typeface="Segoe UI" panose="020B0502040204020203" pitchFamily="34" charset="0"/>
+              </a:rPr>
+              <a:t> </a:t>
+            </a:r>
+            <a:r>
+              <a:rPr lang="uk-UA" sz="2000" b="1" kern="100" dirty="0" err="1">
+                <a:solidFill>
+                  <a:srgbClr val="7030A0"/>
+                </a:solidFill>
+                <a:latin typeface="Segoe UI" panose="020B0502040204020203" pitchFamily="34" charset="0"/>
+                <a:cs typeface="Segoe UI" panose="020B0502040204020203" pitchFamily="34" charset="0"/>
+              </a:rPr>
+              <a:t>Pre-Processing</a:t>
+            </a:r>
+            <a:endParaRPr lang="uk-UA" sz="2000" b="1" kern="100" dirty="0">
+              <a:solidFill>
+                <a:srgbClr val="7030A0"/>
+              </a:solidFill>
+              <a:latin typeface="Segoe UI" panose="020B0502040204020203" pitchFamily="34" charset="0"/>
+              <a:cs typeface="Segoe UI" panose="020B0502040204020203" pitchFamily="34" charset="0"/>
+            </a:endParaRPr>
+          </a:p>
+        </p:txBody>
+      </p:sp>
+      <p:sp>
+        <p:nvSpPr>
+          <p:cNvPr id="1071" name="TextBox 1070">
+            <a:extLst>
+              <a:ext uri="{FF2B5EF4-FFF2-40B4-BE49-F238E27FC236}">
+                <a16:creationId xmlns:a16="http://schemas.microsoft.com/office/drawing/2014/main" id="{6DF11971-9EA7-5F28-E8A4-17461554945F}"/>
+              </a:ext>
+            </a:extLst>
+          </p:cNvPr>
+          <p:cNvSpPr txBox="1"/>
+          <p:nvPr/>
+        </p:nvSpPr>
+        <p:spPr>
+          <a:xfrm>
+            <a:off x="10040795" y="58091"/>
+            <a:ext cx="2063852" cy="400110"/>
+          </a:xfrm>
+          <a:prstGeom prst="rect">
+            <a:avLst/>
+          </a:prstGeom>
+          <a:solidFill>
+            <a:schemeClr val="accent3">
+              <a:lumMod val="20000"/>
+              <a:lumOff val="80000"/>
+            </a:schemeClr>
+          </a:solidFill>
+          <a:effectLst>
+            <a:glow rad="63500">
+              <a:schemeClr val="accent5">
+                <a:satMod val="175000"/>
+                <a:alpha val="40000"/>
+              </a:schemeClr>
+            </a:glow>
+          </a:effectLst>
+        </p:spPr>
+        <p:txBody>
+          <a:bodyPr wrap="square">
+            <a:spAutoFit/>
+          </a:bodyPr>
+          <a:lstStyle/>
+          <a:p>
+            <a:pPr algn="ctr"/>
+            <a:r>
+              <a:rPr lang="en-US" sz="2000" b="1" kern="100" dirty="0">
+                <a:solidFill>
+                  <a:srgbClr val="7030A0"/>
+                </a:solidFill>
+                <a:effectLst/>
+                <a:latin typeface="Segoe UI" panose="020B0502040204020203" pitchFamily="34" charset="0"/>
+                <a:ea typeface="Calibri" panose="020F0502020204030204" pitchFamily="34" charset="0"/>
+                <a:cs typeface="Segoe UI" panose="020B0502040204020203" pitchFamily="34" charset="0"/>
+              </a:rPr>
+              <a:t>ML</a:t>
+            </a:r>
+            <a:r>
+              <a:rPr lang="uk-UA" sz="2000" b="1" kern="100" dirty="0">
+                <a:solidFill>
+                  <a:srgbClr val="7030A0"/>
+                </a:solidFill>
+                <a:effectLst/>
+                <a:latin typeface="Segoe UI" panose="020B0502040204020203" pitchFamily="34" charset="0"/>
+                <a:ea typeface="Calibri" panose="020F0502020204030204" pitchFamily="34" charset="0"/>
+                <a:cs typeface="Segoe UI" panose="020B0502040204020203" pitchFamily="34" charset="0"/>
+              </a:rPr>
+              <a:t> </a:t>
+            </a:r>
+            <a:r>
+              <a:rPr lang="uk-UA" sz="2000" b="1" kern="100" dirty="0" err="1">
+                <a:solidFill>
+                  <a:srgbClr val="7030A0"/>
+                </a:solidFill>
+                <a:latin typeface="Segoe UI" panose="020B0502040204020203" pitchFamily="34" charset="0"/>
+                <a:cs typeface="Segoe UI" panose="020B0502040204020203" pitchFamily="34" charset="0"/>
+              </a:rPr>
+              <a:t>Algorithms</a:t>
+            </a:r>
+            <a:endParaRPr lang="uk-UA" sz="2000" b="1" kern="100" dirty="0">
+              <a:solidFill>
+                <a:srgbClr val="7030A0"/>
+              </a:solidFill>
+              <a:latin typeface="Segoe UI" panose="020B0502040204020203" pitchFamily="34" charset="0"/>
+              <a:cs typeface="Segoe UI" panose="020B0502040204020203" pitchFamily="34" charset="0"/>
+            </a:endParaRPr>
+          </a:p>
+        </p:txBody>
+      </p:sp>
+      <p:sp>
+        <p:nvSpPr>
+          <p:cNvPr id="1073" name="Стрілка: униз 1072">
+            <a:extLst>
+              <a:ext uri="{FF2B5EF4-FFF2-40B4-BE49-F238E27FC236}">
+                <a16:creationId xmlns:a16="http://schemas.microsoft.com/office/drawing/2014/main" id="{09B7B0E1-4D54-363D-CC41-A364F113A5EC}"/>
+              </a:ext>
+            </a:extLst>
+          </p:cNvPr>
+          <p:cNvSpPr/>
+          <p:nvPr/>
+        </p:nvSpPr>
+        <p:spPr>
+          <a:xfrm>
+            <a:off x="10862254" y="4120235"/>
+            <a:ext cx="366455" cy="885727"/>
+          </a:xfrm>
+          <a:prstGeom prst="downArrow">
+            <a:avLst/>
+          </a:prstGeom>
+          <a:solidFill>
+            <a:schemeClr val="accent4">
+              <a:lumMod val="75000"/>
+            </a:schemeClr>
+          </a:solidFill>
+        </p:spPr>
+        <p:style>
+          <a:lnRef idx="2">
+            <a:schemeClr val="accent1">
+              <a:shade val="15000"/>
+            </a:schemeClr>
+          </a:lnRef>
+          <a:fillRef idx="1">
+            <a:schemeClr val="accent1"/>
+          </a:fillRef>
+          <a:effectRef idx="0">
+            <a:schemeClr val="accent1"/>
+          </a:effectRef>
+          <a:fontRef idx="minor">
+            <a:schemeClr val="lt1"/>
+          </a:fontRef>
+        </p:style>
+        <p:txBody>
+          <a:bodyPr rtlCol="0" anchor="ctr"/>
+          <a:lstStyle/>
+          <a:p>
+            <a:pPr algn="ctr"/>
+            <a:endParaRPr lang="uk-UA"/>
+          </a:p>
+        </p:txBody>
+      </p:sp>
+      <p:sp>
+        <p:nvSpPr>
+          <p:cNvPr id="1074" name="TextBox 1073">
+            <a:extLst>
+              <a:ext uri="{FF2B5EF4-FFF2-40B4-BE49-F238E27FC236}">
+                <a16:creationId xmlns:a16="http://schemas.microsoft.com/office/drawing/2014/main" id="{80E33BA9-299B-7853-B289-37C3438E0BAC}"/>
+              </a:ext>
+            </a:extLst>
+          </p:cNvPr>
+          <p:cNvSpPr txBox="1"/>
+          <p:nvPr/>
+        </p:nvSpPr>
+        <p:spPr>
+          <a:xfrm>
+            <a:off x="9278389" y="4367535"/>
+            <a:ext cx="1494527" cy="400110"/>
+          </a:xfrm>
+          <a:prstGeom prst="rect">
+            <a:avLst/>
+          </a:prstGeom>
+          <a:solidFill>
+            <a:schemeClr val="accent3">
+              <a:lumMod val="20000"/>
+              <a:lumOff val="80000"/>
+            </a:schemeClr>
+          </a:solidFill>
+          <a:effectLst>
+            <a:glow rad="63500">
+              <a:schemeClr val="accent5">
+                <a:satMod val="175000"/>
+                <a:alpha val="40000"/>
+              </a:schemeClr>
+            </a:glow>
+          </a:effectLst>
+        </p:spPr>
+        <p:txBody>
+          <a:bodyPr wrap="square">
+            <a:spAutoFit/>
+          </a:bodyPr>
+          <a:lstStyle/>
+          <a:p>
+            <a:pPr algn="ctr"/>
+            <a:r>
+              <a:rPr lang="en-US" sz="2000" b="1" kern="100" dirty="0">
+                <a:solidFill>
+                  <a:srgbClr val="7030A0"/>
+                </a:solidFill>
+                <a:effectLst/>
+                <a:latin typeface="Segoe UI" panose="020B0502040204020203" pitchFamily="34" charset="0"/>
+                <a:ea typeface="Calibri" panose="020F0502020204030204" pitchFamily="34" charset="0"/>
+                <a:cs typeface="Segoe UI" panose="020B0502040204020203" pitchFamily="34" charset="0"/>
+              </a:rPr>
+              <a:t>Regression</a:t>
+            </a:r>
+            <a:endParaRPr lang="uk-UA" sz="2000" b="1" kern="100" dirty="0">
+              <a:solidFill>
+                <a:srgbClr val="7030A0"/>
+              </a:solidFill>
+              <a:latin typeface="Segoe UI" panose="020B0502040204020203" pitchFamily="34" charset="0"/>
+              <a:cs typeface="Segoe UI" panose="020B0502040204020203" pitchFamily="34" charset="0"/>
+            </a:endParaRPr>
+          </a:p>
+        </p:txBody>
+      </p:sp>
+      <p:sp>
+        <p:nvSpPr>
+          <p:cNvPr id="1076" name="Прямокутник: округлені кути 1075">
+            <a:extLst>
+              <a:ext uri="{FF2B5EF4-FFF2-40B4-BE49-F238E27FC236}">
+                <a16:creationId xmlns:a16="http://schemas.microsoft.com/office/drawing/2014/main" id="{4687693A-6E10-B1A1-5169-666C660455CE}"/>
+              </a:ext>
+            </a:extLst>
+          </p:cNvPr>
+          <p:cNvSpPr/>
+          <p:nvPr/>
+        </p:nvSpPr>
+        <p:spPr>
+          <a:xfrm>
+            <a:off x="3848937" y="5150724"/>
+            <a:ext cx="2857823" cy="563019"/>
+          </a:xfrm>
+          <a:prstGeom prst="roundRect">
+            <a:avLst>
+              <a:gd name="adj" fmla="val 42055"/>
+            </a:avLst>
+          </a:prstGeom>
+          <a:solidFill>
+            <a:srgbClr val="FFFFCC"/>
+          </a:solidFill>
+          <a:ln w="28575">
+            <a:solidFill>
+              <a:schemeClr val="tx1"/>
+            </a:solidFill>
+          </a:ln>
+        </p:spPr>
+        <p:style>
+          <a:lnRef idx="2">
+            <a:schemeClr val="accent1">
+              <a:shade val="15000"/>
+            </a:schemeClr>
+          </a:lnRef>
+          <a:fillRef idx="1">
+            <a:schemeClr val="accent1"/>
+          </a:fillRef>
+          <a:effectRef idx="0">
+            <a:schemeClr val="accent1"/>
+          </a:effectRef>
+          <a:fontRef idx="minor">
+            <a:schemeClr val="lt1"/>
+          </a:fontRef>
+        </p:style>
+        <p:txBody>
+          <a:bodyPr rtlCol="0" anchor="ctr"/>
+          <a:lstStyle/>
+          <a:p>
+            <a:pPr algn="ctr"/>
+            <a:r>
+              <a:rPr lang="en-US" sz="2200" b="1" dirty="0">
+                <a:solidFill>
+                  <a:schemeClr val="tx1"/>
+                </a:solidFill>
+                <a:latin typeface="Arial" panose="020B0604020202020204" pitchFamily="34" charset="0"/>
+                <a:cs typeface="Arial" panose="020B0604020202020204" pitchFamily="34" charset="0"/>
+              </a:rPr>
+              <a:t>MSE, MAPE, R</a:t>
+            </a:r>
+            <a:r>
+              <a:rPr lang="en-US" sz="2200" b="1" baseline="30000" dirty="0">
+                <a:solidFill>
+                  <a:schemeClr val="tx1"/>
+                </a:solidFill>
+                <a:latin typeface="Arial" panose="020B0604020202020204" pitchFamily="34" charset="0"/>
+                <a:cs typeface="Arial" panose="020B0604020202020204" pitchFamily="34" charset="0"/>
+              </a:rPr>
+              <a:t>2</a:t>
+            </a:r>
+            <a:endParaRPr lang="uk-UA" sz="2200" b="1" baseline="30000" dirty="0">
+              <a:solidFill>
+                <a:schemeClr val="tx1"/>
+              </a:solidFill>
+              <a:latin typeface="Arial" panose="020B0604020202020204" pitchFamily="34" charset="0"/>
+              <a:cs typeface="Arial" panose="020B0604020202020204" pitchFamily="34" charset="0"/>
+            </a:endParaRPr>
+          </a:p>
+        </p:txBody>
+      </p:sp>
+      <p:sp>
+        <p:nvSpPr>
+          <p:cNvPr id="1077" name="TextBox 1076">
+            <a:extLst>
+              <a:ext uri="{FF2B5EF4-FFF2-40B4-BE49-F238E27FC236}">
+                <a16:creationId xmlns:a16="http://schemas.microsoft.com/office/drawing/2014/main" id="{B9836648-F69D-E0ED-9FF4-DBB03B737535}"/>
+              </a:ext>
+            </a:extLst>
+          </p:cNvPr>
+          <p:cNvSpPr txBox="1"/>
+          <p:nvPr/>
+        </p:nvSpPr>
+        <p:spPr>
+          <a:xfrm>
+            <a:off x="4131118" y="4636508"/>
+            <a:ext cx="2311617" cy="400110"/>
+          </a:xfrm>
+          <a:prstGeom prst="rect">
+            <a:avLst/>
+          </a:prstGeom>
+          <a:solidFill>
+            <a:schemeClr val="accent3">
+              <a:lumMod val="20000"/>
+              <a:lumOff val="80000"/>
+            </a:schemeClr>
+          </a:solidFill>
+          <a:effectLst>
+            <a:glow rad="63500">
+              <a:schemeClr val="accent5">
+                <a:satMod val="175000"/>
+                <a:alpha val="40000"/>
+              </a:schemeClr>
+            </a:glow>
+          </a:effectLst>
+        </p:spPr>
+        <p:txBody>
+          <a:bodyPr wrap="square">
+            <a:spAutoFit/>
+          </a:bodyPr>
+          <a:lstStyle/>
+          <a:p>
+            <a:pPr algn="ctr"/>
+            <a:r>
+              <a:rPr lang="en-US" sz="2000" b="1" kern="100" dirty="0">
+                <a:solidFill>
+                  <a:srgbClr val="7030A0"/>
+                </a:solidFill>
+                <a:effectLst/>
+                <a:latin typeface="Segoe UI" panose="020B0502040204020203" pitchFamily="34" charset="0"/>
+                <a:ea typeface="Calibri" panose="020F0502020204030204" pitchFamily="34" charset="0"/>
+                <a:cs typeface="Segoe UI" panose="020B0502040204020203" pitchFamily="34" charset="0"/>
+              </a:rPr>
+              <a:t>Model Evaluation</a:t>
+            </a:r>
+            <a:endParaRPr lang="uk-UA" sz="2000" b="1" kern="100" dirty="0">
+              <a:solidFill>
+                <a:srgbClr val="7030A0"/>
+              </a:solidFill>
+              <a:latin typeface="Segoe UI" panose="020B0502040204020203" pitchFamily="34" charset="0"/>
+              <a:cs typeface="Segoe UI" panose="020B0502040204020203" pitchFamily="34" charset="0"/>
+            </a:endParaRPr>
+          </a:p>
+        </p:txBody>
+      </p:sp>
+      <p:sp>
+        <p:nvSpPr>
+          <p:cNvPr id="1078" name="Стрілка: вправо 1077">
+            <a:extLst>
+              <a:ext uri="{FF2B5EF4-FFF2-40B4-BE49-F238E27FC236}">
+                <a16:creationId xmlns:a16="http://schemas.microsoft.com/office/drawing/2014/main" id="{311A368C-D3A5-25B9-E85D-815D07B64115}"/>
+              </a:ext>
+            </a:extLst>
+          </p:cNvPr>
+          <p:cNvSpPr/>
+          <p:nvPr/>
+        </p:nvSpPr>
+        <p:spPr>
+          <a:xfrm>
+            <a:off x="1426249" y="5362540"/>
+            <a:ext cx="2422688" cy="150625"/>
+          </a:xfrm>
+          <a:prstGeom prst="rightArrow">
+            <a:avLst>
+              <a:gd name="adj1" fmla="val 50000"/>
+              <a:gd name="adj2" fmla="val 91043"/>
+            </a:avLst>
+          </a:prstGeom>
+          <a:solidFill>
+            <a:srgbClr val="FF0000"/>
+          </a:solidFill>
+        </p:spPr>
+        <p:style>
+          <a:lnRef idx="2">
+            <a:schemeClr val="accent1">
+              <a:shade val="15000"/>
+            </a:schemeClr>
+          </a:lnRef>
+          <a:fillRef idx="1">
+            <a:schemeClr val="accent1"/>
+          </a:fillRef>
+          <a:effectRef idx="0">
+            <a:schemeClr val="accent1"/>
+          </a:effectRef>
+          <a:fontRef idx="minor">
+            <a:schemeClr val="lt1"/>
+          </a:fontRef>
+        </p:style>
+        <p:txBody>
+          <a:bodyPr rtlCol="0" anchor="ctr"/>
+          <a:lstStyle/>
+          <a:p>
+            <a:pPr algn="ctr"/>
+            <a:endParaRPr lang="uk-UA"/>
+          </a:p>
+        </p:txBody>
+      </p:sp>
+      <p:sp>
+        <p:nvSpPr>
+          <p:cNvPr id="1079" name="Стрілка: вправо 1078">
+            <a:extLst>
+              <a:ext uri="{FF2B5EF4-FFF2-40B4-BE49-F238E27FC236}">
+                <a16:creationId xmlns:a16="http://schemas.microsoft.com/office/drawing/2014/main" id="{E0F370B6-7BAB-FCE7-95AF-F194FB568AF2}"/>
+              </a:ext>
+            </a:extLst>
+          </p:cNvPr>
+          <p:cNvSpPr/>
+          <p:nvPr/>
+        </p:nvSpPr>
+        <p:spPr>
+          <a:xfrm flipH="1">
+            <a:off x="6706760" y="5348994"/>
+            <a:ext cx="3618698" cy="164171"/>
+          </a:xfrm>
+          <a:prstGeom prst="rightArrow">
+            <a:avLst>
+              <a:gd name="adj1" fmla="val 50000"/>
+              <a:gd name="adj2" fmla="val 91043"/>
+            </a:avLst>
+          </a:prstGeom>
+          <a:solidFill>
+            <a:srgbClr val="FF0000"/>
+          </a:solidFill>
+        </p:spPr>
+        <p:style>
+          <a:lnRef idx="2">
+            <a:schemeClr val="accent1">
+              <a:shade val="15000"/>
+            </a:schemeClr>
+          </a:lnRef>
+          <a:fillRef idx="1">
+            <a:schemeClr val="accent1"/>
+          </a:fillRef>
+          <a:effectRef idx="0">
+            <a:schemeClr val="accent1"/>
+          </a:effectRef>
+          <a:fontRef idx="minor">
+            <a:schemeClr val="lt1"/>
+          </a:fontRef>
+        </p:style>
+        <p:txBody>
+          <a:bodyPr rtlCol="0" anchor="ctr"/>
+          <a:lstStyle/>
+          <a:p>
+            <a:pPr algn="ctr"/>
+            <a:endParaRPr lang="uk-UA"/>
+          </a:p>
+        </p:txBody>
+      </p:sp>
+    </p:spTree>
+    <p:extLst>
+      <p:ext uri="{BB962C8B-B14F-4D97-AF65-F5344CB8AC3E}">
+        <p14:creationId xmlns:p14="http://schemas.microsoft.com/office/powerpoint/2010/main" val="3700793027"/>
+      </p:ext>
+    </p:extLst>
+  </p:cSld>
+  <p:clrMapOvr>
+    <a:masterClrMapping/>
+  </p:clrMapOvr>
+</p:sld>
+</file>
+
+<file path=ppt/slides/slide3.xml><?xml version="1.0" encoding="utf-8"?>
+<p:sld xmlns:a="http://schemas.openxmlformats.org/drawingml/2006/main" xmlns:r="http://schemas.openxmlformats.org/officeDocument/2006/relationships" xmlns:p="http://schemas.openxmlformats.org/presentationml/2006/main">
+  <p:cSld>
+    <p:spTree>
+      <p:nvGrpSpPr>
+        <p:cNvPr id="1" name="">
+          <a:extLst>
+            <a:ext uri="{FF2B5EF4-FFF2-40B4-BE49-F238E27FC236}">
+              <a16:creationId xmlns:a16="http://schemas.microsoft.com/office/drawing/2014/main" id="{B974B6F2-E21B-C12C-505E-6268A537F082}"/>
+            </a:ext>
+          </a:extLst>
+        </p:cNvPr>
+        <p:cNvGrpSpPr/>
+        <p:nvPr/>
+      </p:nvGrpSpPr>
+      <p:grpSpPr>
+        <a:xfrm>
+          <a:off x="0" y="0"/>
+          <a:ext cx="0" cy="0"/>
+          <a:chOff x="0" y="0"/>
+          <a:chExt cx="0" cy="0"/>
+        </a:xfrm>
+      </p:grpSpPr>
+      <p:sp>
+        <p:nvSpPr>
+          <p:cNvPr id="21" name="Прямокутник: округлені кути 20">
+            <a:extLst>
+              <a:ext uri="{FF2B5EF4-FFF2-40B4-BE49-F238E27FC236}">
+                <a16:creationId xmlns:a16="http://schemas.microsoft.com/office/drawing/2014/main" id="{52B2C8AB-6698-E786-DB59-6F780D9B6160}"/>
+              </a:ext>
+            </a:extLst>
+          </p:cNvPr>
+          <p:cNvSpPr/>
+          <p:nvPr/>
+        </p:nvSpPr>
+        <p:spPr>
+          <a:xfrm>
+            <a:off x="6706760" y="573022"/>
+            <a:ext cx="1629844" cy="3810266"/>
+          </a:xfrm>
+          <a:prstGeom prst="roundRect">
+            <a:avLst/>
+          </a:prstGeom>
+          <a:solidFill>
+            <a:schemeClr val="accent3">
+              <a:lumMod val="20000"/>
+              <a:lumOff val="80000"/>
+            </a:schemeClr>
+          </a:solidFill>
+          <a:ln w="28575"/>
+        </p:spPr>
+        <p:style>
+          <a:lnRef idx="2">
+            <a:schemeClr val="accent1">
+              <a:shade val="15000"/>
+            </a:schemeClr>
+          </a:lnRef>
+          <a:fillRef idx="1">
+            <a:schemeClr val="accent1"/>
+          </a:fillRef>
+          <a:effectRef idx="0">
+            <a:schemeClr val="accent1"/>
+          </a:effectRef>
+          <a:fontRef idx="minor">
+            <a:schemeClr val="lt1"/>
+          </a:fontRef>
+        </p:style>
+        <p:txBody>
+          <a:bodyPr rtlCol="0" anchor="ctr"/>
+          <a:lstStyle/>
+          <a:p>
+            <a:pPr algn="ctr"/>
+            <a:endParaRPr lang="uk-UA"/>
+          </a:p>
+        </p:txBody>
+      </p:sp>
+      <p:sp>
+        <p:nvSpPr>
+          <p:cNvPr id="1039" name="Стрілка: вправо 1038">
+            <a:extLst>
+              <a:ext uri="{FF2B5EF4-FFF2-40B4-BE49-F238E27FC236}">
+                <a16:creationId xmlns:a16="http://schemas.microsoft.com/office/drawing/2014/main" id="{5024B530-FC2B-9474-AE5E-D1787F1FFCD8}"/>
+              </a:ext>
+            </a:extLst>
+          </p:cNvPr>
+          <p:cNvSpPr/>
+          <p:nvPr/>
+        </p:nvSpPr>
+        <p:spPr>
+          <a:xfrm>
+            <a:off x="4427873" y="1416152"/>
+            <a:ext cx="2258650" cy="1877645"/>
+          </a:xfrm>
+          <a:prstGeom prst="rightArrow">
+            <a:avLst>
+              <a:gd name="adj1" fmla="val 71215"/>
+              <a:gd name="adj2" fmla="val 49518"/>
+            </a:avLst>
+          </a:prstGeom>
+          <a:solidFill>
+            <a:schemeClr val="accent4">
+              <a:lumMod val="20000"/>
+              <a:lumOff val="80000"/>
+            </a:schemeClr>
+          </a:solidFill>
+        </p:spPr>
+        <p:style>
+          <a:lnRef idx="2">
+            <a:schemeClr val="accent1">
+              <a:shade val="15000"/>
+            </a:schemeClr>
+          </a:lnRef>
+          <a:fillRef idx="1">
+            <a:schemeClr val="accent1"/>
+          </a:fillRef>
+          <a:effectRef idx="0">
+            <a:schemeClr val="accent1"/>
+          </a:effectRef>
+          <a:fontRef idx="minor">
+            <a:schemeClr val="lt1"/>
+          </a:fontRef>
+        </p:style>
+        <p:txBody>
+          <a:bodyPr rtlCol="0" anchor="ctr"/>
+          <a:lstStyle/>
+          <a:p>
+            <a:pPr algn="ctr"/>
+            <a:endParaRPr lang="uk-UA"/>
+          </a:p>
+        </p:txBody>
+      </p:sp>
+      <p:sp>
+        <p:nvSpPr>
+          <p:cNvPr id="1038" name="Стрілка: вправо 1037">
+            <a:extLst>
+              <a:ext uri="{FF2B5EF4-FFF2-40B4-BE49-F238E27FC236}">
+                <a16:creationId xmlns:a16="http://schemas.microsoft.com/office/drawing/2014/main" id="{BCFF1283-7938-1219-2CF3-D9B10F22F617}"/>
+              </a:ext>
+            </a:extLst>
+          </p:cNvPr>
+          <p:cNvSpPr/>
+          <p:nvPr/>
+        </p:nvSpPr>
+        <p:spPr>
+          <a:xfrm>
+            <a:off x="4274611" y="1667767"/>
+            <a:ext cx="2403628" cy="1877645"/>
+          </a:xfrm>
+          <a:prstGeom prst="rightArrow">
+            <a:avLst>
+              <a:gd name="adj1" fmla="val 71215"/>
+              <a:gd name="adj2" fmla="val 46143"/>
+            </a:avLst>
+          </a:prstGeom>
+          <a:solidFill>
+            <a:schemeClr val="accent2">
+              <a:lumMod val="20000"/>
+              <a:lumOff val="80000"/>
+            </a:schemeClr>
+          </a:solidFill>
+        </p:spPr>
+        <p:style>
+          <a:lnRef idx="2">
+            <a:schemeClr val="accent1">
+              <a:shade val="15000"/>
+            </a:schemeClr>
+          </a:lnRef>
+          <a:fillRef idx="1">
+            <a:schemeClr val="accent1"/>
+          </a:fillRef>
+          <a:effectRef idx="0">
+            <a:schemeClr val="accent1"/>
+          </a:effectRef>
+          <a:fontRef idx="minor">
+            <a:schemeClr val="lt1"/>
+          </a:fontRef>
+        </p:style>
+        <p:txBody>
+          <a:bodyPr rtlCol="0" anchor="ctr"/>
+          <a:lstStyle/>
+          <a:p>
+            <a:pPr algn="ctr"/>
+            <a:endParaRPr lang="uk-UA"/>
+          </a:p>
+        </p:txBody>
+      </p:sp>
+      <p:sp>
+        <p:nvSpPr>
+          <p:cNvPr id="1031" name="Овал 1030">
+            <a:extLst>
+              <a:ext uri="{FF2B5EF4-FFF2-40B4-BE49-F238E27FC236}">
+                <a16:creationId xmlns:a16="http://schemas.microsoft.com/office/drawing/2014/main" id="{AD0830A9-70A7-C4B7-3DB1-48EEA68B630F}"/>
+              </a:ext>
+            </a:extLst>
+          </p:cNvPr>
+          <p:cNvSpPr/>
+          <p:nvPr/>
+        </p:nvSpPr>
+        <p:spPr>
+          <a:xfrm>
+            <a:off x="2987039" y="527819"/>
+            <a:ext cx="1531819" cy="623123"/>
+          </a:xfrm>
+          <a:prstGeom prst="ellipse">
+            <a:avLst/>
+          </a:prstGeom>
+          <a:solidFill>
+            <a:schemeClr val="accent1">
+              <a:lumMod val="40000"/>
+              <a:lumOff val="60000"/>
+            </a:schemeClr>
+          </a:solidFill>
+        </p:spPr>
+        <p:style>
+          <a:lnRef idx="2">
+            <a:schemeClr val="accent1">
+              <a:shade val="15000"/>
+            </a:schemeClr>
+          </a:lnRef>
+          <a:fillRef idx="1">
+            <a:schemeClr val="accent1"/>
+          </a:fillRef>
+          <a:effectRef idx="0">
+            <a:schemeClr val="accent1"/>
+          </a:effectRef>
+          <a:fontRef idx="minor">
+            <a:schemeClr val="lt1"/>
+          </a:fontRef>
+        </p:style>
+        <p:txBody>
+          <a:bodyPr rtlCol="0" anchor="ctr"/>
+          <a:lstStyle/>
+          <a:p>
+            <a:pPr algn="ctr"/>
+            <a:endParaRPr lang="uk-UA"/>
+          </a:p>
+        </p:txBody>
+      </p:sp>
+      <p:pic>
+        <p:nvPicPr>
+          <p:cNvPr id="1026" name="Рисунок 3">
+            <a:extLst>
+              <a:ext uri="{FF2B5EF4-FFF2-40B4-BE49-F238E27FC236}">
+                <a16:creationId xmlns:a16="http://schemas.microsoft.com/office/drawing/2014/main" id="{29D84927-55EB-039F-E465-B0D4189B367A}"/>
+              </a:ext>
+            </a:extLst>
+          </p:cNvPr>
+          <p:cNvPicPr>
+            <a:picLocks noChangeAspect="1" noChangeArrowheads="1"/>
+          </p:cNvPicPr>
+          <p:nvPr/>
+        </p:nvPicPr>
+        <p:blipFill>
+          <a:blip r:embed="rId2">
+            <a:extLst>
+              <a:ext uri="{28A0092B-C50C-407E-A947-70E740481C1C}">
+                <a14:useLocalDpi xmlns:a14="http://schemas.microsoft.com/office/drawing/2010/main" val="0"/>
+              </a:ext>
+            </a:extLst>
+          </a:blip>
+          <a:srcRect/>
+          <a:stretch>
+            <a:fillRect/>
+          </a:stretch>
+        </p:blipFill>
+        <p:spPr bwMode="auto">
+          <a:xfrm>
+            <a:off x="852043" y="538626"/>
+            <a:ext cx="1148411" cy="877526"/>
+          </a:xfrm>
+          <a:prstGeom prst="rect">
+            <a:avLst/>
+          </a:prstGeom>
+          <a:noFill/>
+          <a:ln>
+            <a:noFill/>
+          </a:ln>
+          <a:extLst>
+            <a:ext uri="{909E8E84-426E-40DD-AFC4-6F175D3DCCD1}">
+              <a14:hiddenFill xmlns:a14="http://schemas.microsoft.com/office/drawing/2010/main">
+                <a:solidFill>
+                  <a:srgbClr val="FFFFFF"/>
+                </a:solidFill>
+              </a14:hiddenFill>
+            </a:ext>
+            <a:ext uri="{91240B29-F687-4F45-9708-019B960494DF}">
+              <a14:hiddenLine xmlns:a14="http://schemas.microsoft.com/office/drawing/2010/main" w="9525">
+                <a:solidFill>
+                  <a:srgbClr val="000000"/>
+                </a:solidFill>
+                <a:miter lim="800000"/>
+                <a:headEnd/>
+                <a:tailEnd/>
+              </a14:hiddenLine>
+            </a:ext>
+          </a:extLst>
+        </p:spPr>
+      </p:pic>
+      <p:pic>
+        <p:nvPicPr>
+          <p:cNvPr id="4" name="Рисунок 6">
+            <a:extLst>
+              <a:ext uri="{FF2B5EF4-FFF2-40B4-BE49-F238E27FC236}">
+                <a16:creationId xmlns:a16="http://schemas.microsoft.com/office/drawing/2014/main" id="{1B175745-C0BC-70D4-8716-A35F8E316897}"/>
+              </a:ext>
+            </a:extLst>
+          </p:cNvPr>
+          <p:cNvPicPr>
+            <a:picLocks noChangeAspect="1"/>
+          </p:cNvPicPr>
+          <p:nvPr/>
+        </p:nvPicPr>
+        <p:blipFill>
+          <a:blip r:embed="rId3">
+            <a:extLst>
+              <a:ext uri="{28A0092B-C50C-407E-A947-70E740481C1C}">
+                <a14:useLocalDpi xmlns:a14="http://schemas.microsoft.com/office/drawing/2010/main" val="0"/>
+              </a:ext>
+            </a:extLst>
+          </a:blip>
+          <a:stretch>
+            <a:fillRect/>
+          </a:stretch>
+        </p:blipFill>
+        <p:spPr>
+          <a:xfrm>
+            <a:off x="852043" y="3783383"/>
+            <a:ext cx="1276009" cy="928220"/>
+          </a:xfrm>
+          <a:prstGeom prst="rect">
+            <a:avLst/>
+          </a:prstGeom>
+        </p:spPr>
+      </p:pic>
+      <p:pic>
+        <p:nvPicPr>
+          <p:cNvPr id="7" name="Рисунок 9">
+            <a:extLst>
+              <a:ext uri="{FF2B5EF4-FFF2-40B4-BE49-F238E27FC236}">
+                <a16:creationId xmlns:a16="http://schemas.microsoft.com/office/drawing/2014/main" id="{8B3517F9-A6DE-55C9-3284-2E1B50D71EA6}"/>
+              </a:ext>
+            </a:extLst>
+          </p:cNvPr>
+          <p:cNvPicPr>
+            <a:picLocks noChangeAspect="1"/>
+          </p:cNvPicPr>
+          <p:nvPr/>
+        </p:nvPicPr>
+        <p:blipFill>
+          <a:blip r:embed="rId4"/>
+          <a:stretch>
+            <a:fillRect/>
+          </a:stretch>
+        </p:blipFill>
+        <p:spPr>
+          <a:xfrm>
+            <a:off x="194878" y="3933784"/>
+            <a:ext cx="507414" cy="431593"/>
+          </a:xfrm>
+          <a:prstGeom prst="rect">
+            <a:avLst/>
+          </a:prstGeom>
+        </p:spPr>
+      </p:pic>
+      <p:pic>
+        <p:nvPicPr>
+          <p:cNvPr id="10" name="Рисунок 9">
+            <a:extLst>
+              <a:ext uri="{FF2B5EF4-FFF2-40B4-BE49-F238E27FC236}">
+                <a16:creationId xmlns:a16="http://schemas.microsoft.com/office/drawing/2014/main" id="{6731357A-FBA9-E464-17BD-76510587DCD2}"/>
+              </a:ext>
+            </a:extLst>
+          </p:cNvPr>
+          <p:cNvPicPr>
+            <a:picLocks noChangeAspect="1"/>
+          </p:cNvPicPr>
+          <p:nvPr/>
+        </p:nvPicPr>
+        <p:blipFill>
+          <a:blip r:embed="rId5"/>
+          <a:stretch>
+            <a:fillRect/>
+          </a:stretch>
+        </p:blipFill>
+        <p:spPr>
+          <a:xfrm>
+            <a:off x="600780" y="280305"/>
+            <a:ext cx="1148411" cy="219398"/>
+          </a:xfrm>
+          <a:prstGeom prst="rect">
+            <a:avLst/>
+          </a:prstGeom>
+        </p:spPr>
+      </p:pic>
+      <p:grpSp>
+        <p:nvGrpSpPr>
+          <p:cNvPr id="42" name="Групувати 41">
+            <a:extLst>
+              <a:ext uri="{FF2B5EF4-FFF2-40B4-BE49-F238E27FC236}">
+                <a16:creationId xmlns:a16="http://schemas.microsoft.com/office/drawing/2014/main" id="{1D5B9490-1A19-4D2E-3C7F-51796CBD4BA4}"/>
+              </a:ext>
+            </a:extLst>
+          </p:cNvPr>
+          <p:cNvGrpSpPr/>
+          <p:nvPr/>
+        </p:nvGrpSpPr>
+        <p:grpSpPr>
+          <a:xfrm>
+            <a:off x="2368034" y="1496541"/>
+            <a:ext cx="2066711" cy="1963790"/>
+            <a:chOff x="3829296" y="1459768"/>
+            <a:chExt cx="2066711" cy="1963790"/>
+          </a:xfrm>
+        </p:grpSpPr>
+        <p:grpSp>
+          <p:nvGrpSpPr>
+            <p:cNvPr id="18" name="Групувати 17">
+              <a:extLst>
+                <a:ext uri="{FF2B5EF4-FFF2-40B4-BE49-F238E27FC236}">
+                  <a16:creationId xmlns:a16="http://schemas.microsoft.com/office/drawing/2014/main" id="{6B7A1BBC-EEEA-A757-CCEB-3FC077D1A644}"/>
+                </a:ext>
+              </a:extLst>
+            </p:cNvPr>
+            <p:cNvGrpSpPr/>
+            <p:nvPr/>
+          </p:nvGrpSpPr>
+          <p:grpSpPr>
+            <a:xfrm>
+              <a:off x="3967620" y="1459768"/>
+              <a:ext cx="1928387" cy="1698761"/>
+              <a:chOff x="8820594" y="2062021"/>
+              <a:chExt cx="1928387" cy="1698761"/>
+            </a:xfrm>
+          </p:grpSpPr>
+          <p:sp>
+            <p:nvSpPr>
+              <p:cNvPr id="16" name="TextBox 15">
+                <a:extLst>
+                  <a:ext uri="{FF2B5EF4-FFF2-40B4-BE49-F238E27FC236}">
+                    <a16:creationId xmlns:a16="http://schemas.microsoft.com/office/drawing/2014/main" id="{68A6184E-2D4D-1B67-19E8-A8C01AD676BD}"/>
+                  </a:ext>
+                </a:extLst>
+              </p:cNvPr>
+              <p:cNvSpPr txBox="1"/>
+              <p:nvPr/>
+            </p:nvSpPr>
+            <p:spPr>
+              <a:xfrm>
+                <a:off x="8906776" y="2062021"/>
+                <a:ext cx="788999" cy="338554"/>
+              </a:xfrm>
+              <a:prstGeom prst="rect">
+                <a:avLst/>
+              </a:prstGeom>
+              <a:noFill/>
+            </p:spPr>
+            <p:txBody>
+              <a:bodyPr wrap="none" rtlCol="0">
+                <a:spAutoFit/>
+              </a:bodyPr>
+              <a:lstStyle/>
+              <a:p>
+                <a:r>
+                  <a:rPr lang="en-US" sz="1600" b="1" dirty="0">
+                    <a:latin typeface="Arial" panose="020B0604020202020204" pitchFamily="34" charset="0"/>
+                    <a:cs typeface="Arial" panose="020B0604020202020204" pitchFamily="34" charset="0"/>
+                  </a:rPr>
+                  <a:t>AM1.5</a:t>
+                </a:r>
+                <a:endParaRPr lang="uk-UA" sz="1600" b="1" dirty="0">
+                  <a:latin typeface="Arial" panose="020B0604020202020204" pitchFamily="34" charset="0"/>
+                  <a:cs typeface="Arial" panose="020B0604020202020204" pitchFamily="34" charset="0"/>
+                </a:endParaRPr>
+              </a:p>
+            </p:txBody>
+          </p:sp>
+          <p:sp>
+            <p:nvSpPr>
+              <p:cNvPr id="17" name="Прямокутник: округлені кути 16">
+                <a:extLst>
+                  <a:ext uri="{FF2B5EF4-FFF2-40B4-BE49-F238E27FC236}">
+                    <a16:creationId xmlns:a16="http://schemas.microsoft.com/office/drawing/2014/main" id="{C57DC81F-C49D-9B3D-931C-6CE6B0DB8333}"/>
+                  </a:ext>
+                </a:extLst>
+              </p:cNvPr>
+              <p:cNvSpPr/>
+              <p:nvPr/>
+            </p:nvSpPr>
+            <p:spPr>
+              <a:xfrm>
+                <a:off x="8820594" y="2080128"/>
+                <a:ext cx="1928387" cy="1680654"/>
+              </a:xfrm>
+              <a:prstGeom prst="roundRect">
+                <a:avLst/>
+              </a:prstGeom>
+              <a:noFill/>
+              <a:ln w="28575"/>
+            </p:spPr>
+            <p:style>
+              <a:lnRef idx="2">
+                <a:schemeClr val="accent1">
+                  <a:shade val="15000"/>
+                </a:schemeClr>
+              </a:lnRef>
+              <a:fillRef idx="1">
+                <a:schemeClr val="accent1"/>
+              </a:fillRef>
+              <a:effectRef idx="0">
+                <a:schemeClr val="accent1"/>
+              </a:effectRef>
+              <a:fontRef idx="minor">
+                <a:schemeClr val="lt1"/>
+              </a:fontRef>
+            </p:style>
+            <p:txBody>
+              <a:bodyPr rtlCol="0" anchor="ctr"/>
+              <a:lstStyle/>
+              <a:p>
+                <a:pPr algn="ctr"/>
+                <a:endParaRPr lang="uk-UA"/>
+              </a:p>
+            </p:txBody>
+          </p:sp>
+        </p:grpSp>
+        <p:sp>
+          <p:nvSpPr>
+            <p:cNvPr id="11" name="Прямокутник: округлені кути 10">
+              <a:extLst>
+                <a:ext uri="{FF2B5EF4-FFF2-40B4-BE49-F238E27FC236}">
+                  <a16:creationId xmlns:a16="http://schemas.microsoft.com/office/drawing/2014/main" id="{B06B0C4A-77E8-0F26-0C88-8DBB166F4130}"/>
+                </a:ext>
+              </a:extLst>
+            </p:cNvPr>
+            <p:cNvSpPr/>
+            <p:nvPr/>
+          </p:nvSpPr>
+          <p:spPr>
+            <a:xfrm>
+              <a:off x="3829296" y="1742904"/>
+              <a:ext cx="1928387" cy="1680654"/>
+            </a:xfrm>
+            <a:prstGeom prst="roundRect">
+              <a:avLst/>
+            </a:prstGeom>
+            <a:solidFill>
+              <a:schemeClr val="bg1"/>
+            </a:solidFill>
+            <a:ln w="28575"/>
+          </p:spPr>
+          <p:style>
+            <a:lnRef idx="2">
+              <a:schemeClr val="accent1">
+                <a:shade val="15000"/>
+              </a:schemeClr>
+            </a:lnRef>
+            <a:fillRef idx="1">
+              <a:schemeClr val="accent1"/>
+            </a:fillRef>
+            <a:effectRef idx="0">
+              <a:schemeClr val="accent1"/>
+            </a:effectRef>
+            <a:fontRef idx="minor">
+              <a:schemeClr val="lt1"/>
+            </a:fontRef>
+          </p:style>
+          <p:txBody>
+            <a:bodyPr rtlCol="0" anchor="ctr"/>
+            <a:lstStyle/>
+            <a:p>
+              <a:pPr algn="ctr"/>
+              <a:endParaRPr lang="uk-UA"/>
+            </a:p>
+          </p:txBody>
+        </p:sp>
+        <p:pic>
+          <p:nvPicPr>
+            <p:cNvPr id="19" name="Рисунок 18">
+              <a:extLst>
+                <a:ext uri="{FF2B5EF4-FFF2-40B4-BE49-F238E27FC236}">
+                  <a16:creationId xmlns:a16="http://schemas.microsoft.com/office/drawing/2014/main" id="{861DC0B3-A6F3-4475-C213-887007F4EF10}"/>
+                </a:ext>
+              </a:extLst>
+            </p:cNvPr>
+            <p:cNvPicPr>
+              <a:picLocks noChangeAspect="1"/>
+            </p:cNvPicPr>
+            <p:nvPr/>
+          </p:nvPicPr>
+          <p:blipFill>
+            <a:blip r:embed="rId6"/>
+            <a:stretch>
+              <a:fillRect/>
+            </a:stretch>
+          </p:blipFill>
+          <p:spPr>
+            <a:xfrm>
+              <a:off x="3895601" y="2032298"/>
+              <a:ext cx="1813882" cy="1276856"/>
+            </a:xfrm>
+            <a:prstGeom prst="rect">
+              <a:avLst/>
+            </a:prstGeom>
+          </p:spPr>
+        </p:pic>
+        <p:sp>
+          <p:nvSpPr>
+            <p:cNvPr id="13" name="TextBox 12">
+              <a:extLst>
+                <a:ext uri="{FF2B5EF4-FFF2-40B4-BE49-F238E27FC236}">
+                  <a16:creationId xmlns:a16="http://schemas.microsoft.com/office/drawing/2014/main" id="{13BE65B7-AA5D-136E-752E-0FF077012310}"/>
+                </a:ext>
+              </a:extLst>
+            </p:cNvPr>
+            <p:cNvSpPr txBox="1"/>
+            <p:nvPr/>
+          </p:nvSpPr>
+          <p:spPr>
+            <a:xfrm>
+              <a:off x="3915478" y="1706691"/>
+              <a:ext cx="891591" cy="338554"/>
+            </a:xfrm>
+            <a:prstGeom prst="rect">
+              <a:avLst/>
+            </a:prstGeom>
+            <a:noFill/>
+          </p:spPr>
+          <p:txBody>
+            <a:bodyPr wrap="none" rtlCol="0">
+              <a:spAutoFit/>
+            </a:bodyPr>
+            <a:lstStyle/>
+            <a:p>
+              <a:r>
+                <a:rPr lang="en-US" sz="1600" b="1" dirty="0">
+                  <a:latin typeface="Arial" panose="020B0604020202020204" pitchFamily="34" charset="0"/>
+                  <a:cs typeface="Arial" panose="020B0604020202020204" pitchFamily="34" charset="0"/>
+                </a:rPr>
+                <a:t>940 nm</a:t>
+              </a:r>
+              <a:endParaRPr lang="uk-UA" sz="1600" b="1" dirty="0">
+                <a:latin typeface="Arial" panose="020B0604020202020204" pitchFamily="34" charset="0"/>
+                <a:cs typeface="Arial" panose="020B0604020202020204" pitchFamily="34" charset="0"/>
+              </a:endParaRPr>
+            </a:p>
+          </p:txBody>
+        </p:sp>
+      </p:grpSp>
+      <p:grpSp>
+        <p:nvGrpSpPr>
+          <p:cNvPr id="40" name="Групувати 39">
+            <a:extLst>
+              <a:ext uri="{FF2B5EF4-FFF2-40B4-BE49-F238E27FC236}">
+                <a16:creationId xmlns:a16="http://schemas.microsoft.com/office/drawing/2014/main" id="{F4C6C5FC-676F-CBEE-36BA-5E37CBA57582}"/>
+              </a:ext>
+            </a:extLst>
+          </p:cNvPr>
+          <p:cNvGrpSpPr/>
+          <p:nvPr/>
+        </p:nvGrpSpPr>
+        <p:grpSpPr>
+          <a:xfrm>
+            <a:off x="9545083" y="3546830"/>
+            <a:ext cx="1794874" cy="2450448"/>
+            <a:chOff x="8935065" y="1942282"/>
+            <a:chExt cx="1794874" cy="2450448"/>
+          </a:xfrm>
+        </p:grpSpPr>
+        <p:grpSp>
+          <p:nvGrpSpPr>
+            <p:cNvPr id="27" name="Групувати 26">
+              <a:extLst>
+                <a:ext uri="{FF2B5EF4-FFF2-40B4-BE49-F238E27FC236}">
+                  <a16:creationId xmlns:a16="http://schemas.microsoft.com/office/drawing/2014/main" id="{A2862D96-E71A-F8FF-4056-12B7E3C596BD}"/>
+                </a:ext>
+              </a:extLst>
+            </p:cNvPr>
+            <p:cNvGrpSpPr/>
+            <p:nvPr/>
+          </p:nvGrpSpPr>
+          <p:grpSpPr>
+            <a:xfrm>
+              <a:off x="8935065" y="1942282"/>
+              <a:ext cx="1794874" cy="2450448"/>
+              <a:chOff x="8935065" y="1942282"/>
+              <a:chExt cx="1794874" cy="2450448"/>
+            </a:xfrm>
+          </p:grpSpPr>
+          <p:sp>
+            <p:nvSpPr>
+              <p:cNvPr id="37" name="Прямокутник: округлені кути 36">
+                <a:extLst>
+                  <a:ext uri="{FF2B5EF4-FFF2-40B4-BE49-F238E27FC236}">
+                    <a16:creationId xmlns:a16="http://schemas.microsoft.com/office/drawing/2014/main" id="{63CFFDB4-9598-6D3C-1962-5E657C86DDC1}"/>
+                  </a:ext>
+                </a:extLst>
+              </p:cNvPr>
+              <p:cNvSpPr/>
+              <p:nvPr/>
+            </p:nvSpPr>
+            <p:spPr>
+              <a:xfrm>
+                <a:off x="9235412" y="1995964"/>
+                <a:ext cx="1494527" cy="1462634"/>
+              </a:xfrm>
+              <a:prstGeom prst="roundRect">
+                <a:avLst/>
+              </a:prstGeom>
+              <a:solidFill>
+                <a:schemeClr val="bg1"/>
+              </a:solidFill>
+              <a:ln w="28575"/>
+            </p:spPr>
+            <p:style>
+              <a:lnRef idx="2">
+                <a:schemeClr val="accent1">
+                  <a:shade val="15000"/>
+                </a:schemeClr>
+              </a:lnRef>
+              <a:fillRef idx="1">
+                <a:schemeClr val="accent1"/>
+              </a:fillRef>
+              <a:effectRef idx="0">
+                <a:schemeClr val="accent1"/>
+              </a:effectRef>
+              <a:fontRef idx="minor">
+                <a:schemeClr val="lt1"/>
+              </a:fontRef>
+            </p:style>
+            <p:txBody>
+              <a:bodyPr rtlCol="0" anchor="ctr"/>
+              <a:lstStyle/>
+              <a:p>
+                <a:pPr algn="ctr"/>
+                <a:endParaRPr lang="uk-UA"/>
+              </a:p>
+            </p:txBody>
+          </p:sp>
+          <p:sp>
+            <p:nvSpPr>
+              <p:cNvPr id="38" name="TextBox 37">
+                <a:extLst>
+                  <a:ext uri="{FF2B5EF4-FFF2-40B4-BE49-F238E27FC236}">
+                    <a16:creationId xmlns:a16="http://schemas.microsoft.com/office/drawing/2014/main" id="{4EDE3D0F-4AF6-D658-19F1-C039981FEBDE}"/>
+                  </a:ext>
+                </a:extLst>
+              </p:cNvPr>
+              <p:cNvSpPr txBox="1"/>
+              <p:nvPr/>
+            </p:nvSpPr>
+            <p:spPr>
+              <a:xfrm>
+                <a:off x="9736249" y="1942282"/>
+                <a:ext cx="457176" cy="338554"/>
+              </a:xfrm>
+              <a:prstGeom prst="rect">
+                <a:avLst/>
+              </a:prstGeom>
+              <a:noFill/>
+            </p:spPr>
+            <p:txBody>
+              <a:bodyPr wrap="none" rtlCol="0">
+                <a:spAutoFit/>
+              </a:bodyPr>
+              <a:lstStyle/>
+              <a:p>
+                <a:r>
+                  <a:rPr lang="en-US" sz="1600" b="1" dirty="0">
+                    <a:latin typeface="Arial" panose="020B0604020202020204" pitchFamily="34" charset="0"/>
+                    <a:cs typeface="Arial" panose="020B0604020202020204" pitchFamily="34" charset="0"/>
+                  </a:rPr>
+                  <a:t>RF</a:t>
+                </a:r>
+                <a:endParaRPr lang="uk-UA" sz="1600" b="1" dirty="0">
+                  <a:latin typeface="Arial" panose="020B0604020202020204" pitchFamily="34" charset="0"/>
+                  <a:cs typeface="Arial" panose="020B0604020202020204" pitchFamily="34" charset="0"/>
+                </a:endParaRPr>
+              </a:p>
+            </p:txBody>
+          </p:sp>
+          <p:sp>
+            <p:nvSpPr>
+              <p:cNvPr id="35" name="Прямокутник: округлені кути 34">
+                <a:extLst>
+                  <a:ext uri="{FF2B5EF4-FFF2-40B4-BE49-F238E27FC236}">
+                    <a16:creationId xmlns:a16="http://schemas.microsoft.com/office/drawing/2014/main" id="{38A54245-3CD1-1473-2B37-1D586B021B96}"/>
+                  </a:ext>
+                </a:extLst>
+              </p:cNvPr>
+              <p:cNvSpPr/>
+              <p:nvPr/>
+            </p:nvSpPr>
+            <p:spPr>
+              <a:xfrm>
+                <a:off x="9162045" y="2229497"/>
+                <a:ext cx="1494527" cy="1462634"/>
+              </a:xfrm>
+              <a:prstGeom prst="roundRect">
+                <a:avLst/>
+              </a:prstGeom>
+              <a:solidFill>
+                <a:schemeClr val="bg1"/>
+              </a:solidFill>
+              <a:ln w="28575"/>
+            </p:spPr>
+            <p:style>
+              <a:lnRef idx="2">
+                <a:schemeClr val="accent1">
+                  <a:shade val="15000"/>
+                </a:schemeClr>
+              </a:lnRef>
+              <a:fillRef idx="1">
+                <a:schemeClr val="accent1"/>
+              </a:fillRef>
+              <a:effectRef idx="0">
+                <a:schemeClr val="accent1"/>
+              </a:effectRef>
+              <a:fontRef idx="minor">
+                <a:schemeClr val="lt1"/>
+              </a:fontRef>
+            </p:style>
+            <p:txBody>
+              <a:bodyPr rtlCol="0" anchor="ctr"/>
+              <a:lstStyle/>
+              <a:p>
+                <a:pPr algn="ctr"/>
+                <a:endParaRPr lang="uk-UA"/>
+              </a:p>
+            </p:txBody>
+          </p:sp>
+          <p:sp>
+            <p:nvSpPr>
+              <p:cNvPr id="36" name="TextBox 35">
+                <a:extLst>
+                  <a:ext uri="{FF2B5EF4-FFF2-40B4-BE49-F238E27FC236}">
+                    <a16:creationId xmlns:a16="http://schemas.microsoft.com/office/drawing/2014/main" id="{73585FE4-1397-9C8D-E8DA-D63E80CDB957}"/>
+                  </a:ext>
+                </a:extLst>
+              </p:cNvPr>
+              <p:cNvSpPr txBox="1"/>
+              <p:nvPr/>
+            </p:nvSpPr>
+            <p:spPr>
+              <a:xfrm>
+                <a:off x="9617613" y="2180493"/>
+                <a:ext cx="492443" cy="338554"/>
+              </a:xfrm>
+              <a:prstGeom prst="rect">
+                <a:avLst/>
+              </a:prstGeom>
+              <a:noFill/>
+            </p:spPr>
+            <p:txBody>
+              <a:bodyPr wrap="none" rtlCol="0">
+                <a:spAutoFit/>
+              </a:bodyPr>
+              <a:lstStyle/>
+              <a:p>
+                <a:r>
+                  <a:rPr lang="en-US" sz="1600" b="1" dirty="0">
+                    <a:latin typeface="Arial" panose="020B0604020202020204" pitchFamily="34" charset="0"/>
+                    <a:cs typeface="Arial" panose="020B0604020202020204" pitchFamily="34" charset="0"/>
+                  </a:rPr>
+                  <a:t>GB</a:t>
+                </a:r>
+                <a:endParaRPr lang="uk-UA" sz="1600" b="1" dirty="0">
+                  <a:latin typeface="Arial" panose="020B0604020202020204" pitchFamily="34" charset="0"/>
+                  <a:cs typeface="Arial" panose="020B0604020202020204" pitchFamily="34" charset="0"/>
+                </a:endParaRPr>
+              </a:p>
+            </p:txBody>
+          </p:sp>
+          <p:sp>
+            <p:nvSpPr>
+              <p:cNvPr id="33" name="Прямокутник: округлені кути 32">
+                <a:extLst>
+                  <a:ext uri="{FF2B5EF4-FFF2-40B4-BE49-F238E27FC236}">
+                    <a16:creationId xmlns:a16="http://schemas.microsoft.com/office/drawing/2014/main" id="{2FBCAA38-04D5-6724-4EB6-DBBDA56FD7E3}"/>
+                  </a:ext>
+                </a:extLst>
+              </p:cNvPr>
+              <p:cNvSpPr/>
+              <p:nvPr/>
+            </p:nvSpPr>
+            <p:spPr>
+              <a:xfrm>
+                <a:off x="9086305" y="2463030"/>
+                <a:ext cx="1494527" cy="1462634"/>
+              </a:xfrm>
+              <a:prstGeom prst="roundRect">
+                <a:avLst/>
+              </a:prstGeom>
+              <a:solidFill>
+                <a:schemeClr val="bg1"/>
+              </a:solidFill>
+              <a:ln w="28575"/>
+            </p:spPr>
+            <p:style>
+              <a:lnRef idx="2">
+                <a:schemeClr val="accent1">
+                  <a:shade val="15000"/>
+                </a:schemeClr>
+              </a:lnRef>
+              <a:fillRef idx="1">
+                <a:schemeClr val="accent1"/>
+              </a:fillRef>
+              <a:effectRef idx="0">
+                <a:schemeClr val="accent1"/>
+              </a:effectRef>
+              <a:fontRef idx="minor">
+                <a:schemeClr val="lt1"/>
+              </a:fontRef>
+            </p:style>
+            <p:txBody>
+              <a:bodyPr rtlCol="0" anchor="ctr"/>
+              <a:lstStyle/>
+              <a:p>
+                <a:pPr algn="ctr"/>
+                <a:endParaRPr lang="uk-UA"/>
+              </a:p>
+            </p:txBody>
+          </p:sp>
+          <p:sp>
+            <p:nvSpPr>
+              <p:cNvPr id="34" name="TextBox 33">
+                <a:extLst>
+                  <a:ext uri="{FF2B5EF4-FFF2-40B4-BE49-F238E27FC236}">
+                    <a16:creationId xmlns:a16="http://schemas.microsoft.com/office/drawing/2014/main" id="{BBCAE86E-526A-4D67-4895-FE16583640C5}"/>
+                  </a:ext>
+                </a:extLst>
+              </p:cNvPr>
+              <p:cNvSpPr txBox="1"/>
+              <p:nvPr/>
+            </p:nvSpPr>
+            <p:spPr>
+              <a:xfrm>
+                <a:off x="9460396" y="2405790"/>
+                <a:ext cx="628698" cy="338554"/>
+              </a:xfrm>
+              <a:prstGeom prst="rect">
+                <a:avLst/>
+              </a:prstGeom>
+              <a:noFill/>
+            </p:spPr>
+            <p:txBody>
+              <a:bodyPr wrap="none" rtlCol="0">
+                <a:spAutoFit/>
+              </a:bodyPr>
+              <a:lstStyle/>
+              <a:p>
+                <a:r>
+                  <a:rPr lang="en-US" sz="1600" b="1" dirty="0">
+                    <a:latin typeface="Arial" panose="020B0604020202020204" pitchFamily="34" charset="0"/>
+                    <a:cs typeface="Arial" panose="020B0604020202020204" pitchFamily="34" charset="0"/>
+                  </a:rPr>
+                  <a:t>XGB</a:t>
+                </a:r>
+                <a:endParaRPr lang="uk-UA" sz="1600" b="1" dirty="0">
+                  <a:latin typeface="Arial" panose="020B0604020202020204" pitchFamily="34" charset="0"/>
+                  <a:cs typeface="Arial" panose="020B0604020202020204" pitchFamily="34" charset="0"/>
+                </a:endParaRPr>
+              </a:p>
+            </p:txBody>
+          </p:sp>
+          <p:sp>
+            <p:nvSpPr>
+              <p:cNvPr id="30" name="Прямокутник: округлені кути 29">
+                <a:extLst>
+                  <a:ext uri="{FF2B5EF4-FFF2-40B4-BE49-F238E27FC236}">
+                    <a16:creationId xmlns:a16="http://schemas.microsoft.com/office/drawing/2014/main" id="{B8CEBA39-DC57-7899-C356-0A561E186923}"/>
+                  </a:ext>
+                </a:extLst>
+              </p:cNvPr>
+              <p:cNvSpPr/>
+              <p:nvPr/>
+            </p:nvSpPr>
+            <p:spPr>
+              <a:xfrm>
+                <a:off x="9008432" y="2696563"/>
+                <a:ext cx="1494527" cy="1462634"/>
+              </a:xfrm>
+              <a:prstGeom prst="roundRect">
+                <a:avLst/>
+              </a:prstGeom>
+              <a:solidFill>
+                <a:schemeClr val="bg1"/>
+              </a:solidFill>
+              <a:ln w="28575"/>
+            </p:spPr>
+            <p:style>
+              <a:lnRef idx="2">
+                <a:schemeClr val="accent1">
+                  <a:shade val="15000"/>
+                </a:schemeClr>
+              </a:lnRef>
+              <a:fillRef idx="1">
+                <a:schemeClr val="accent1"/>
+              </a:fillRef>
+              <a:effectRef idx="0">
+                <a:schemeClr val="accent1"/>
+              </a:effectRef>
+              <a:fontRef idx="minor">
+                <a:schemeClr val="lt1"/>
+              </a:fontRef>
+            </p:style>
+            <p:txBody>
+              <a:bodyPr rtlCol="0" anchor="ctr"/>
+              <a:lstStyle/>
+              <a:p>
+                <a:pPr algn="ctr"/>
+                <a:endParaRPr lang="uk-UA"/>
+              </a:p>
+            </p:txBody>
+          </p:sp>
+          <p:sp>
+            <p:nvSpPr>
+              <p:cNvPr id="31" name="TextBox 30">
+                <a:extLst>
+                  <a:ext uri="{FF2B5EF4-FFF2-40B4-BE49-F238E27FC236}">
+                    <a16:creationId xmlns:a16="http://schemas.microsoft.com/office/drawing/2014/main" id="{AF4DAF5D-5183-0666-D8FD-60B0D5399908}"/>
+                  </a:ext>
+                </a:extLst>
+              </p:cNvPr>
+              <p:cNvSpPr txBox="1"/>
+              <p:nvPr/>
+            </p:nvSpPr>
+            <p:spPr>
+              <a:xfrm>
+                <a:off x="9382523" y="2644001"/>
+                <a:ext cx="604653" cy="338554"/>
+              </a:xfrm>
+              <a:prstGeom prst="rect">
+                <a:avLst/>
+              </a:prstGeom>
+              <a:noFill/>
+            </p:spPr>
+            <p:txBody>
+              <a:bodyPr wrap="none" rtlCol="0">
+                <a:spAutoFit/>
+              </a:bodyPr>
+              <a:lstStyle/>
+              <a:p>
+                <a:r>
+                  <a:rPr lang="en-US" sz="1600" b="1" dirty="0">
+                    <a:latin typeface="Arial" panose="020B0604020202020204" pitchFamily="34" charset="0"/>
+                    <a:cs typeface="Arial" panose="020B0604020202020204" pitchFamily="34" charset="0"/>
+                  </a:rPr>
+                  <a:t>SVR</a:t>
+                </a:r>
+                <a:endParaRPr lang="uk-UA" sz="1600" b="1" dirty="0">
+                  <a:latin typeface="Arial" panose="020B0604020202020204" pitchFamily="34" charset="0"/>
+                  <a:cs typeface="Arial" panose="020B0604020202020204" pitchFamily="34" charset="0"/>
+                </a:endParaRPr>
+              </a:p>
+            </p:txBody>
+          </p:sp>
+          <p:sp>
+            <p:nvSpPr>
+              <p:cNvPr id="23" name="Прямокутник: округлені кути 22">
+                <a:extLst>
+                  <a:ext uri="{FF2B5EF4-FFF2-40B4-BE49-F238E27FC236}">
+                    <a16:creationId xmlns:a16="http://schemas.microsoft.com/office/drawing/2014/main" id="{271EB05D-BEB3-B845-C19E-E94D9653CBC5}"/>
+                  </a:ext>
+                </a:extLst>
+              </p:cNvPr>
+              <p:cNvSpPr/>
+              <p:nvPr/>
+            </p:nvSpPr>
+            <p:spPr>
+              <a:xfrm>
+                <a:off x="8935065" y="2930096"/>
+                <a:ext cx="1494527" cy="1462634"/>
+              </a:xfrm>
+              <a:prstGeom prst="roundRect">
+                <a:avLst/>
+              </a:prstGeom>
+              <a:solidFill>
+                <a:schemeClr val="bg1"/>
+              </a:solidFill>
+              <a:ln w="28575"/>
+            </p:spPr>
+            <p:style>
+              <a:lnRef idx="2">
+                <a:schemeClr val="accent1">
+                  <a:shade val="15000"/>
+                </a:schemeClr>
+              </a:lnRef>
+              <a:fillRef idx="1">
+                <a:schemeClr val="accent1"/>
+              </a:fillRef>
+              <a:effectRef idx="0">
+                <a:schemeClr val="accent1"/>
+              </a:effectRef>
+              <a:fontRef idx="minor">
+                <a:schemeClr val="lt1"/>
+              </a:fontRef>
+            </p:style>
+            <p:txBody>
+              <a:bodyPr rtlCol="0" anchor="ctr"/>
+              <a:lstStyle/>
+              <a:p>
+                <a:pPr algn="ctr"/>
+                <a:endParaRPr lang="uk-UA"/>
+              </a:p>
+            </p:txBody>
+          </p:sp>
+          <p:sp>
+            <p:nvSpPr>
+              <p:cNvPr id="22" name="TextBox 21">
+                <a:extLst>
+                  <a:ext uri="{FF2B5EF4-FFF2-40B4-BE49-F238E27FC236}">
+                    <a16:creationId xmlns:a16="http://schemas.microsoft.com/office/drawing/2014/main" id="{E5B3CE02-F720-D8C3-B947-918F21C8C0E9}"/>
+                  </a:ext>
+                </a:extLst>
+              </p:cNvPr>
+              <p:cNvSpPr txBox="1"/>
+              <p:nvPr/>
+            </p:nvSpPr>
+            <p:spPr>
+              <a:xfrm>
+                <a:off x="9309156" y="2876414"/>
+                <a:ext cx="600153" cy="321491"/>
+              </a:xfrm>
+              <a:prstGeom prst="rect">
+                <a:avLst/>
+              </a:prstGeom>
+              <a:noFill/>
+            </p:spPr>
+            <p:txBody>
+              <a:bodyPr wrap="none" rtlCol="0">
+                <a:spAutoFit/>
+              </a:bodyPr>
+              <a:lstStyle/>
+              <a:p>
+                <a:r>
+                  <a:rPr lang="en-US" sz="1600" b="1" dirty="0">
+                    <a:latin typeface="Arial" panose="020B0604020202020204" pitchFamily="34" charset="0"/>
+                    <a:cs typeface="Arial" panose="020B0604020202020204" pitchFamily="34" charset="0"/>
+                  </a:rPr>
+                  <a:t>DNN</a:t>
+                </a:r>
+                <a:endParaRPr lang="uk-UA" sz="1600" b="1" dirty="0">
+                  <a:latin typeface="Arial" panose="020B0604020202020204" pitchFamily="34" charset="0"/>
+                  <a:cs typeface="Arial" panose="020B0604020202020204" pitchFamily="34" charset="0"/>
+                </a:endParaRPr>
+              </a:p>
+            </p:txBody>
+          </p:sp>
+        </p:grpSp>
+        <p:pic>
+          <p:nvPicPr>
+            <p:cNvPr id="39" name="Рисунок 38">
+              <a:extLst>
+                <a:ext uri="{FF2B5EF4-FFF2-40B4-BE49-F238E27FC236}">
+                  <a16:creationId xmlns:a16="http://schemas.microsoft.com/office/drawing/2014/main" id="{D82617D7-0697-101E-63A7-1A8B967175DE}"/>
+                </a:ext>
+              </a:extLst>
+            </p:cNvPr>
+            <p:cNvPicPr>
+              <a:picLocks noChangeAspect="1"/>
+            </p:cNvPicPr>
+            <p:nvPr/>
+          </p:nvPicPr>
+          <p:blipFill>
+            <a:blip r:embed="rId7"/>
+            <a:stretch>
+              <a:fillRect/>
+            </a:stretch>
+          </p:blipFill>
+          <p:spPr>
+            <a:xfrm>
+              <a:off x="9023721" y="3133582"/>
+              <a:ext cx="1375348" cy="1249169"/>
+            </a:xfrm>
+            <a:prstGeom prst="rect">
+              <a:avLst/>
+            </a:prstGeom>
+          </p:spPr>
+        </p:pic>
+      </p:grpSp>
+      <p:graphicFrame>
+        <p:nvGraphicFramePr>
+          <p:cNvPr id="41" name="Об'єкт 40">
+            <a:extLst>
+              <a:ext uri="{FF2B5EF4-FFF2-40B4-BE49-F238E27FC236}">
+                <a16:creationId xmlns:a16="http://schemas.microsoft.com/office/drawing/2014/main" id="{F73C1D32-6BF4-5586-4853-FC4CB9BD92D3}"/>
+              </a:ext>
+            </a:extLst>
+          </p:cNvPr>
+          <p:cNvGraphicFramePr>
+            <a:graphicFrameLocks noChangeAspect="1"/>
+          </p:cNvGraphicFramePr>
+          <p:nvPr/>
+        </p:nvGraphicFramePr>
+        <p:xfrm>
+          <a:off x="7875781" y="5947850"/>
+          <a:ext cx="3508375" cy="396875"/>
+        </p:xfrm>
+        <a:graphic>
+          <a:graphicData uri="http://schemas.openxmlformats.org/presentationml/2006/ole">
+            <mc:AlternateContent xmlns:mc="http://schemas.openxmlformats.org/markup-compatibility/2006">
+              <mc:Choice xmlns:v="urn:schemas-microsoft-com:vml" Requires="v">
+                <p:oleObj name="Equation" r:id="rId8" imgW="2019240" imgH="228600" progId="Equation.DSMT4">
+                  <p:embed/>
+                </p:oleObj>
+              </mc:Choice>
+              <mc:Fallback>
+                <p:oleObj name="Equation" r:id="rId8" imgW="2019240" imgH="228600" progId="Equation.DSMT4">
+                  <p:embed/>
+                  <p:pic>
+                    <p:nvPicPr>
+                      <p:cNvPr id="41" name="Об'єкт 40">
+                        <a:extLst>
+                          <a:ext uri="{FF2B5EF4-FFF2-40B4-BE49-F238E27FC236}">
+                            <a16:creationId xmlns:a16="http://schemas.microsoft.com/office/drawing/2014/main" id="{6162CD41-AF7F-861A-27BF-D87BC95218A0}"/>
+                          </a:ext>
+                        </a:extLst>
+                      </p:cNvPr>
+                      <p:cNvPicPr/>
+                      <p:nvPr/>
+                    </p:nvPicPr>
+                    <p:blipFill>
+                      <a:blip r:embed="rId9"/>
+                      <a:stretch>
+                        <a:fillRect/>
+                      </a:stretch>
+                    </p:blipFill>
+                    <p:spPr>
+                      <a:xfrm>
+                        <a:off x="7875781" y="5947850"/>
+                        <a:ext cx="3508375" cy="396875"/>
+                      </a:xfrm>
+                      <a:prstGeom prst="rect">
+                        <a:avLst/>
+                      </a:prstGeom>
+                    </p:spPr>
+                  </p:pic>
+                </p:oleObj>
+              </mc:Fallback>
+            </mc:AlternateContent>
+          </a:graphicData>
+        </a:graphic>
+      </p:graphicFrame>
+      <p:graphicFrame>
+        <p:nvGraphicFramePr>
+          <p:cNvPr id="43" name="Об'єкт 42">
+            <a:extLst>
+              <a:ext uri="{FF2B5EF4-FFF2-40B4-BE49-F238E27FC236}">
+                <a16:creationId xmlns:a16="http://schemas.microsoft.com/office/drawing/2014/main" id="{BB7F89A3-F56C-2E02-2B59-76EEFE35F986}"/>
+              </a:ext>
+            </a:extLst>
+          </p:cNvPr>
+          <p:cNvGraphicFramePr>
+            <a:graphicFrameLocks noChangeAspect="1"/>
+          </p:cNvGraphicFramePr>
+          <p:nvPr/>
+        </p:nvGraphicFramePr>
+        <p:xfrm>
+          <a:off x="8395687" y="6320609"/>
+          <a:ext cx="2979737" cy="396875"/>
+        </p:xfrm>
+        <a:graphic>
+          <a:graphicData uri="http://schemas.openxmlformats.org/presentationml/2006/ole">
+            <mc:AlternateContent xmlns:mc="http://schemas.openxmlformats.org/markup-compatibility/2006">
+              <mc:Choice xmlns:v="urn:schemas-microsoft-com:vml" Requires="v">
+                <p:oleObj name="Equation" r:id="rId10" imgW="1714320" imgH="228600" progId="Equation.DSMT4">
+                  <p:embed/>
+                </p:oleObj>
+              </mc:Choice>
+              <mc:Fallback>
+                <p:oleObj name="Equation" r:id="rId10" imgW="1714320" imgH="228600" progId="Equation.DSMT4">
+                  <p:embed/>
+                  <p:pic>
+                    <p:nvPicPr>
+                      <p:cNvPr id="43" name="Об'єкт 42">
+                        <a:extLst>
+                          <a:ext uri="{FF2B5EF4-FFF2-40B4-BE49-F238E27FC236}">
+                            <a16:creationId xmlns:a16="http://schemas.microsoft.com/office/drawing/2014/main" id="{5257D052-A9E2-92CE-002E-18806084F271}"/>
+                          </a:ext>
+                        </a:extLst>
+                      </p:cNvPr>
+                      <p:cNvPicPr/>
+                      <p:nvPr/>
+                    </p:nvPicPr>
+                    <p:blipFill>
+                      <a:blip r:embed="rId11"/>
+                      <a:stretch>
+                        <a:fillRect/>
+                      </a:stretch>
+                    </p:blipFill>
+                    <p:spPr>
+                      <a:xfrm>
+                        <a:off x="8395687" y="6320609"/>
+                        <a:ext cx="2979737" cy="396875"/>
+                      </a:xfrm>
+                      <a:prstGeom prst="rect">
+                        <a:avLst/>
+                      </a:prstGeom>
+                    </p:spPr>
+                  </p:pic>
+                </p:oleObj>
+              </mc:Fallback>
+            </mc:AlternateContent>
+          </a:graphicData>
+        </a:graphic>
+      </p:graphicFrame>
+      <p:graphicFrame>
+        <p:nvGraphicFramePr>
+          <p:cNvPr id="44" name="Об'єкт 43">
+            <a:extLst>
+              <a:ext uri="{FF2B5EF4-FFF2-40B4-BE49-F238E27FC236}">
+                <a16:creationId xmlns:a16="http://schemas.microsoft.com/office/drawing/2014/main" id="{AB73CB13-F656-E3FB-7C99-399BC5A46D93}"/>
+              </a:ext>
+            </a:extLst>
+          </p:cNvPr>
+          <p:cNvGraphicFramePr>
+            <a:graphicFrameLocks noChangeAspect="1"/>
+          </p:cNvGraphicFramePr>
+          <p:nvPr/>
+        </p:nvGraphicFramePr>
+        <p:xfrm>
+          <a:off x="5632407" y="6320609"/>
+          <a:ext cx="2362200" cy="396875"/>
+        </p:xfrm>
+        <a:graphic>
+          <a:graphicData uri="http://schemas.openxmlformats.org/presentationml/2006/ole">
+            <mc:AlternateContent xmlns:mc="http://schemas.openxmlformats.org/markup-compatibility/2006">
+              <mc:Choice xmlns:v="urn:schemas-microsoft-com:vml" Requires="v">
+                <p:oleObj name="Equation" r:id="rId12" imgW="1358640" imgH="228600" progId="Equation.DSMT4">
+                  <p:embed/>
+                </p:oleObj>
+              </mc:Choice>
+              <mc:Fallback>
+                <p:oleObj name="Equation" r:id="rId12" imgW="1358640" imgH="228600" progId="Equation.DSMT4">
+                  <p:embed/>
+                  <p:pic>
+                    <p:nvPicPr>
+                      <p:cNvPr id="44" name="Об'єкт 43">
+                        <a:extLst>
+                          <a:ext uri="{FF2B5EF4-FFF2-40B4-BE49-F238E27FC236}">
+                            <a16:creationId xmlns:a16="http://schemas.microsoft.com/office/drawing/2014/main" id="{FDF0625A-C6BA-7944-36EA-8DADB02141BC}"/>
+                          </a:ext>
+                        </a:extLst>
+                      </p:cNvPr>
+                      <p:cNvPicPr/>
+                      <p:nvPr/>
+                    </p:nvPicPr>
+                    <p:blipFill>
+                      <a:blip r:embed="rId13"/>
+                      <a:stretch>
+                        <a:fillRect/>
+                      </a:stretch>
+                    </p:blipFill>
+                    <p:spPr>
+                      <a:xfrm>
+                        <a:off x="5632407" y="6320609"/>
+                        <a:ext cx="2362200" cy="396875"/>
+                      </a:xfrm>
+                      <a:prstGeom prst="rect">
+                        <a:avLst/>
+                      </a:prstGeom>
+                    </p:spPr>
+                  </p:pic>
+                </p:oleObj>
+              </mc:Fallback>
+            </mc:AlternateContent>
+          </a:graphicData>
+        </a:graphic>
+      </p:graphicFrame>
+      <p:graphicFrame>
+        <p:nvGraphicFramePr>
+          <p:cNvPr id="45" name="Об'єкт 44">
+            <a:extLst>
+              <a:ext uri="{FF2B5EF4-FFF2-40B4-BE49-F238E27FC236}">
+                <a16:creationId xmlns:a16="http://schemas.microsoft.com/office/drawing/2014/main" id="{4707DE24-C9E1-2A50-974F-F7DEA4D2DCED}"/>
+              </a:ext>
+            </a:extLst>
+          </p:cNvPr>
+          <p:cNvGraphicFramePr>
+            <a:graphicFrameLocks noChangeAspect="1"/>
+          </p:cNvGraphicFramePr>
+          <p:nvPr/>
+        </p:nvGraphicFramePr>
+        <p:xfrm>
+          <a:off x="5632407" y="5947850"/>
+          <a:ext cx="2009775" cy="396875"/>
+        </p:xfrm>
+        <a:graphic>
+          <a:graphicData uri="http://schemas.openxmlformats.org/presentationml/2006/ole">
+            <mc:AlternateContent xmlns:mc="http://schemas.openxmlformats.org/markup-compatibility/2006">
+              <mc:Choice xmlns:v="urn:schemas-microsoft-com:vml" Requires="v">
+                <p:oleObj name="Equation" r:id="rId14" imgW="1155600" imgH="228600" progId="Equation.DSMT4">
+                  <p:embed/>
+                </p:oleObj>
+              </mc:Choice>
+              <mc:Fallback>
+                <p:oleObj name="Equation" r:id="rId14" imgW="1155600" imgH="228600" progId="Equation.DSMT4">
+                  <p:embed/>
+                  <p:pic>
+                    <p:nvPicPr>
+                      <p:cNvPr id="45" name="Об'єкт 44">
+                        <a:extLst>
+                          <a:ext uri="{FF2B5EF4-FFF2-40B4-BE49-F238E27FC236}">
+                            <a16:creationId xmlns:a16="http://schemas.microsoft.com/office/drawing/2014/main" id="{F5B57658-DE75-C210-18D2-BAE60A5D3EA9}"/>
+                          </a:ext>
+                        </a:extLst>
+                      </p:cNvPr>
+                      <p:cNvPicPr/>
+                      <p:nvPr/>
+                    </p:nvPicPr>
+                    <p:blipFill>
+                      <a:blip r:embed="rId15"/>
+                      <a:stretch>
+                        <a:fillRect/>
+                      </a:stretch>
+                    </p:blipFill>
+                    <p:spPr>
+                      <a:xfrm>
+                        <a:off x="5632407" y="5947850"/>
+                        <a:ext cx="2009775" cy="396875"/>
+                      </a:xfrm>
+                      <a:prstGeom prst="rect">
+                        <a:avLst/>
+                      </a:prstGeom>
+                    </p:spPr>
+                  </p:pic>
+                </p:oleObj>
+              </mc:Fallback>
+            </mc:AlternateContent>
+          </a:graphicData>
+        </a:graphic>
+      </p:graphicFrame>
+      <p:grpSp>
+        <p:nvGrpSpPr>
+          <p:cNvPr id="1037" name="Групувати 1036">
+            <a:extLst>
+              <a:ext uri="{FF2B5EF4-FFF2-40B4-BE49-F238E27FC236}">
+                <a16:creationId xmlns:a16="http://schemas.microsoft.com/office/drawing/2014/main" id="{B38E04EB-4962-46AD-23B4-A1DB7F9C8481}"/>
+              </a:ext>
+            </a:extLst>
+          </p:cNvPr>
+          <p:cNvGrpSpPr/>
+          <p:nvPr/>
+        </p:nvGrpSpPr>
+        <p:grpSpPr>
+          <a:xfrm>
+            <a:off x="4540803" y="1929242"/>
+            <a:ext cx="1735137" cy="1280727"/>
+            <a:chOff x="4965125" y="1970171"/>
+            <a:chExt cx="1735137" cy="1280727"/>
+          </a:xfrm>
+        </p:grpSpPr>
+        <p:graphicFrame>
+          <p:nvGraphicFramePr>
+            <p:cNvPr id="49" name="Об'єкт 48">
+              <a:extLst>
+                <a:ext uri="{FF2B5EF4-FFF2-40B4-BE49-F238E27FC236}">
+                  <a16:creationId xmlns:a16="http://schemas.microsoft.com/office/drawing/2014/main" id="{211ECF4F-550D-DAA8-B083-22053E9FB7C0}"/>
+                </a:ext>
+              </a:extLst>
+            </p:cNvPr>
+            <p:cNvGraphicFramePr>
+              <a:graphicFrameLocks noChangeAspect="1"/>
+            </p:cNvGraphicFramePr>
+            <p:nvPr/>
+          </p:nvGraphicFramePr>
+          <p:xfrm>
+            <a:off x="4981000" y="2942923"/>
+            <a:ext cx="1719262" cy="307975"/>
+          </p:xfrm>
+          <a:graphic>
+            <a:graphicData uri="http://schemas.openxmlformats.org/presentationml/2006/ole">
+              <mc:AlternateContent xmlns:mc="http://schemas.openxmlformats.org/markup-compatibility/2006">
+                <mc:Choice xmlns:v="urn:schemas-microsoft-com:vml" Requires="v">
+                  <p:oleObj name="Equation" r:id="rId16" imgW="1143000" imgH="203040" progId="Equation.DSMT4">
+                    <p:embed/>
+                  </p:oleObj>
+                </mc:Choice>
+                <mc:Fallback>
+                  <p:oleObj name="Equation" r:id="rId16" imgW="1143000" imgH="203040" progId="Equation.DSMT4">
+                    <p:embed/>
+                    <p:pic>
+                      <p:nvPicPr>
+                        <p:cNvPr id="49" name="Об'єкт 48">
+                          <a:extLst>
+                            <a:ext uri="{FF2B5EF4-FFF2-40B4-BE49-F238E27FC236}">
+                              <a16:creationId xmlns:a16="http://schemas.microsoft.com/office/drawing/2014/main" id="{A9E60726-F4B8-6B00-AB8C-06AC49F45FC8}"/>
+                            </a:ext>
+                          </a:extLst>
+                        </p:cNvPr>
+                        <p:cNvPicPr/>
+                        <p:nvPr/>
+                      </p:nvPicPr>
+                      <p:blipFill>
+                        <a:blip r:embed="rId17"/>
+                        <a:stretch>
+                          <a:fillRect/>
+                        </a:stretch>
+                      </p:blipFill>
+                      <p:spPr>
+                        <a:xfrm>
+                          <a:off x="4981000" y="2942923"/>
+                          <a:ext cx="1719262" cy="307975"/>
+                        </a:xfrm>
+                        <a:prstGeom prst="rect">
+                          <a:avLst/>
+                        </a:prstGeom>
+                      </p:spPr>
+                    </p:pic>
+                  </p:oleObj>
+                </mc:Fallback>
+              </mc:AlternateContent>
+            </a:graphicData>
+          </a:graphic>
+        </p:graphicFrame>
+        <p:graphicFrame>
+          <p:nvGraphicFramePr>
+            <p:cNvPr id="50" name="Об'єкт 49">
+              <a:extLst>
+                <a:ext uri="{FF2B5EF4-FFF2-40B4-BE49-F238E27FC236}">
+                  <a16:creationId xmlns:a16="http://schemas.microsoft.com/office/drawing/2014/main" id="{1D1E0A44-5049-D758-CF2A-A225967AB07B}"/>
+                </a:ext>
+              </a:extLst>
+            </p:cNvPr>
+            <p:cNvGraphicFramePr>
+              <a:graphicFrameLocks noChangeAspect="1"/>
+            </p:cNvGraphicFramePr>
+            <p:nvPr/>
+          </p:nvGraphicFramePr>
+          <p:xfrm>
+            <a:off x="5003224" y="2618144"/>
+            <a:ext cx="1222375" cy="306387"/>
+          </p:xfrm>
+          <a:graphic>
+            <a:graphicData uri="http://schemas.openxmlformats.org/presentationml/2006/ole">
+              <mc:AlternateContent xmlns:mc="http://schemas.openxmlformats.org/markup-compatibility/2006">
+                <mc:Choice xmlns:v="urn:schemas-microsoft-com:vml" Requires="v">
+                  <p:oleObj name="Equation" r:id="rId18" imgW="812520" imgH="203040" progId="Equation.DSMT4">
+                    <p:embed/>
+                  </p:oleObj>
+                </mc:Choice>
+                <mc:Fallback>
+                  <p:oleObj name="Equation" r:id="rId18" imgW="812520" imgH="203040" progId="Equation.DSMT4">
+                    <p:embed/>
+                    <p:pic>
+                      <p:nvPicPr>
+                        <p:cNvPr id="50" name="Об'єкт 49">
+                          <a:extLst>
+                            <a:ext uri="{FF2B5EF4-FFF2-40B4-BE49-F238E27FC236}">
+                              <a16:creationId xmlns:a16="http://schemas.microsoft.com/office/drawing/2014/main" id="{6AB29E23-42C7-54FD-DF0E-F39418E05E89}"/>
+                            </a:ext>
+                          </a:extLst>
+                        </p:cNvPr>
+                        <p:cNvPicPr/>
+                        <p:nvPr/>
+                      </p:nvPicPr>
+                      <p:blipFill>
+                        <a:blip r:embed="rId19"/>
+                        <a:stretch>
+                          <a:fillRect/>
+                        </a:stretch>
+                      </p:blipFill>
+                      <p:spPr>
+                        <a:xfrm>
+                          <a:off x="5003224" y="2618144"/>
+                          <a:ext cx="1222375" cy="306387"/>
+                        </a:xfrm>
+                        <a:prstGeom prst="rect">
+                          <a:avLst/>
+                        </a:prstGeom>
+                      </p:spPr>
+                    </p:pic>
+                  </p:oleObj>
+                </mc:Fallback>
+              </mc:AlternateContent>
+            </a:graphicData>
+          </a:graphic>
+        </p:graphicFrame>
+        <p:graphicFrame>
+          <p:nvGraphicFramePr>
+            <p:cNvPr id="51" name="Об'єкт 50">
+              <a:extLst>
+                <a:ext uri="{FF2B5EF4-FFF2-40B4-BE49-F238E27FC236}">
+                  <a16:creationId xmlns:a16="http://schemas.microsoft.com/office/drawing/2014/main" id="{CCBA703F-C996-A329-DF4D-FBF4D3D40DBF}"/>
+                </a:ext>
+              </a:extLst>
+            </p:cNvPr>
+            <p:cNvGraphicFramePr>
+              <a:graphicFrameLocks noChangeAspect="1"/>
+            </p:cNvGraphicFramePr>
+            <p:nvPr/>
+          </p:nvGraphicFramePr>
+          <p:xfrm>
+            <a:off x="4985761" y="2294951"/>
+            <a:ext cx="725488" cy="304800"/>
+          </p:xfrm>
+          <a:graphic>
+            <a:graphicData uri="http://schemas.openxmlformats.org/presentationml/2006/ole">
+              <mc:AlternateContent xmlns:mc="http://schemas.openxmlformats.org/markup-compatibility/2006">
+                <mc:Choice xmlns:v="urn:schemas-microsoft-com:vml" Requires="v">
+                  <p:oleObj name="Equation" r:id="rId20" imgW="482400" imgH="203040" progId="Equation.DSMT4">
+                    <p:embed/>
+                  </p:oleObj>
+                </mc:Choice>
+                <mc:Fallback>
+                  <p:oleObj name="Equation" r:id="rId20" imgW="482400" imgH="203040" progId="Equation.DSMT4">
+                    <p:embed/>
+                    <p:pic>
+                      <p:nvPicPr>
+                        <p:cNvPr id="51" name="Об'єкт 50">
+                          <a:extLst>
+                            <a:ext uri="{FF2B5EF4-FFF2-40B4-BE49-F238E27FC236}">
+                              <a16:creationId xmlns:a16="http://schemas.microsoft.com/office/drawing/2014/main" id="{61197DFD-464F-03F5-3221-397013F21E41}"/>
+                            </a:ext>
+                          </a:extLst>
+                        </p:cNvPr>
+                        <p:cNvPicPr/>
+                        <p:nvPr/>
+                      </p:nvPicPr>
+                      <p:blipFill>
+                        <a:blip r:embed="rId21"/>
+                        <a:stretch>
+                          <a:fillRect/>
+                        </a:stretch>
+                      </p:blipFill>
+                      <p:spPr>
+                        <a:xfrm>
+                          <a:off x="4985761" y="2294951"/>
+                          <a:ext cx="725488" cy="304800"/>
+                        </a:xfrm>
+                        <a:prstGeom prst="rect">
+                          <a:avLst/>
+                        </a:prstGeom>
+                      </p:spPr>
+                    </p:pic>
+                  </p:oleObj>
+                </mc:Fallback>
+              </mc:AlternateContent>
+            </a:graphicData>
+          </a:graphic>
+        </p:graphicFrame>
+        <p:graphicFrame>
+          <p:nvGraphicFramePr>
+            <p:cNvPr id="52" name="Об'єкт 51">
+              <a:extLst>
+                <a:ext uri="{FF2B5EF4-FFF2-40B4-BE49-F238E27FC236}">
+                  <a16:creationId xmlns:a16="http://schemas.microsoft.com/office/drawing/2014/main" id="{2EA71AA4-CC20-883E-C327-110F9B5CDF68}"/>
+                </a:ext>
+              </a:extLst>
+            </p:cNvPr>
+            <p:cNvGraphicFramePr>
+              <a:graphicFrameLocks noChangeAspect="1"/>
+            </p:cNvGraphicFramePr>
+            <p:nvPr/>
+          </p:nvGraphicFramePr>
+          <p:xfrm>
+            <a:off x="4965125" y="1970171"/>
+            <a:ext cx="458787" cy="306387"/>
+          </p:xfrm>
+          <a:graphic>
+            <a:graphicData uri="http://schemas.openxmlformats.org/presentationml/2006/ole">
+              <mc:AlternateContent xmlns:mc="http://schemas.openxmlformats.org/markup-compatibility/2006">
+                <mc:Choice xmlns:v="urn:schemas-microsoft-com:vml" Requires="v">
                   <p:oleObj name="Equation" r:id="rId22" imgW="304560" imgH="203040" progId="Equation.DSMT4">
                     <p:embed/>
                   </p:oleObj>
@@ -8634,10 +13103,10 @@
                     <p:embed/>
                     <p:pic>
                       <p:nvPicPr>
-                        <p:cNvPr id="45" name="Об'єкт 44">
+                        <p:cNvPr id="52" name="Об'єкт 51">
                           <a:extLst>
                             <a:ext uri="{FF2B5EF4-FFF2-40B4-BE49-F238E27FC236}">
-                              <a16:creationId xmlns:a16="http://schemas.microsoft.com/office/drawing/2014/main" id="{F5B57658-DE75-C210-18D2-BAE60A5D3EA9}"/>
+                              <a16:creationId xmlns:a16="http://schemas.microsoft.com/office/drawing/2014/main" id="{91D4FF4C-A8D1-BA9A-5807-5DBCD3B20305}"/>
                             </a:ext>
                           </a:extLst>
                         </p:cNvPr>
@@ -8672,7 +13141,7 @@
           <p:cNvPr id="62" name="Групувати 61">
             <a:extLst>
               <a:ext uri="{FF2B5EF4-FFF2-40B4-BE49-F238E27FC236}">
-                <a16:creationId xmlns:a16="http://schemas.microsoft.com/office/drawing/2014/main" id="{370401E9-00E7-1373-73F5-BFE48680A9C3}"/>
+                <a16:creationId xmlns:a16="http://schemas.microsoft.com/office/drawing/2014/main" id="{B22E4FE7-3EBA-E00A-8AC7-B1087BDE315B}"/>
               </a:ext>
             </a:extLst>
           </p:cNvPr>
@@ -8681,7 +13150,7 @@
         </p:nvGrpSpPr>
         <p:grpSpPr>
           <a:xfrm>
-            <a:off x="8252613" y="3395746"/>
+            <a:off x="9245122" y="780798"/>
             <a:ext cx="902401" cy="1574176"/>
             <a:chOff x="7506395" y="4210138"/>
             <a:chExt cx="902401" cy="1574176"/>
@@ -8692,7 +13161,7 @@
             <p:cNvPr id="59" name="Рисунок 58">
               <a:extLst>
                 <a:ext uri="{FF2B5EF4-FFF2-40B4-BE49-F238E27FC236}">
-                  <a16:creationId xmlns:a16="http://schemas.microsoft.com/office/drawing/2014/main" id="{3DEADA32-B1B6-232D-1C7F-A50064C5F932}"/>
+                  <a16:creationId xmlns:a16="http://schemas.microsoft.com/office/drawing/2014/main" id="{F257E3E5-03D8-4BC2-95DD-53D4E93B94A0}"/>
                 </a:ext>
               </a:extLst>
             </p:cNvPr>
@@ -8722,7 +13191,7 @@
             <p:cNvPr id="60" name="TextBox 59">
               <a:extLst>
                 <a:ext uri="{FF2B5EF4-FFF2-40B4-BE49-F238E27FC236}">
-                  <a16:creationId xmlns:a16="http://schemas.microsoft.com/office/drawing/2014/main" id="{B2A1731B-D8AD-2FF8-144A-88BB43252CBA}"/>
+                  <a16:creationId xmlns:a16="http://schemas.microsoft.com/office/drawing/2014/main" id="{43139349-BCBA-EBA7-30C4-5A7090526B93}"/>
                 </a:ext>
               </a:extLst>
             </p:cNvPr>
@@ -8758,7 +13227,7 @@
             <p:cNvPr id="61" name="Прямокутник: округлені кути 60">
               <a:extLst>
                 <a:ext uri="{FF2B5EF4-FFF2-40B4-BE49-F238E27FC236}">
-                  <a16:creationId xmlns:a16="http://schemas.microsoft.com/office/drawing/2014/main" id="{56F90319-F868-BD5B-FC90-B5356C863D26}"/>
+                  <a16:creationId xmlns:a16="http://schemas.microsoft.com/office/drawing/2014/main" id="{762E905D-B977-A385-CC84-ACED2CE2E228}"/>
                 </a:ext>
               </a:extLst>
             </p:cNvPr>
@@ -8807,7 +13276,7 @@
           <p:cNvPr id="63" name="Циліндр 62">
             <a:extLst>
               <a:ext uri="{FF2B5EF4-FFF2-40B4-BE49-F238E27FC236}">
-                <a16:creationId xmlns:a16="http://schemas.microsoft.com/office/drawing/2014/main" id="{765F9C6F-2A90-A364-45AC-EAA9A742C432}"/>
+                <a16:creationId xmlns:a16="http://schemas.microsoft.com/office/drawing/2014/main" id="{F81F6221-7FB1-059B-35BE-3CD7E25A9C9B}"/>
               </a:ext>
             </a:extLst>
           </p:cNvPr>
@@ -8816,8 +13285,8 @@
         </p:nvSpPr>
         <p:spPr>
           <a:xfrm>
-            <a:off x="7814379" y="843905"/>
-            <a:ext cx="906774" cy="1232204"/>
+            <a:off x="7070752" y="1108428"/>
+            <a:ext cx="1034451" cy="1232204"/>
           </a:xfrm>
           <a:prstGeom prst="can">
             <a:avLst>
@@ -8860,7 +13329,7 @@
           <p:cNvPr id="1024" name="Циліндр 1023">
             <a:extLst>
               <a:ext uri="{FF2B5EF4-FFF2-40B4-BE49-F238E27FC236}">
-                <a16:creationId xmlns:a16="http://schemas.microsoft.com/office/drawing/2014/main" id="{41494033-DDC1-16FC-80A9-B8DEDCB3E649}"/>
+                <a16:creationId xmlns:a16="http://schemas.microsoft.com/office/drawing/2014/main" id="{B7C59478-CFB8-2562-C3BD-8D4565E57691}"/>
               </a:ext>
             </a:extLst>
           </p:cNvPr>
@@ -8869,7 +13338,7 @@
         </p:nvSpPr>
         <p:spPr>
           <a:xfrm>
-            <a:off x="7142124" y="5879082"/>
+            <a:off x="7160897" y="3816548"/>
             <a:ext cx="1034452" cy="333375"/>
           </a:xfrm>
           <a:prstGeom prst="can">
@@ -8878,7 +13347,7 @@
             </a:avLst>
           </a:prstGeom>
           <a:solidFill>
-            <a:srgbClr val="189180"/>
+            <a:srgbClr val="FFD5D5"/>
           </a:solidFill>
         </p:spPr>
         <p:style>
@@ -8913,7 +13382,7 @@
           <p:cNvPr id="1025" name="Циліндр 1024">
             <a:extLst>
               <a:ext uri="{FF2B5EF4-FFF2-40B4-BE49-F238E27FC236}">
-                <a16:creationId xmlns:a16="http://schemas.microsoft.com/office/drawing/2014/main" id="{A2A24844-5F33-F666-8DEB-B16BEF904F47}"/>
+                <a16:creationId xmlns:a16="http://schemas.microsoft.com/office/drawing/2014/main" id="{491C9412-57C5-E4C7-EF37-4621A72C5375}"/>
               </a:ext>
             </a:extLst>
           </p:cNvPr>
@@ -8922,7 +13391,7 @@
         </p:nvSpPr>
         <p:spPr>
           <a:xfrm>
-            <a:off x="7142124" y="5660007"/>
+            <a:off x="7160897" y="3597473"/>
             <a:ext cx="1034452" cy="333375"/>
           </a:xfrm>
           <a:prstGeom prst="can">
@@ -8931,7 +13400,10 @@
             </a:avLst>
           </a:prstGeom>
           <a:solidFill>
-            <a:srgbClr val="189180"/>
+            <a:schemeClr val="accent6">
+              <a:lumMod val="40000"/>
+              <a:lumOff val="60000"/>
+            </a:schemeClr>
           </a:solidFill>
         </p:spPr>
         <p:style>
@@ -8966,7 +13438,7 @@
           <p:cNvPr id="1027" name="Циліндр 1026">
             <a:extLst>
               <a:ext uri="{FF2B5EF4-FFF2-40B4-BE49-F238E27FC236}">
-                <a16:creationId xmlns:a16="http://schemas.microsoft.com/office/drawing/2014/main" id="{3F6C9797-DE99-A692-A96A-A76EF4740C70}"/>
+                <a16:creationId xmlns:a16="http://schemas.microsoft.com/office/drawing/2014/main" id="{B75CCF91-A2D7-F212-530F-636A54439FEE}"/>
               </a:ext>
             </a:extLst>
           </p:cNvPr>
@@ -8975,7 +13447,7 @@
         </p:nvSpPr>
         <p:spPr>
           <a:xfrm>
-            <a:off x="7142124" y="5440932"/>
+            <a:off x="7160897" y="3378398"/>
             <a:ext cx="1034452" cy="333375"/>
           </a:xfrm>
           <a:prstGeom prst="can">
@@ -8984,7 +13456,10 @@
             </a:avLst>
           </a:prstGeom>
           <a:solidFill>
-            <a:srgbClr val="189180"/>
+            <a:schemeClr val="accent6">
+              <a:lumMod val="40000"/>
+              <a:lumOff val="60000"/>
+            </a:schemeClr>
           </a:solidFill>
         </p:spPr>
         <p:style>
@@ -9019,7 +13494,7 @@
           <p:cNvPr id="1028" name="Циліндр 1027">
             <a:extLst>
               <a:ext uri="{FF2B5EF4-FFF2-40B4-BE49-F238E27FC236}">
-                <a16:creationId xmlns:a16="http://schemas.microsoft.com/office/drawing/2014/main" id="{E24907BB-D545-6C5F-A757-94D72D2629C4}"/>
+                <a16:creationId xmlns:a16="http://schemas.microsoft.com/office/drawing/2014/main" id="{A3408A40-01F4-5894-06D7-B88F503039AF}"/>
               </a:ext>
             </a:extLst>
           </p:cNvPr>
@@ -9028,7 +13503,7 @@
         </p:nvSpPr>
         <p:spPr>
           <a:xfrm>
-            <a:off x="7142124" y="5215507"/>
+            <a:off x="7160897" y="3152973"/>
             <a:ext cx="1034452" cy="333375"/>
           </a:xfrm>
           <a:prstGeom prst="can">
@@ -9037,7 +13512,10 @@
             </a:avLst>
           </a:prstGeom>
           <a:solidFill>
-            <a:srgbClr val="189180"/>
+            <a:schemeClr val="accent6">
+              <a:lumMod val="40000"/>
+              <a:lumOff val="60000"/>
+            </a:schemeClr>
           </a:solidFill>
         </p:spPr>
         <p:style>
@@ -9072,7 +13550,7 @@
           <p:cNvPr id="1029" name="Циліндр 1028">
             <a:extLst>
               <a:ext uri="{FF2B5EF4-FFF2-40B4-BE49-F238E27FC236}">
-                <a16:creationId xmlns:a16="http://schemas.microsoft.com/office/drawing/2014/main" id="{226E9191-949B-5876-0C27-95DBD841DD8E}"/>
+                <a16:creationId xmlns:a16="http://schemas.microsoft.com/office/drawing/2014/main" id="{D3713DBC-48F6-2A9A-E674-C85595135849}"/>
               </a:ext>
             </a:extLst>
           </p:cNvPr>
@@ -9081,7 +13559,7 @@
         </p:nvSpPr>
         <p:spPr>
           <a:xfrm>
-            <a:off x="7142124" y="4992448"/>
+            <a:off x="7160897" y="2929914"/>
             <a:ext cx="1034452" cy="333375"/>
           </a:xfrm>
           <a:prstGeom prst="can">
@@ -9090,7 +13568,10 @@
             </a:avLst>
           </a:prstGeom>
           <a:solidFill>
-            <a:srgbClr val="189180"/>
+            <a:schemeClr val="accent6">
+              <a:lumMod val="40000"/>
+              <a:lumOff val="60000"/>
+            </a:schemeClr>
           </a:solidFill>
         </p:spPr>
         <p:style>
@@ -9125,23 +13606,17 @@
           <p:cNvPr id="1030" name="Об'єкт 1029">
             <a:extLst>
               <a:ext uri="{FF2B5EF4-FFF2-40B4-BE49-F238E27FC236}">
-                <a16:creationId xmlns:a16="http://schemas.microsoft.com/office/drawing/2014/main" id="{A2AE35A9-D9B1-3578-C2AB-E1DCE5668C8A}"/>
+                <a16:creationId xmlns:a16="http://schemas.microsoft.com/office/drawing/2014/main" id="{D0F84217-7EAB-3245-6F82-14C72FF8D092}"/>
               </a:ext>
             </a:extLst>
           </p:cNvPr>
           <p:cNvGraphicFramePr>
             <a:graphicFrameLocks noChangeAspect="1"/>
           </p:cNvGraphicFramePr>
-          <p:nvPr>
-            <p:extLst>
-              <p:ext uri="{D42A27DB-BD31-4B8C-83A1-F6EECF244321}">
-                <p14:modId xmlns:p14="http://schemas.microsoft.com/office/powerpoint/2010/main" val="3226907901"/>
-              </p:ext>
-            </p:extLst>
-          </p:nvPr>
+          <p:nvPr/>
         </p:nvGraphicFramePr>
         <p:xfrm>
-          <a:off x="3108003" y="841313"/>
+          <a:off x="3109182" y="672016"/>
           <a:ext cx="1325563" cy="396875"/>
         </p:xfrm>
         <a:graphic>
@@ -9157,10 +13632,10 @@
                   <p:embed/>
                   <p:pic>
                     <p:nvPicPr>
-                      <p:cNvPr id="45" name="Об'єкт 44">
+                      <p:cNvPr id="1030" name="Об'єкт 1029">
                         <a:extLst>
                           <a:ext uri="{FF2B5EF4-FFF2-40B4-BE49-F238E27FC236}">
-                            <a16:creationId xmlns:a16="http://schemas.microsoft.com/office/drawing/2014/main" id="{F5B57658-DE75-C210-18D2-BAE60A5D3EA9}"/>
+                            <a16:creationId xmlns:a16="http://schemas.microsoft.com/office/drawing/2014/main" id="{A2AE35A9-D9B1-3578-C2AB-E1DCE5668C8A}"/>
                           </a:ext>
                         </a:extLst>
                       </p:cNvPr>
@@ -9175,7 +13650,7 @@
                     </p:blipFill>
                     <p:spPr>
                       <a:xfrm>
-                        <a:off x="3108003" y="841313"/>
+                        <a:off x="3109182" y="672016"/>
                         <a:ext cx="1325563" cy="396875"/>
                       </a:xfrm>
                       <a:prstGeom prst="rect">
@@ -9189,309 +13664,12 @@
           </a:graphicData>
         </a:graphic>
       </p:graphicFrame>
-      <p:grpSp>
-        <p:nvGrpSpPr>
-          <p:cNvPr id="1032" name="Групувати 1031">
-            <a:extLst>
-              <a:ext uri="{FF2B5EF4-FFF2-40B4-BE49-F238E27FC236}">
-                <a16:creationId xmlns:a16="http://schemas.microsoft.com/office/drawing/2014/main" id="{DDDC4D07-9947-C034-81A2-224FC8A8A7D4}"/>
-              </a:ext>
-            </a:extLst>
-          </p:cNvPr>
-          <p:cNvGrpSpPr/>
-          <p:nvPr/>
-        </p:nvGrpSpPr>
-        <p:grpSpPr>
-          <a:xfrm>
-            <a:off x="9009345" y="289466"/>
-            <a:ext cx="3017838" cy="1463676"/>
-            <a:chOff x="4516806" y="586827"/>
-            <a:chExt cx="3485735" cy="1683555"/>
-          </a:xfrm>
-        </p:grpSpPr>
-        <p:graphicFrame>
-          <p:nvGraphicFramePr>
-            <p:cNvPr id="1033" name="Об'єкт 1032">
-              <a:extLst>
-                <a:ext uri="{FF2B5EF4-FFF2-40B4-BE49-F238E27FC236}">
-                  <a16:creationId xmlns:a16="http://schemas.microsoft.com/office/drawing/2014/main" id="{29C6F291-5991-B478-F6C5-A1473464A6B4}"/>
-                </a:ext>
-              </a:extLst>
-            </p:cNvPr>
-            <p:cNvGraphicFramePr>
-              <a:graphicFrameLocks noChangeAspect="1"/>
-            </p:cNvGraphicFramePr>
-            <p:nvPr>
-              <p:extLst>
-                <p:ext uri="{D42A27DB-BD31-4B8C-83A1-F6EECF244321}">
-                  <p14:modId xmlns:p14="http://schemas.microsoft.com/office/powerpoint/2010/main" val="191081602"/>
-                </p:ext>
-              </p:extLst>
-            </p:nvPr>
-          </p:nvGraphicFramePr>
-          <p:xfrm>
-            <a:off x="4516806" y="1872318"/>
-            <a:ext cx="3485735" cy="398064"/>
-          </p:xfrm>
-          <a:graphic>
-            <a:graphicData uri="http://schemas.openxmlformats.org/presentationml/2006/ole">
-              <mc:AlternateContent xmlns:mc="http://schemas.openxmlformats.org/markup-compatibility/2006">
-                <mc:Choice xmlns:v="urn:schemas-microsoft-com:vml" Requires="v">
-                  <p:oleObj name="Equation" r:id="rId27" imgW="2006280" imgH="228600" progId="Equation.DSMT4">
-                    <p:embed/>
-                  </p:oleObj>
-                </mc:Choice>
-                <mc:Fallback>
-                  <p:oleObj name="Equation" r:id="rId27" imgW="2006280" imgH="228600" progId="Equation.DSMT4">
-                    <p:embed/>
-                    <p:pic>
-                      <p:nvPicPr>
-                        <p:cNvPr id="49" name="Об'єкт 48">
-                          <a:extLst>
-                            <a:ext uri="{FF2B5EF4-FFF2-40B4-BE49-F238E27FC236}">
-                              <a16:creationId xmlns:a16="http://schemas.microsoft.com/office/drawing/2014/main" id="{A9E60726-F4B8-6B00-AB8C-06AC49F45FC8}"/>
-                            </a:ext>
-                          </a:extLst>
-                        </p:cNvPr>
-                        <p:cNvPicPr/>
-                        <p:nvPr/>
-                      </p:nvPicPr>
-                      <p:blipFill>
-                        <a:blip r:embed="rId28"/>
-                        <a:stretch>
-                          <a:fillRect/>
-                        </a:stretch>
-                      </p:blipFill>
-                      <p:spPr>
-                        <a:xfrm>
-                          <a:off x="4516806" y="1872318"/>
-                          <a:ext cx="3485735" cy="398064"/>
-                        </a:xfrm>
-                        <a:prstGeom prst="rect">
-                          <a:avLst/>
-                        </a:prstGeom>
-                      </p:spPr>
-                    </p:pic>
-                  </p:oleObj>
-                </mc:Fallback>
-              </mc:AlternateContent>
-            </a:graphicData>
-          </a:graphic>
-        </p:graphicFrame>
-        <p:graphicFrame>
-          <p:nvGraphicFramePr>
-            <p:cNvPr id="1034" name="Об'єкт 1033">
-              <a:extLst>
-                <a:ext uri="{FF2B5EF4-FFF2-40B4-BE49-F238E27FC236}">
-                  <a16:creationId xmlns:a16="http://schemas.microsoft.com/office/drawing/2014/main" id="{8C00E38B-4663-7493-6343-20E7A5F849F6}"/>
-                </a:ext>
-              </a:extLst>
-            </p:cNvPr>
-            <p:cNvGraphicFramePr>
-              <a:graphicFrameLocks noChangeAspect="1"/>
-            </p:cNvGraphicFramePr>
-            <p:nvPr>
-              <p:extLst>
-                <p:ext uri="{D42A27DB-BD31-4B8C-83A1-F6EECF244321}">
-                  <p14:modId xmlns:p14="http://schemas.microsoft.com/office/powerpoint/2010/main" val="2435377302"/>
-                </p:ext>
-              </p:extLst>
-            </p:nvPr>
-          </p:nvGraphicFramePr>
-          <p:xfrm>
-            <a:off x="4520473" y="1445039"/>
-            <a:ext cx="2957649" cy="396237"/>
-          </p:xfrm>
-          <a:graphic>
-            <a:graphicData uri="http://schemas.openxmlformats.org/presentationml/2006/ole">
-              <mc:AlternateContent xmlns:mc="http://schemas.openxmlformats.org/markup-compatibility/2006">
-                <mc:Choice xmlns:v="urn:schemas-microsoft-com:vml" Requires="v">
-                  <p:oleObj name="Equation" r:id="rId29" imgW="1701720" imgH="228600" progId="Equation.DSMT4">
-                    <p:embed/>
-                  </p:oleObj>
-                </mc:Choice>
-                <mc:Fallback>
-                  <p:oleObj name="Equation" r:id="rId29" imgW="1701720" imgH="228600" progId="Equation.DSMT4">
-                    <p:embed/>
-                    <p:pic>
-                      <p:nvPicPr>
-                        <p:cNvPr id="50" name="Об'єкт 49">
-                          <a:extLst>
-                            <a:ext uri="{FF2B5EF4-FFF2-40B4-BE49-F238E27FC236}">
-                              <a16:creationId xmlns:a16="http://schemas.microsoft.com/office/drawing/2014/main" id="{6AB29E23-42C7-54FD-DF0E-F39418E05E89}"/>
-                            </a:ext>
-                          </a:extLst>
-                        </p:cNvPr>
-                        <p:cNvPicPr/>
-                        <p:nvPr/>
-                      </p:nvPicPr>
-                      <p:blipFill>
-                        <a:blip r:embed="rId30"/>
-                        <a:stretch>
-                          <a:fillRect/>
-                        </a:stretch>
-                      </p:blipFill>
-                      <p:spPr>
-                        <a:xfrm>
-                          <a:off x="4520473" y="1445039"/>
-                          <a:ext cx="2957649" cy="396237"/>
-                        </a:xfrm>
-                        <a:prstGeom prst="rect">
-                          <a:avLst/>
-                        </a:prstGeom>
-                      </p:spPr>
-                    </p:pic>
-                  </p:oleObj>
-                </mc:Fallback>
-              </mc:AlternateContent>
-            </a:graphicData>
-          </a:graphic>
-        </p:graphicFrame>
-        <p:graphicFrame>
-          <p:nvGraphicFramePr>
-            <p:cNvPr id="1035" name="Об'єкт 1034">
-              <a:extLst>
-                <a:ext uri="{FF2B5EF4-FFF2-40B4-BE49-F238E27FC236}">
-                  <a16:creationId xmlns:a16="http://schemas.microsoft.com/office/drawing/2014/main" id="{12C9A2E9-69E2-C489-87BB-54CCFCA67200}"/>
-                </a:ext>
-              </a:extLst>
-            </p:cNvPr>
-            <p:cNvGraphicFramePr>
-              <a:graphicFrameLocks noChangeAspect="1"/>
-            </p:cNvGraphicFramePr>
-            <p:nvPr>
-              <p:extLst>
-                <p:ext uri="{D42A27DB-BD31-4B8C-83A1-F6EECF244321}">
-                  <p14:modId xmlns:p14="http://schemas.microsoft.com/office/powerpoint/2010/main" val="2240875830"/>
-                </p:ext>
-              </p:extLst>
-            </p:nvPr>
-          </p:nvGraphicFramePr>
-          <p:xfrm>
-            <a:off x="4520473" y="1015933"/>
-            <a:ext cx="2341549" cy="396238"/>
-          </p:xfrm>
-          <a:graphic>
-            <a:graphicData uri="http://schemas.openxmlformats.org/presentationml/2006/ole">
-              <mc:AlternateContent xmlns:mc="http://schemas.openxmlformats.org/markup-compatibility/2006">
-                <mc:Choice xmlns:v="urn:schemas-microsoft-com:vml" Requires="v">
-                  <p:oleObj name="Equation" r:id="rId31" imgW="1346040" imgH="228600" progId="Equation.DSMT4">
-                    <p:embed/>
-                  </p:oleObj>
-                </mc:Choice>
-                <mc:Fallback>
-                  <p:oleObj name="Equation" r:id="rId31" imgW="1346040" imgH="228600" progId="Equation.DSMT4">
-                    <p:embed/>
-                    <p:pic>
-                      <p:nvPicPr>
-                        <p:cNvPr id="51" name="Об'єкт 50">
-                          <a:extLst>
-                            <a:ext uri="{FF2B5EF4-FFF2-40B4-BE49-F238E27FC236}">
-                              <a16:creationId xmlns:a16="http://schemas.microsoft.com/office/drawing/2014/main" id="{61197DFD-464F-03F5-3221-397013F21E41}"/>
-                            </a:ext>
-                          </a:extLst>
-                        </p:cNvPr>
-                        <p:cNvPicPr/>
-                        <p:nvPr/>
-                      </p:nvPicPr>
-                      <p:blipFill>
-                        <a:blip r:embed="rId32"/>
-                        <a:stretch>
-                          <a:fillRect/>
-                        </a:stretch>
-                      </p:blipFill>
-                      <p:spPr>
-                        <a:xfrm>
-                          <a:off x="4520473" y="1015933"/>
-                          <a:ext cx="2341549" cy="396238"/>
-                        </a:xfrm>
-                        <a:prstGeom prst="rect">
-                          <a:avLst/>
-                        </a:prstGeom>
-                      </p:spPr>
-                    </p:pic>
-                  </p:oleObj>
-                </mc:Fallback>
-              </mc:AlternateContent>
-            </a:graphicData>
-          </a:graphic>
-        </p:graphicFrame>
-        <p:graphicFrame>
-          <p:nvGraphicFramePr>
-            <p:cNvPr id="1036" name="Об'єкт 1035">
-              <a:extLst>
-                <a:ext uri="{FF2B5EF4-FFF2-40B4-BE49-F238E27FC236}">
-                  <a16:creationId xmlns:a16="http://schemas.microsoft.com/office/drawing/2014/main" id="{C971A93E-628B-F0E8-B76A-05866768ED63}"/>
-                </a:ext>
-              </a:extLst>
-            </p:cNvPr>
-            <p:cNvGraphicFramePr>
-              <a:graphicFrameLocks noChangeAspect="1"/>
-            </p:cNvGraphicFramePr>
-            <p:nvPr>
-              <p:extLst>
-                <p:ext uri="{D42A27DB-BD31-4B8C-83A1-F6EECF244321}">
-                  <p14:modId xmlns:p14="http://schemas.microsoft.com/office/powerpoint/2010/main" val="2422459530"/>
-                </p:ext>
-              </p:extLst>
-            </p:nvPr>
-          </p:nvGraphicFramePr>
-          <p:xfrm>
-            <a:off x="4520473" y="586827"/>
-            <a:ext cx="1987657" cy="398064"/>
-          </p:xfrm>
-          <a:graphic>
-            <a:graphicData uri="http://schemas.openxmlformats.org/presentationml/2006/ole">
-              <mc:AlternateContent xmlns:mc="http://schemas.openxmlformats.org/markup-compatibility/2006">
-                <mc:Choice xmlns:v="urn:schemas-microsoft-com:vml" Requires="v">
-                  <p:oleObj name="Equation" r:id="rId33" imgW="1143000" imgH="228600" progId="Equation.DSMT4">
-                    <p:embed/>
-                  </p:oleObj>
-                </mc:Choice>
-                <mc:Fallback>
-                  <p:oleObj name="Equation" r:id="rId33" imgW="1143000" imgH="228600" progId="Equation.DSMT4">
-                    <p:embed/>
-                    <p:pic>
-                      <p:nvPicPr>
-                        <p:cNvPr id="52" name="Об'єкт 51">
-                          <a:extLst>
-                            <a:ext uri="{FF2B5EF4-FFF2-40B4-BE49-F238E27FC236}">
-                              <a16:creationId xmlns:a16="http://schemas.microsoft.com/office/drawing/2014/main" id="{91D4FF4C-A8D1-BA9A-5807-5DBCD3B20305}"/>
-                            </a:ext>
-                          </a:extLst>
-                        </p:cNvPr>
-                        <p:cNvPicPr/>
-                        <p:nvPr/>
-                      </p:nvPicPr>
-                      <p:blipFill>
-                        <a:blip r:embed="rId34"/>
-                        <a:stretch>
-                          <a:fillRect/>
-                        </a:stretch>
-                      </p:blipFill>
-                      <p:spPr>
-                        <a:xfrm>
-                          <a:off x="4520473" y="586827"/>
-                          <a:ext cx="1987657" cy="398064"/>
-                        </a:xfrm>
-                        <a:prstGeom prst="rect">
-                          <a:avLst/>
-                        </a:prstGeom>
-                      </p:spPr>
-                    </p:pic>
-                  </p:oleObj>
-                </mc:Fallback>
-              </mc:AlternateContent>
-            </a:graphicData>
-          </a:graphic>
-        </p:graphicFrame>
-      </p:grpSp>
       <p:sp>
         <p:nvSpPr>
           <p:cNvPr id="1042" name="Стрілка: вигнута 1041">
             <a:extLst>
               <a:ext uri="{FF2B5EF4-FFF2-40B4-BE49-F238E27FC236}">
-                <a16:creationId xmlns:a16="http://schemas.microsoft.com/office/drawing/2014/main" id="{26A88228-3F66-A3C3-5D63-C15FDC24A86F}"/>
+                <a16:creationId xmlns:a16="http://schemas.microsoft.com/office/drawing/2014/main" id="{FEB75AE1-9DA2-17B2-FF4B-6F704F014C87}"/>
               </a:ext>
             </a:extLst>
           </p:cNvPr>
@@ -9500,7 +13678,7 @@
         </p:nvSpPr>
         <p:spPr>
           <a:xfrm rot="5400000">
-            <a:off x="4419066" y="1199576"/>
+            <a:off x="4420245" y="1030279"/>
             <a:ext cx="880695" cy="423460"/>
           </a:xfrm>
           <a:prstGeom prst="bentArrow">
@@ -9544,7 +13722,7 @@
           <p:cNvPr id="1040" name="Стрілка: вигнута 1039">
             <a:extLst>
               <a:ext uri="{FF2B5EF4-FFF2-40B4-BE49-F238E27FC236}">
-                <a16:creationId xmlns:a16="http://schemas.microsoft.com/office/drawing/2014/main" id="{8338F802-3AA1-5CD2-0A84-868220CA5272}"/>
+                <a16:creationId xmlns:a16="http://schemas.microsoft.com/office/drawing/2014/main" id="{C92C0FCB-F537-E4EA-3E50-10D0CBA169CC}"/>
               </a:ext>
             </a:extLst>
           </p:cNvPr>
@@ -9553,7 +13731,7 @@
         </p:nvSpPr>
         <p:spPr>
           <a:xfrm rot="5400000">
-            <a:off x="4170832" y="1312563"/>
+            <a:off x="4172011" y="1143266"/>
             <a:ext cx="1123424" cy="439928"/>
           </a:xfrm>
           <a:prstGeom prst="bentArrow">
@@ -9592,10 +13770,1168 @@
           </a:p>
         </p:txBody>
       </p:sp>
+      <p:sp>
+        <p:nvSpPr>
+          <p:cNvPr id="5" name="TextBox 4">
+            <a:extLst>
+              <a:ext uri="{FF2B5EF4-FFF2-40B4-BE49-F238E27FC236}">
+                <a16:creationId xmlns:a16="http://schemas.microsoft.com/office/drawing/2014/main" id="{275F354D-0C52-91EA-410D-2722F77623DC}"/>
+              </a:ext>
+            </a:extLst>
+          </p:cNvPr>
+          <p:cNvSpPr txBox="1"/>
+          <p:nvPr/>
+        </p:nvSpPr>
+        <p:spPr>
+          <a:xfrm>
+            <a:off x="7240570" y="3029876"/>
+            <a:ext cx="925593" cy="276999"/>
+          </a:xfrm>
+          <a:prstGeom prst="rect">
+            <a:avLst/>
+          </a:prstGeom>
+          <a:noFill/>
+        </p:spPr>
+        <p:txBody>
+          <a:bodyPr wrap="square">
+            <a:spAutoFit/>
+          </a:bodyPr>
+          <a:lstStyle/>
+          <a:p>
+            <a:r>
+              <a:rPr lang="en-US" sz="1200" b="1" i="1" kern="100" dirty="0" err="1">
+                <a:effectLst/>
+                <a:latin typeface="Aptos Narrow" panose="020B0004020202020204" pitchFamily="34" charset="0"/>
+                <a:ea typeface="Calibri" panose="020F0502020204030204" pitchFamily="34" charset="0"/>
+              </a:rPr>
+              <a:t>N</a:t>
+            </a:r>
+            <a:r>
+              <a:rPr lang="en-US" sz="1200" b="1" kern="100" baseline="-25000" dirty="0" err="1">
+                <a:effectLst/>
+                <a:latin typeface="Aptos Narrow" panose="020B0004020202020204" pitchFamily="34" charset="0"/>
+                <a:ea typeface="Calibri" panose="020F0502020204030204" pitchFamily="34" charset="0"/>
+              </a:rPr>
+              <a:t>Fe</a:t>
+            </a:r>
+            <a:r>
+              <a:rPr lang="en-US" sz="1200" b="1" kern="100" dirty="0">
+                <a:effectLst/>
+                <a:latin typeface="Aptos Narrow" panose="020B0004020202020204" pitchFamily="34" charset="0"/>
+                <a:ea typeface="Calibri" panose="020F0502020204030204" pitchFamily="34" charset="0"/>
+              </a:rPr>
+              <a:t>-</a:t>
+            </a:r>
+            <a:r>
+              <a:rPr lang="uk-UA" sz="1200" b="1" kern="100" dirty="0" err="1">
+                <a:effectLst/>
+                <a:latin typeface="Aptos Narrow" panose="020B0004020202020204" pitchFamily="34" charset="0"/>
+                <a:ea typeface="Calibri" panose="020F0502020204030204" pitchFamily="34" charset="0"/>
+              </a:rPr>
+              <a:t>altered</a:t>
+            </a:r>
+            <a:endParaRPr lang="uk-UA" sz="1200" b="1" dirty="0">
+              <a:latin typeface="Aptos Narrow" panose="020B0004020202020204" pitchFamily="34" charset="0"/>
+            </a:endParaRPr>
+          </a:p>
+        </p:txBody>
+      </p:sp>
+      <p:sp>
+        <p:nvSpPr>
+          <p:cNvPr id="6" name="TextBox 5">
+            <a:extLst>
+              <a:ext uri="{FF2B5EF4-FFF2-40B4-BE49-F238E27FC236}">
+                <a16:creationId xmlns:a16="http://schemas.microsoft.com/office/drawing/2014/main" id="{36F172E7-7513-0931-BC1C-5ACB452AB0D1}"/>
+              </a:ext>
+            </a:extLst>
+          </p:cNvPr>
+          <p:cNvSpPr txBox="1"/>
+          <p:nvPr/>
+        </p:nvSpPr>
+        <p:spPr>
+          <a:xfrm>
+            <a:off x="7250903" y="3247886"/>
+            <a:ext cx="924127" cy="276999"/>
+          </a:xfrm>
+          <a:prstGeom prst="rect">
+            <a:avLst/>
+          </a:prstGeom>
+          <a:noFill/>
+        </p:spPr>
+        <p:txBody>
+          <a:bodyPr wrap="square">
+            <a:spAutoFit/>
+          </a:bodyPr>
+          <a:lstStyle/>
+          <a:p>
+            <a:r>
+              <a:rPr lang="en-US" sz="1200" b="1" i="1" kern="100" dirty="0">
+                <a:effectLst/>
+                <a:latin typeface="Aptos Narrow" panose="020B0004020202020204" pitchFamily="34" charset="0"/>
+                <a:ea typeface="Calibri" panose="020F0502020204030204" pitchFamily="34" charset="0"/>
+              </a:rPr>
+              <a:t>N</a:t>
+            </a:r>
+            <a:r>
+              <a:rPr lang="en-US" sz="1200" b="1" kern="100" baseline="-25000" dirty="0">
+                <a:effectLst/>
+                <a:latin typeface="Aptos Narrow" panose="020B0004020202020204" pitchFamily="34" charset="0"/>
+                <a:ea typeface="Calibri" panose="020F0502020204030204" pitchFamily="34" charset="0"/>
+              </a:rPr>
+              <a:t>B</a:t>
+            </a:r>
+            <a:r>
+              <a:rPr lang="en-US" sz="1200" b="1" kern="100" dirty="0">
+                <a:effectLst/>
+                <a:latin typeface="Aptos Narrow" panose="020B0004020202020204" pitchFamily="34" charset="0"/>
+                <a:ea typeface="Calibri" panose="020F0502020204030204" pitchFamily="34" charset="0"/>
+              </a:rPr>
+              <a:t>-</a:t>
+            </a:r>
+            <a:r>
+              <a:rPr lang="uk-UA" sz="1200" b="1" kern="100" dirty="0" err="1">
+                <a:effectLst/>
+                <a:latin typeface="Aptos Narrow" panose="020B0004020202020204" pitchFamily="34" charset="0"/>
+                <a:ea typeface="Calibri" panose="020F0502020204030204" pitchFamily="34" charset="0"/>
+              </a:rPr>
+              <a:t>altered</a:t>
+            </a:r>
+            <a:endParaRPr lang="uk-UA" sz="1200" b="1" dirty="0">
+              <a:latin typeface="Aptos Narrow" panose="020B0004020202020204" pitchFamily="34" charset="0"/>
+            </a:endParaRPr>
+          </a:p>
+        </p:txBody>
+      </p:sp>
+      <p:sp>
+        <p:nvSpPr>
+          <p:cNvPr id="14" name="TextBox 13">
+            <a:extLst>
+              <a:ext uri="{FF2B5EF4-FFF2-40B4-BE49-F238E27FC236}">
+                <a16:creationId xmlns:a16="http://schemas.microsoft.com/office/drawing/2014/main" id="{14C31C25-D713-91EC-AFCF-FF1BDA408470}"/>
+              </a:ext>
+            </a:extLst>
+          </p:cNvPr>
+          <p:cNvSpPr txBox="1"/>
+          <p:nvPr/>
+        </p:nvSpPr>
+        <p:spPr>
+          <a:xfrm>
+            <a:off x="7286321" y="3475492"/>
+            <a:ext cx="785413" cy="276999"/>
+          </a:xfrm>
+          <a:prstGeom prst="rect">
+            <a:avLst/>
+          </a:prstGeom>
+          <a:noFill/>
+        </p:spPr>
+        <p:txBody>
+          <a:bodyPr wrap="square">
+            <a:spAutoFit/>
+          </a:bodyPr>
+          <a:lstStyle/>
+          <a:p>
+            <a:r>
+              <a:rPr lang="en-US" sz="1200" b="1" i="1" kern="100" dirty="0">
+                <a:effectLst/>
+                <a:latin typeface="Aptos Narrow" panose="020B0004020202020204" pitchFamily="34" charset="0"/>
+                <a:ea typeface="Calibri" panose="020F0502020204030204" pitchFamily="34" charset="0"/>
+              </a:rPr>
+              <a:t>T</a:t>
+            </a:r>
+            <a:r>
+              <a:rPr lang="en-US" sz="1200" b="1" kern="100" dirty="0">
+                <a:effectLst/>
+                <a:latin typeface="Aptos Narrow" panose="020B0004020202020204" pitchFamily="34" charset="0"/>
+                <a:ea typeface="Calibri" panose="020F0502020204030204" pitchFamily="34" charset="0"/>
+              </a:rPr>
+              <a:t>-</a:t>
+            </a:r>
+            <a:r>
+              <a:rPr lang="uk-UA" sz="1200" b="1" kern="100" dirty="0" err="1">
+                <a:effectLst/>
+                <a:latin typeface="Aptos Narrow" panose="020B0004020202020204" pitchFamily="34" charset="0"/>
+                <a:ea typeface="Calibri" panose="020F0502020204030204" pitchFamily="34" charset="0"/>
+              </a:rPr>
+              <a:t>altered</a:t>
+            </a:r>
+            <a:endParaRPr lang="uk-UA" sz="1200" b="1" dirty="0">
+              <a:latin typeface="Aptos Narrow" panose="020B0004020202020204" pitchFamily="34" charset="0"/>
+            </a:endParaRPr>
+          </a:p>
+        </p:txBody>
+      </p:sp>
+      <p:sp>
+        <p:nvSpPr>
+          <p:cNvPr id="15" name="TextBox 14">
+            <a:extLst>
+              <a:ext uri="{FF2B5EF4-FFF2-40B4-BE49-F238E27FC236}">
+                <a16:creationId xmlns:a16="http://schemas.microsoft.com/office/drawing/2014/main" id="{E92C66CB-D24D-48A6-EFD0-2BE512F0DEDD}"/>
+              </a:ext>
+            </a:extLst>
+          </p:cNvPr>
+          <p:cNvSpPr txBox="1"/>
+          <p:nvPr/>
+        </p:nvSpPr>
+        <p:spPr>
+          <a:xfrm>
+            <a:off x="7227835" y="3713031"/>
+            <a:ext cx="930769" cy="276999"/>
+          </a:xfrm>
+          <a:prstGeom prst="rect">
+            <a:avLst/>
+          </a:prstGeom>
+          <a:noFill/>
+        </p:spPr>
+        <p:txBody>
+          <a:bodyPr wrap="square">
+            <a:spAutoFit/>
+          </a:bodyPr>
+          <a:lstStyle/>
+          <a:p>
+            <a:r>
+              <a:rPr lang="en-US" sz="1200" b="1" kern="100" dirty="0">
+                <a:effectLst/>
+                <a:latin typeface="Aptos Narrow" panose="020B0004020202020204" pitchFamily="34" charset="0"/>
+                <a:ea typeface="Calibri" panose="020F0502020204030204" pitchFamily="34" charset="0"/>
+              </a:rPr>
+              <a:t>All-</a:t>
+            </a:r>
+            <a:r>
+              <a:rPr lang="uk-UA" sz="1200" b="1" kern="100" dirty="0" err="1">
+                <a:effectLst/>
+                <a:latin typeface="Aptos Narrow" panose="020B0004020202020204" pitchFamily="34" charset="0"/>
+                <a:ea typeface="Calibri" panose="020F0502020204030204" pitchFamily="34" charset="0"/>
+              </a:rPr>
+              <a:t>altered</a:t>
+            </a:r>
+            <a:endParaRPr lang="uk-UA" sz="1200" b="1" dirty="0">
+              <a:latin typeface="Aptos Narrow" panose="020B0004020202020204" pitchFamily="34" charset="0"/>
+            </a:endParaRPr>
+          </a:p>
+        </p:txBody>
+      </p:sp>
+      <p:sp>
+        <p:nvSpPr>
+          <p:cNvPr id="20" name="TextBox 19">
+            <a:extLst>
+              <a:ext uri="{FF2B5EF4-FFF2-40B4-BE49-F238E27FC236}">
+                <a16:creationId xmlns:a16="http://schemas.microsoft.com/office/drawing/2014/main" id="{E8AAE1EE-67DC-8FF3-D9F1-0CF8DAB9F89A}"/>
+              </a:ext>
+            </a:extLst>
+          </p:cNvPr>
+          <p:cNvSpPr txBox="1"/>
+          <p:nvPr/>
+        </p:nvSpPr>
+        <p:spPr>
+          <a:xfrm>
+            <a:off x="7114815" y="3912010"/>
+            <a:ext cx="1122120" cy="276999"/>
+          </a:xfrm>
+          <a:prstGeom prst="rect">
+            <a:avLst/>
+          </a:prstGeom>
+          <a:noFill/>
+        </p:spPr>
+        <p:txBody>
+          <a:bodyPr wrap="square">
+            <a:spAutoFit/>
+          </a:bodyPr>
+          <a:lstStyle/>
+          <a:p>
+            <a:pPr algn="ctr"/>
+            <a:r>
+              <a:rPr lang="en-US" sz="1200" b="1" kern="100" dirty="0">
+                <a:effectLst/>
+                <a:latin typeface="Aptos Narrow" panose="020B0004020202020204" pitchFamily="34" charset="0"/>
+                <a:ea typeface="Calibri" panose="020F0502020204030204" pitchFamily="34" charset="0"/>
+              </a:rPr>
+              <a:t>experimental</a:t>
+            </a:r>
+            <a:endParaRPr lang="uk-UA" sz="1200" b="1" dirty="0">
+              <a:latin typeface="Aptos Narrow" panose="020B0004020202020204" pitchFamily="34" charset="0"/>
+            </a:endParaRPr>
+          </a:p>
+        </p:txBody>
+      </p:sp>
+      <p:sp>
+        <p:nvSpPr>
+          <p:cNvPr id="24" name="TextBox 23">
+            <a:extLst>
+              <a:ext uri="{FF2B5EF4-FFF2-40B4-BE49-F238E27FC236}">
+                <a16:creationId xmlns:a16="http://schemas.microsoft.com/office/drawing/2014/main" id="{A8555824-94AC-E7E6-9A6B-A95C42211257}"/>
+              </a:ext>
+            </a:extLst>
+          </p:cNvPr>
+          <p:cNvSpPr txBox="1"/>
+          <p:nvPr/>
+        </p:nvSpPr>
+        <p:spPr>
+          <a:xfrm>
+            <a:off x="6862933" y="582367"/>
+            <a:ext cx="1332416" cy="430887"/>
+          </a:xfrm>
+          <a:prstGeom prst="rect">
+            <a:avLst/>
+          </a:prstGeom>
+          <a:noFill/>
+        </p:spPr>
+        <p:txBody>
+          <a:bodyPr wrap="none" rtlCol="0">
+            <a:spAutoFit/>
+          </a:bodyPr>
+          <a:lstStyle/>
+          <a:p>
+            <a:r>
+              <a:rPr lang="en-US" sz="2200" b="1" dirty="0">
+                <a:latin typeface="Arial" panose="020B0604020202020204" pitchFamily="34" charset="0"/>
+                <a:cs typeface="Arial" panose="020B0604020202020204" pitchFamily="34" charset="0"/>
+              </a:rPr>
+              <a:t>datasets</a:t>
+            </a:r>
+            <a:endParaRPr lang="uk-UA" sz="2200" b="1" dirty="0">
+              <a:latin typeface="Arial" panose="020B0604020202020204" pitchFamily="34" charset="0"/>
+              <a:cs typeface="Arial" panose="020B0604020202020204" pitchFamily="34" charset="0"/>
+            </a:endParaRPr>
+          </a:p>
+        </p:txBody>
+      </p:sp>
+      <p:sp>
+        <p:nvSpPr>
+          <p:cNvPr id="25" name="TextBox 24">
+            <a:extLst>
+              <a:ext uri="{FF2B5EF4-FFF2-40B4-BE49-F238E27FC236}">
+                <a16:creationId xmlns:a16="http://schemas.microsoft.com/office/drawing/2014/main" id="{99C28D3D-962D-61CE-6D34-FDBEB36F6AEC}"/>
+              </a:ext>
+            </a:extLst>
+          </p:cNvPr>
+          <p:cNvSpPr txBox="1"/>
+          <p:nvPr/>
+        </p:nvSpPr>
+        <p:spPr>
+          <a:xfrm>
+            <a:off x="7232003" y="1599421"/>
+            <a:ext cx="739305" cy="400110"/>
+          </a:xfrm>
+          <a:prstGeom prst="rect">
+            <a:avLst/>
+          </a:prstGeom>
+          <a:noFill/>
+        </p:spPr>
+        <p:txBody>
+          <a:bodyPr vert="horz" wrap="none" rtlCol="0">
+            <a:spAutoFit/>
+          </a:bodyPr>
+          <a:lstStyle/>
+          <a:p>
+            <a:r>
+              <a:rPr lang="en-US" sz="2000" b="1" dirty="0">
+                <a:latin typeface="Arial" panose="020B0604020202020204" pitchFamily="34" charset="0"/>
+                <a:cs typeface="Arial" panose="020B0604020202020204" pitchFamily="34" charset="0"/>
+              </a:rPr>
+              <a:t>train</a:t>
+            </a:r>
+            <a:endParaRPr lang="uk-UA" sz="2000" b="1" dirty="0">
+              <a:latin typeface="Arial" panose="020B0604020202020204" pitchFamily="34" charset="0"/>
+              <a:cs typeface="Arial" panose="020B0604020202020204" pitchFamily="34" charset="0"/>
+            </a:endParaRPr>
+          </a:p>
+        </p:txBody>
+      </p:sp>
+      <p:sp>
+        <p:nvSpPr>
+          <p:cNvPr id="26" name="TextBox 25">
+            <a:extLst>
+              <a:ext uri="{FF2B5EF4-FFF2-40B4-BE49-F238E27FC236}">
+                <a16:creationId xmlns:a16="http://schemas.microsoft.com/office/drawing/2014/main" id="{EA280115-8A3A-8847-76C4-4EC8ECB632D6}"/>
+              </a:ext>
+            </a:extLst>
+          </p:cNvPr>
+          <p:cNvSpPr txBox="1"/>
+          <p:nvPr/>
+        </p:nvSpPr>
+        <p:spPr>
+          <a:xfrm>
+            <a:off x="6680370" y="3309641"/>
+            <a:ext cx="492443" cy="547586"/>
+          </a:xfrm>
+          <a:prstGeom prst="rect">
+            <a:avLst/>
+          </a:prstGeom>
+          <a:noFill/>
+        </p:spPr>
+        <p:txBody>
+          <a:bodyPr vert="vert270" wrap="none" rtlCol="0">
+            <a:spAutoFit/>
+          </a:bodyPr>
+          <a:lstStyle/>
+          <a:p>
+            <a:r>
+              <a:rPr lang="en-US" sz="2000" b="1" dirty="0">
+                <a:latin typeface="Arial" panose="020B0604020202020204" pitchFamily="34" charset="0"/>
+                <a:cs typeface="Arial" panose="020B0604020202020204" pitchFamily="34" charset="0"/>
+              </a:rPr>
+              <a:t>test</a:t>
+            </a:r>
+            <a:endParaRPr lang="uk-UA" sz="2000" b="1" dirty="0">
+              <a:latin typeface="Arial" panose="020B0604020202020204" pitchFamily="34" charset="0"/>
+              <a:cs typeface="Arial" panose="020B0604020202020204" pitchFamily="34" charset="0"/>
+            </a:endParaRPr>
+          </a:p>
+        </p:txBody>
+      </p:sp>
+      <p:sp>
+        <p:nvSpPr>
+          <p:cNvPr id="28" name="Стрілка: вигнута 27">
+            <a:extLst>
+              <a:ext uri="{FF2B5EF4-FFF2-40B4-BE49-F238E27FC236}">
+                <a16:creationId xmlns:a16="http://schemas.microsoft.com/office/drawing/2014/main" id="{BE15275A-1F25-9FAB-9C02-E22F99DE3712}"/>
+              </a:ext>
+            </a:extLst>
+          </p:cNvPr>
+          <p:cNvSpPr/>
+          <p:nvPr/>
+        </p:nvSpPr>
+        <p:spPr>
+          <a:xfrm>
+            <a:off x="1411516" y="2911047"/>
+            <a:ext cx="935953" cy="828171"/>
+          </a:xfrm>
+          <a:prstGeom prst="bentArrow">
+            <a:avLst>
+              <a:gd name="adj1" fmla="val 16254"/>
+              <a:gd name="adj2" fmla="val 15708"/>
+              <a:gd name="adj3" fmla="val 22814"/>
+              <a:gd name="adj4" fmla="val 43750"/>
+            </a:avLst>
+          </a:prstGeom>
+          <a:solidFill>
+            <a:srgbClr val="FFD5D5"/>
+          </a:solidFill>
+        </p:spPr>
+        <p:style>
+          <a:lnRef idx="2">
+            <a:schemeClr val="accent1">
+              <a:shade val="15000"/>
+            </a:schemeClr>
+          </a:lnRef>
+          <a:fillRef idx="1">
+            <a:schemeClr val="accent1"/>
+          </a:fillRef>
+          <a:effectRef idx="0">
+            <a:schemeClr val="accent1"/>
+          </a:effectRef>
+          <a:fontRef idx="minor">
+            <a:schemeClr val="lt1"/>
+          </a:fontRef>
+        </p:style>
+        <p:txBody>
+          <a:bodyPr rtlCol="0" anchor="ctr"/>
+          <a:lstStyle/>
+          <a:p>
+            <a:pPr algn="ctr"/>
+            <a:endParaRPr lang="uk-UA">
+              <a:solidFill>
+                <a:schemeClr val="tx1"/>
+              </a:solidFill>
+            </a:endParaRPr>
+          </a:p>
+        </p:txBody>
+      </p:sp>
+      <p:sp>
+        <p:nvSpPr>
+          <p:cNvPr id="46" name="Стрілка: вигнута 45">
+            <a:extLst>
+              <a:ext uri="{FF2B5EF4-FFF2-40B4-BE49-F238E27FC236}">
+                <a16:creationId xmlns:a16="http://schemas.microsoft.com/office/drawing/2014/main" id="{7920CBA2-03FF-E664-BFA9-D9E0B5AB5E47}"/>
+              </a:ext>
+            </a:extLst>
+          </p:cNvPr>
+          <p:cNvSpPr/>
+          <p:nvPr/>
+        </p:nvSpPr>
+        <p:spPr>
+          <a:xfrm flipV="1">
+            <a:off x="1426248" y="1420575"/>
+            <a:ext cx="1080110" cy="380728"/>
+          </a:xfrm>
+          <a:prstGeom prst="bentArrow">
+            <a:avLst>
+              <a:gd name="adj1" fmla="val 31416"/>
+              <a:gd name="adj2" fmla="val 29976"/>
+              <a:gd name="adj3" fmla="val 50000"/>
+              <a:gd name="adj4" fmla="val 43750"/>
+            </a:avLst>
+          </a:prstGeom>
+          <a:solidFill>
+            <a:srgbClr val="00B0F0"/>
+          </a:solidFill>
+        </p:spPr>
+        <p:style>
+          <a:lnRef idx="2">
+            <a:schemeClr val="accent1">
+              <a:shade val="15000"/>
+            </a:schemeClr>
+          </a:lnRef>
+          <a:fillRef idx="1">
+            <a:schemeClr val="accent1"/>
+          </a:fillRef>
+          <a:effectRef idx="0">
+            <a:schemeClr val="accent1"/>
+          </a:effectRef>
+          <a:fontRef idx="minor">
+            <a:schemeClr val="lt1"/>
+          </a:fontRef>
+        </p:style>
+        <p:txBody>
+          <a:bodyPr rtlCol="0" anchor="ctr"/>
+          <a:lstStyle/>
+          <a:p>
+            <a:pPr algn="ctr"/>
+            <a:endParaRPr lang="uk-UA">
+              <a:solidFill>
+                <a:schemeClr val="accent5">
+                  <a:lumMod val="75000"/>
+                </a:schemeClr>
+              </a:solidFill>
+            </a:endParaRPr>
+          </a:p>
+        </p:txBody>
+      </p:sp>
+      <p:sp>
+        <p:nvSpPr>
+          <p:cNvPr id="32" name="Стрілка: вигнута 31">
+            <a:extLst>
+              <a:ext uri="{FF2B5EF4-FFF2-40B4-BE49-F238E27FC236}">
+                <a16:creationId xmlns:a16="http://schemas.microsoft.com/office/drawing/2014/main" id="{5C99D3D7-05D4-8773-CDEC-B3B193DEAB1E}"/>
+              </a:ext>
+            </a:extLst>
+          </p:cNvPr>
+          <p:cNvSpPr/>
+          <p:nvPr/>
+        </p:nvSpPr>
+        <p:spPr>
+          <a:xfrm flipV="1">
+            <a:off x="1419745" y="1429268"/>
+            <a:ext cx="935953" cy="828171"/>
+          </a:xfrm>
+          <a:prstGeom prst="bentArrow">
+            <a:avLst>
+              <a:gd name="adj1" fmla="val 16254"/>
+              <a:gd name="adj2" fmla="val 15708"/>
+              <a:gd name="adj3" fmla="val 22814"/>
+              <a:gd name="adj4" fmla="val 43750"/>
+            </a:avLst>
+          </a:prstGeom>
+          <a:solidFill>
+            <a:srgbClr val="00B0F0"/>
+          </a:solidFill>
+        </p:spPr>
+        <p:style>
+          <a:lnRef idx="2">
+            <a:schemeClr val="accent1">
+              <a:shade val="15000"/>
+            </a:schemeClr>
+          </a:lnRef>
+          <a:fillRef idx="1">
+            <a:schemeClr val="accent1"/>
+          </a:fillRef>
+          <a:effectRef idx="0">
+            <a:schemeClr val="accent1"/>
+          </a:effectRef>
+          <a:fontRef idx="minor">
+            <a:schemeClr val="lt1"/>
+          </a:fontRef>
+        </p:style>
+        <p:txBody>
+          <a:bodyPr rtlCol="0" anchor="ctr"/>
+          <a:lstStyle/>
+          <a:p>
+            <a:pPr algn="ctr"/>
+            <a:endParaRPr lang="uk-UA">
+              <a:solidFill>
+                <a:schemeClr val="accent5">
+                  <a:lumMod val="75000"/>
+                </a:schemeClr>
+              </a:solidFill>
+            </a:endParaRPr>
+          </a:p>
+        </p:txBody>
+      </p:sp>
+      <p:sp>
+        <p:nvSpPr>
+          <p:cNvPr id="48" name="TextBox 47">
+            <a:extLst>
+              <a:ext uri="{FF2B5EF4-FFF2-40B4-BE49-F238E27FC236}">
+                <a16:creationId xmlns:a16="http://schemas.microsoft.com/office/drawing/2014/main" id="{C30F606C-EC1C-D445-3BA9-0BE91F5E123C}"/>
+              </a:ext>
+            </a:extLst>
+          </p:cNvPr>
+          <p:cNvSpPr txBox="1"/>
+          <p:nvPr/>
+        </p:nvSpPr>
+        <p:spPr>
+          <a:xfrm>
+            <a:off x="860748" y="760855"/>
+            <a:ext cx="1154483" cy="430887"/>
+          </a:xfrm>
+          <a:prstGeom prst="rect">
+            <a:avLst/>
+          </a:prstGeom>
+          <a:noFill/>
+        </p:spPr>
+        <p:txBody>
+          <a:bodyPr wrap="none" rtlCol="0">
+            <a:spAutoFit/>
+          </a:bodyPr>
+          <a:lstStyle/>
+          <a:p>
+            <a:r>
+              <a:rPr lang="en-US" sz="2200" b="1" dirty="0">
+                <a:latin typeface="Arial" panose="020B0604020202020204" pitchFamily="34" charset="0"/>
+                <a:cs typeface="Arial" panose="020B0604020202020204" pitchFamily="34" charset="0"/>
+              </a:rPr>
+              <a:t>SCAPS</a:t>
+            </a:r>
+            <a:endParaRPr lang="uk-UA" sz="2200" b="1" dirty="0">
+              <a:latin typeface="Arial" panose="020B0604020202020204" pitchFamily="34" charset="0"/>
+              <a:cs typeface="Arial" panose="020B0604020202020204" pitchFamily="34" charset="0"/>
+            </a:endParaRPr>
+          </a:p>
+        </p:txBody>
+      </p:sp>
+      <p:sp>
+        <p:nvSpPr>
+          <p:cNvPr id="53" name="TextBox 52">
+            <a:extLst>
+              <a:ext uri="{FF2B5EF4-FFF2-40B4-BE49-F238E27FC236}">
+                <a16:creationId xmlns:a16="http://schemas.microsoft.com/office/drawing/2014/main" id="{3690F22F-D404-BB04-6784-E4B3EE446328}"/>
+              </a:ext>
+            </a:extLst>
+          </p:cNvPr>
+          <p:cNvSpPr txBox="1"/>
+          <p:nvPr/>
+        </p:nvSpPr>
+        <p:spPr>
+          <a:xfrm rot="1638538">
+            <a:off x="513269" y="1940493"/>
+            <a:ext cx="1598515" cy="430887"/>
+          </a:xfrm>
+          <a:prstGeom prst="rect">
+            <a:avLst/>
+          </a:prstGeom>
+          <a:noFill/>
+        </p:spPr>
+        <p:txBody>
+          <a:bodyPr wrap="none" rtlCol="0">
+            <a:spAutoFit/>
+          </a:bodyPr>
+          <a:lstStyle/>
+          <a:p>
+            <a:r>
+              <a:rPr lang="en-US" sz="2200" b="1" dirty="0">
+                <a:solidFill>
+                  <a:srgbClr val="00B0F0"/>
+                </a:solidFill>
+                <a:latin typeface="Arial" panose="020B0604020202020204" pitchFamily="34" charset="0"/>
+                <a:cs typeface="Arial" panose="020B0604020202020204" pitchFamily="34" charset="0"/>
+              </a:rPr>
+              <a:t>simulation</a:t>
+            </a:r>
+            <a:endParaRPr lang="uk-UA" sz="2200" b="1" dirty="0">
+              <a:solidFill>
+                <a:srgbClr val="00B0F0"/>
+              </a:solidFill>
+              <a:latin typeface="Arial" panose="020B0604020202020204" pitchFamily="34" charset="0"/>
+              <a:cs typeface="Arial" panose="020B0604020202020204" pitchFamily="34" charset="0"/>
+            </a:endParaRPr>
+          </a:p>
+        </p:txBody>
+      </p:sp>
+      <p:sp>
+        <p:nvSpPr>
+          <p:cNvPr id="54" name="TextBox 53">
+            <a:extLst>
+              <a:ext uri="{FF2B5EF4-FFF2-40B4-BE49-F238E27FC236}">
+                <a16:creationId xmlns:a16="http://schemas.microsoft.com/office/drawing/2014/main" id="{4F9F7D9D-0090-286C-3CE6-EEFD8365C6A0}"/>
+              </a:ext>
+            </a:extLst>
+          </p:cNvPr>
+          <p:cNvSpPr txBox="1"/>
+          <p:nvPr/>
+        </p:nvSpPr>
+        <p:spPr>
+          <a:xfrm rot="20143709">
+            <a:off x="114450" y="2859174"/>
+            <a:ext cx="2020105" cy="430887"/>
+          </a:xfrm>
+          <a:prstGeom prst="rect">
+            <a:avLst/>
+          </a:prstGeom>
+          <a:noFill/>
+        </p:spPr>
+        <p:txBody>
+          <a:bodyPr wrap="none" rtlCol="0">
+            <a:spAutoFit/>
+          </a:bodyPr>
+          <a:lstStyle/>
+          <a:p>
+            <a:r>
+              <a:rPr lang="en-US" sz="2200" b="1" dirty="0">
+                <a:solidFill>
+                  <a:srgbClr val="FFAFAF"/>
+                </a:solidFill>
+                <a:latin typeface="Arial" panose="020B0604020202020204" pitchFamily="34" charset="0"/>
+                <a:cs typeface="Arial" panose="020B0604020202020204" pitchFamily="34" charset="0"/>
+              </a:rPr>
+              <a:t>measurement</a:t>
+            </a:r>
+            <a:endParaRPr lang="uk-UA" sz="2200" b="1" dirty="0">
+              <a:solidFill>
+                <a:srgbClr val="FFAFAF"/>
+              </a:solidFill>
+              <a:latin typeface="Arial" panose="020B0604020202020204" pitchFamily="34" charset="0"/>
+              <a:cs typeface="Arial" panose="020B0604020202020204" pitchFamily="34" charset="0"/>
+            </a:endParaRPr>
+          </a:p>
+        </p:txBody>
+      </p:sp>
+      <p:graphicFrame>
+        <p:nvGraphicFramePr>
+          <p:cNvPr id="55" name="Об'єкт 54">
+            <a:extLst>
+              <a:ext uri="{FF2B5EF4-FFF2-40B4-BE49-F238E27FC236}">
+                <a16:creationId xmlns:a16="http://schemas.microsoft.com/office/drawing/2014/main" id="{AADB8D1B-205F-E922-E6EA-5F1668D4C6F6}"/>
+              </a:ext>
+            </a:extLst>
+          </p:cNvPr>
+          <p:cNvGraphicFramePr>
+            <a:graphicFrameLocks noChangeAspect="1"/>
+          </p:cNvGraphicFramePr>
+          <p:nvPr/>
+        </p:nvGraphicFramePr>
+        <p:xfrm>
+          <a:off x="2457010" y="4824363"/>
+          <a:ext cx="983158" cy="537096"/>
+        </p:xfrm>
+        <a:graphic>
+          <a:graphicData uri="http://schemas.openxmlformats.org/presentationml/2006/ole">
+            <mc:AlternateContent xmlns:mc="http://schemas.openxmlformats.org/markup-compatibility/2006">
+              <mc:Choice xmlns:v="urn:schemas-microsoft-com:vml" Requires="v">
+                <p:oleObj name="Equation" r:id="rId27" imgW="393480" imgH="215640" progId="Equation.DSMT4">
+                  <p:embed/>
+                </p:oleObj>
+              </mc:Choice>
+              <mc:Fallback>
+                <p:oleObj name="Equation" r:id="rId27" imgW="393480" imgH="215640" progId="Equation.DSMT4">
+                  <p:embed/>
+                  <p:pic>
+                    <p:nvPicPr>
+                      <p:cNvPr id="55" name="Об'єкт 54">
+                        <a:extLst>
+                          <a:ext uri="{FF2B5EF4-FFF2-40B4-BE49-F238E27FC236}">
+                            <a16:creationId xmlns:a16="http://schemas.microsoft.com/office/drawing/2014/main" id="{99142320-5725-4C40-1A25-B2872225FD2E}"/>
+                          </a:ext>
+                        </a:extLst>
+                      </p:cNvPr>
+                      <p:cNvPicPr/>
+                      <p:nvPr/>
+                    </p:nvPicPr>
+                    <p:blipFill>
+                      <a:blip r:embed="rId28"/>
+                      <a:stretch>
+                        <a:fillRect/>
+                      </a:stretch>
+                    </p:blipFill>
+                    <p:spPr>
+                      <a:xfrm>
+                        <a:off x="2457010" y="4824363"/>
+                        <a:ext cx="983158" cy="537096"/>
+                      </a:xfrm>
+                      <a:prstGeom prst="rect">
+                        <a:avLst/>
+                      </a:prstGeom>
+                    </p:spPr>
+                  </p:pic>
+                </p:oleObj>
+              </mc:Fallback>
+            </mc:AlternateContent>
+          </a:graphicData>
+        </a:graphic>
+      </p:graphicFrame>
+      <p:graphicFrame>
+        <p:nvGraphicFramePr>
+          <p:cNvPr id="56" name="Об'єкт 55">
+            <a:extLst>
+              <a:ext uri="{FF2B5EF4-FFF2-40B4-BE49-F238E27FC236}">
+                <a16:creationId xmlns:a16="http://schemas.microsoft.com/office/drawing/2014/main" id="{B406C521-212D-2974-1E26-30E2547BA227}"/>
+              </a:ext>
+            </a:extLst>
+          </p:cNvPr>
+          <p:cNvGraphicFramePr>
+            <a:graphicFrameLocks noChangeAspect="1"/>
+          </p:cNvGraphicFramePr>
+          <p:nvPr/>
+        </p:nvGraphicFramePr>
+        <p:xfrm>
+          <a:off x="4068763" y="4981575"/>
+          <a:ext cx="1046162" cy="568325"/>
+        </p:xfrm>
+        <a:graphic>
+          <a:graphicData uri="http://schemas.openxmlformats.org/presentationml/2006/ole">
+            <mc:AlternateContent xmlns:mc="http://schemas.openxmlformats.org/markup-compatibility/2006">
+              <mc:Choice xmlns:v="urn:schemas-microsoft-com:vml" Requires="v">
+                <p:oleObj name="Equation" r:id="rId29" imgW="419040" imgH="228600" progId="Equation.DSMT4">
+                  <p:embed/>
+                </p:oleObj>
+              </mc:Choice>
+              <mc:Fallback>
+                <p:oleObj name="Equation" r:id="rId29" imgW="419040" imgH="228600" progId="Equation.DSMT4">
+                  <p:embed/>
+                  <p:pic>
+                    <p:nvPicPr>
+                      <p:cNvPr id="56" name="Об'єкт 55">
+                        <a:extLst>
+                          <a:ext uri="{FF2B5EF4-FFF2-40B4-BE49-F238E27FC236}">
+                            <a16:creationId xmlns:a16="http://schemas.microsoft.com/office/drawing/2014/main" id="{B22527A6-9EB1-5CE9-F949-BF1655CD30DB}"/>
+                          </a:ext>
+                        </a:extLst>
+                      </p:cNvPr>
+                      <p:cNvPicPr/>
+                      <p:nvPr/>
+                    </p:nvPicPr>
+                    <p:blipFill>
+                      <a:blip r:embed="rId30"/>
+                      <a:stretch>
+                        <a:fillRect/>
+                      </a:stretch>
+                    </p:blipFill>
+                    <p:spPr>
+                      <a:xfrm>
+                        <a:off x="4068763" y="4981575"/>
+                        <a:ext cx="1046162" cy="568325"/>
+                      </a:xfrm>
+                      <a:prstGeom prst="rect">
+                        <a:avLst/>
+                      </a:prstGeom>
+                    </p:spPr>
+                  </p:pic>
+                </p:oleObj>
+              </mc:Fallback>
+            </mc:AlternateContent>
+          </a:graphicData>
+        </a:graphic>
+      </p:graphicFrame>
+      <p:grpSp>
+        <p:nvGrpSpPr>
+          <p:cNvPr id="2" name="Групувати 1">
+            <a:extLst>
+              <a:ext uri="{FF2B5EF4-FFF2-40B4-BE49-F238E27FC236}">
+                <a16:creationId xmlns:a16="http://schemas.microsoft.com/office/drawing/2014/main" id="{652F8A84-F141-299E-2B03-943287041F07}"/>
+              </a:ext>
+            </a:extLst>
+          </p:cNvPr>
+          <p:cNvGrpSpPr/>
+          <p:nvPr/>
+        </p:nvGrpSpPr>
+        <p:grpSpPr>
+          <a:xfrm>
+            <a:off x="9225102" y="2591972"/>
+            <a:ext cx="919633" cy="1099988"/>
+            <a:chOff x="6965935" y="5631255"/>
+            <a:chExt cx="919633" cy="1099988"/>
+          </a:xfrm>
+        </p:grpSpPr>
+        <p:sp>
+          <p:nvSpPr>
+            <p:cNvPr id="3" name="Стрілка: вигнута 2">
+              <a:extLst>
+                <a:ext uri="{FF2B5EF4-FFF2-40B4-BE49-F238E27FC236}">
+                  <a16:creationId xmlns:a16="http://schemas.microsoft.com/office/drawing/2014/main" id="{6D152809-4A4A-00EC-ABF3-08CD791F5439}"/>
+                </a:ext>
+              </a:extLst>
+            </p:cNvPr>
+            <p:cNvSpPr/>
+            <p:nvPr/>
+          </p:nvSpPr>
+          <p:spPr>
+            <a:xfrm>
+              <a:off x="7286321" y="5631255"/>
+              <a:ext cx="599247" cy="389299"/>
+            </a:xfrm>
+            <a:prstGeom prst="bentArrow">
+              <a:avLst/>
+            </a:prstGeom>
+            <a:ln>
+              <a:noFill/>
+            </a:ln>
+          </p:spPr>
+          <p:style>
+            <a:lnRef idx="2">
+              <a:schemeClr val="accent1">
+                <a:shade val="15000"/>
+              </a:schemeClr>
+            </a:lnRef>
+            <a:fillRef idx="1">
+              <a:schemeClr val="accent1"/>
+            </a:fillRef>
+            <a:effectRef idx="0">
+              <a:schemeClr val="accent1"/>
+            </a:effectRef>
+            <a:fontRef idx="minor">
+              <a:schemeClr val="lt1"/>
+            </a:fontRef>
+          </p:style>
+          <p:txBody>
+            <a:bodyPr rtlCol="0" anchor="ctr"/>
+            <a:lstStyle/>
+            <a:p>
+              <a:pPr algn="ctr"/>
+              <a:endParaRPr lang="uk-UA">
+                <a:solidFill>
+                  <a:schemeClr val="tx1"/>
+                </a:solidFill>
+              </a:endParaRPr>
+            </a:p>
+          </p:txBody>
+        </p:sp>
+        <p:sp>
+          <p:nvSpPr>
+            <p:cNvPr id="8" name="Стрілка: вигнута 7">
+              <a:extLst>
+                <a:ext uri="{FF2B5EF4-FFF2-40B4-BE49-F238E27FC236}">
+                  <a16:creationId xmlns:a16="http://schemas.microsoft.com/office/drawing/2014/main" id="{9AFBCD8D-DB54-2208-ED67-23D35326DC51}"/>
+                </a:ext>
+              </a:extLst>
+            </p:cNvPr>
+            <p:cNvSpPr/>
+            <p:nvPr/>
+          </p:nvSpPr>
+          <p:spPr>
+            <a:xfrm>
+              <a:off x="7286321" y="5862116"/>
+              <a:ext cx="599247" cy="389299"/>
+            </a:xfrm>
+            <a:prstGeom prst="bentArrow">
+              <a:avLst/>
+            </a:prstGeom>
+            <a:ln>
+              <a:noFill/>
+            </a:ln>
+          </p:spPr>
+          <p:style>
+            <a:lnRef idx="2">
+              <a:schemeClr val="accent1">
+                <a:shade val="15000"/>
+              </a:schemeClr>
+            </a:lnRef>
+            <a:fillRef idx="1">
+              <a:schemeClr val="accent1"/>
+            </a:fillRef>
+            <a:effectRef idx="0">
+              <a:schemeClr val="accent1"/>
+            </a:effectRef>
+            <a:fontRef idx="minor">
+              <a:schemeClr val="lt1"/>
+            </a:fontRef>
+          </p:style>
+          <p:txBody>
+            <a:bodyPr rtlCol="0" anchor="ctr"/>
+            <a:lstStyle/>
+            <a:p>
+              <a:pPr algn="ctr"/>
+              <a:endParaRPr lang="uk-UA">
+                <a:solidFill>
+                  <a:schemeClr val="tx1"/>
+                </a:solidFill>
+              </a:endParaRPr>
+            </a:p>
+          </p:txBody>
+        </p:sp>
+        <p:sp>
+          <p:nvSpPr>
+            <p:cNvPr id="9" name="Стрілка: вигнута 8">
+              <a:extLst>
+                <a:ext uri="{FF2B5EF4-FFF2-40B4-BE49-F238E27FC236}">
+                  <a16:creationId xmlns:a16="http://schemas.microsoft.com/office/drawing/2014/main" id="{9B814AFB-1126-607E-3BDB-EC109D661DCF}"/>
+                </a:ext>
+              </a:extLst>
+            </p:cNvPr>
+            <p:cNvSpPr/>
+            <p:nvPr/>
+          </p:nvSpPr>
+          <p:spPr>
+            <a:xfrm>
+              <a:off x="6965935" y="6083924"/>
+              <a:ext cx="913598" cy="389299"/>
+            </a:xfrm>
+            <a:prstGeom prst="bentArrow">
+              <a:avLst/>
+            </a:prstGeom>
+            <a:ln>
+              <a:noFill/>
+            </a:ln>
+          </p:spPr>
+          <p:style>
+            <a:lnRef idx="2">
+              <a:schemeClr val="accent1">
+                <a:shade val="15000"/>
+              </a:schemeClr>
+            </a:lnRef>
+            <a:fillRef idx="1">
+              <a:schemeClr val="accent1"/>
+            </a:fillRef>
+            <a:effectRef idx="0">
+              <a:schemeClr val="accent1"/>
+            </a:effectRef>
+            <a:fontRef idx="minor">
+              <a:schemeClr val="lt1"/>
+            </a:fontRef>
+          </p:style>
+          <p:txBody>
+            <a:bodyPr rtlCol="0" anchor="ctr"/>
+            <a:lstStyle/>
+            <a:p>
+              <a:pPr algn="ctr"/>
+              <a:endParaRPr lang="uk-UA">
+                <a:solidFill>
+                  <a:schemeClr val="tx1"/>
+                </a:solidFill>
+              </a:endParaRPr>
+            </a:p>
+          </p:txBody>
+        </p:sp>
+        <p:grpSp>
+          <p:nvGrpSpPr>
+            <p:cNvPr id="12" name="Групувати 11">
+              <a:extLst>
+                <a:ext uri="{FF2B5EF4-FFF2-40B4-BE49-F238E27FC236}">
+                  <a16:creationId xmlns:a16="http://schemas.microsoft.com/office/drawing/2014/main" id="{81C8E381-9004-AAAD-8AD8-2514C96ACCD6}"/>
+                </a:ext>
+              </a:extLst>
+            </p:cNvPr>
+            <p:cNvGrpSpPr/>
+            <p:nvPr/>
+          </p:nvGrpSpPr>
+          <p:grpSpPr>
+            <a:xfrm flipV="1">
+              <a:off x="7274872" y="6111083"/>
+              <a:ext cx="599247" cy="620160"/>
+              <a:chOff x="8277407" y="5646854"/>
+              <a:chExt cx="599247" cy="620160"/>
+            </a:xfrm>
+          </p:grpSpPr>
+          <p:sp>
+            <p:nvSpPr>
+              <p:cNvPr id="29" name="Стрілка: вигнута 28">
+                <a:extLst>
+                  <a:ext uri="{FF2B5EF4-FFF2-40B4-BE49-F238E27FC236}">
+                    <a16:creationId xmlns:a16="http://schemas.microsoft.com/office/drawing/2014/main" id="{88D3DBFA-A179-830A-81BB-7FBC97585EDF}"/>
+                  </a:ext>
+                </a:extLst>
+              </p:cNvPr>
+              <p:cNvSpPr/>
+              <p:nvPr/>
+            </p:nvSpPr>
+            <p:spPr>
+              <a:xfrm>
+                <a:off x="8277407" y="5646854"/>
+                <a:ext cx="599247" cy="389299"/>
+              </a:xfrm>
+              <a:prstGeom prst="bentArrow">
+                <a:avLst/>
+              </a:prstGeom>
+              <a:ln>
+                <a:noFill/>
+              </a:ln>
+            </p:spPr>
+            <p:style>
+              <a:lnRef idx="2">
+                <a:schemeClr val="accent1">
+                  <a:shade val="15000"/>
+                </a:schemeClr>
+              </a:lnRef>
+              <a:fillRef idx="1">
+                <a:schemeClr val="accent1"/>
+              </a:fillRef>
+              <a:effectRef idx="0">
+                <a:schemeClr val="accent1"/>
+              </a:effectRef>
+              <a:fontRef idx="minor">
+                <a:schemeClr val="lt1"/>
+              </a:fontRef>
+            </p:style>
+            <p:txBody>
+              <a:bodyPr rtlCol="0" anchor="ctr"/>
+              <a:lstStyle/>
+              <a:p>
+                <a:pPr algn="ctr"/>
+                <a:endParaRPr lang="uk-UA">
+                  <a:solidFill>
+                    <a:schemeClr val="tx1"/>
+                  </a:solidFill>
+                </a:endParaRPr>
+              </a:p>
+            </p:txBody>
+          </p:sp>
+          <p:sp>
+            <p:nvSpPr>
+              <p:cNvPr id="47" name="Стрілка: вигнута 46">
+                <a:extLst>
+                  <a:ext uri="{FF2B5EF4-FFF2-40B4-BE49-F238E27FC236}">
+                    <a16:creationId xmlns:a16="http://schemas.microsoft.com/office/drawing/2014/main" id="{1B7EE9A9-E1DD-0B3C-3BFF-7485D778904D}"/>
+                  </a:ext>
+                </a:extLst>
+              </p:cNvPr>
+              <p:cNvSpPr/>
+              <p:nvPr/>
+            </p:nvSpPr>
+            <p:spPr>
+              <a:xfrm>
+                <a:off x="8277407" y="5877715"/>
+                <a:ext cx="599247" cy="389299"/>
+              </a:xfrm>
+              <a:prstGeom prst="bentArrow">
+                <a:avLst/>
+              </a:prstGeom>
+              <a:ln>
+                <a:noFill/>
+              </a:ln>
+            </p:spPr>
+            <p:style>
+              <a:lnRef idx="2">
+                <a:schemeClr val="accent1">
+                  <a:shade val="15000"/>
+                </a:schemeClr>
+              </a:lnRef>
+              <a:fillRef idx="1">
+                <a:schemeClr val="accent1"/>
+              </a:fillRef>
+              <a:effectRef idx="0">
+                <a:schemeClr val="accent1"/>
+              </a:effectRef>
+              <a:fontRef idx="minor">
+                <a:schemeClr val="lt1"/>
+              </a:fontRef>
+            </p:style>
+            <p:txBody>
+              <a:bodyPr rtlCol="0" anchor="ctr"/>
+              <a:lstStyle/>
+              <a:p>
+                <a:pPr algn="ctr"/>
+                <a:endParaRPr lang="uk-UA">
+                  <a:solidFill>
+                    <a:schemeClr val="tx1"/>
+                  </a:solidFill>
+                </a:endParaRPr>
+              </a:p>
+            </p:txBody>
+          </p:sp>
+        </p:grpSp>
+      </p:grpSp>
     </p:spTree>
     <p:extLst>
       <p:ext uri="{BB962C8B-B14F-4D97-AF65-F5344CB8AC3E}">
-        <p14:creationId xmlns:p14="http://schemas.microsoft.com/office/powerpoint/2010/main" val="3700793027"/>
+        <p14:creationId xmlns:p14="http://schemas.microsoft.com/office/powerpoint/2010/main" val="1393416555"/>
       </p:ext>
     </p:extLst>
   </p:cSld>
